--- a/Diabetes prediction using logistic regression.pptx
+++ b/Diabetes prediction using logistic regression.pptx
@@ -9,15 +9,20 @@
     <p:sldId id="257" r:id="rId3"/>
     <p:sldId id="258" r:id="rId4"/>
     <p:sldId id="261" r:id="rId5"/>
-    <p:sldId id="270" r:id="rId6"/>
-    <p:sldId id="262" r:id="rId7"/>
-    <p:sldId id="263" r:id="rId8"/>
-    <p:sldId id="264" r:id="rId9"/>
-    <p:sldId id="265" r:id="rId10"/>
-    <p:sldId id="266" r:id="rId11"/>
-    <p:sldId id="267" r:id="rId12"/>
-    <p:sldId id="268" r:id="rId13"/>
-    <p:sldId id="269" r:id="rId14"/>
+    <p:sldId id="263" r:id="rId6"/>
+    <p:sldId id="270" r:id="rId7"/>
+    <p:sldId id="262" r:id="rId8"/>
+    <p:sldId id="266" r:id="rId9"/>
+    <p:sldId id="271" r:id="rId10"/>
+    <p:sldId id="272" r:id="rId11"/>
+    <p:sldId id="273" r:id="rId12"/>
+    <p:sldId id="276" r:id="rId13"/>
+    <p:sldId id="267" r:id="rId14"/>
+    <p:sldId id="268" r:id="rId15"/>
+    <p:sldId id="278" r:id="rId16"/>
+    <p:sldId id="279" r:id="rId17"/>
+    <p:sldId id="275" r:id="rId18"/>
+    <p:sldId id="274" r:id="rId19"/>
   </p:sldIdLst>
   <p:sldSz cx="12192000" cy="6858000"/>
   <p:notesSz cx="6858000" cy="9144000"/>
@@ -116,7 +121,271 @@
       </a:defRPr>
     </a:lvl9pPr>
   </p:defaultTextStyle>
+  <p:extLst>
+    <p:ext uri="{EFAFB233-063F-42B5-8137-9DF3F51BA10A}">
+      <p15:sldGuideLst xmlns:p15="http://schemas.microsoft.com/office/powerpoint/2012/main"/>
+    </p:ext>
+  </p:extLst>
 </p:presentation>
+</file>
+
+<file path=ppt/revisionInfo.xml><?xml version="1.0" encoding="utf-8"?>
+<p1510:revInfo xmlns:a="http://schemas.openxmlformats.org/drawingml/2006/main" xmlns:r="http://schemas.openxmlformats.org/officeDocument/2006/relationships" xmlns:p1510="http://schemas.microsoft.com/office/powerpoint/2015/10/main">
+  <p1510:revLst>
+    <p1510:client id="{82322F84-B134-4B08-A103-97BFD0DCBDA4}" v="21" dt="2020-02-20T21:30:27.430"/>
+    <p1510:client id="{E712FE31-9A57-4D74-AC70-9D75CA45BA13}" v="72" dt="2020-02-20T22:25:17.991"/>
+    <p1510:client id="{EA1554B3-3B70-45BF-B5F5-9E143C6A29D8}" v="1" dt="2020-02-20T20:49:27.222"/>
+  </p1510:revLst>
+</p1510:revInfo>
+</file>
+
+<file path=ppt/changesInfos/changesInfo1.xml><?xml version="1.0" encoding="utf-8"?>
+<pc:chgInfo xmlns:a="http://schemas.openxmlformats.org/drawingml/2006/main" xmlns:r="http://schemas.openxmlformats.org/officeDocument/2006/relationships" xmlns:ac="http://schemas.microsoft.com/office/drawing/2013/main/command" xmlns:pc="http://schemas.microsoft.com/office/powerpoint/2013/main/command">
+  <pc:docChgLst>
+    <pc:chgData name="Swamykannu, Prathiba (swamykpa)" userId="S::swamykpa@mail.uc.edu::b7295739-34c7-41cd-bbe0-6569320a7687" providerId="AD" clId="Web-{82322F84-B134-4B08-A103-97BFD0DCBDA4}"/>
+    <pc:docChg chg="modSld">
+      <pc:chgData name="Swamykannu, Prathiba (swamykpa)" userId="S::swamykpa@mail.uc.edu::b7295739-34c7-41cd-bbe0-6569320a7687" providerId="AD" clId="Web-{82322F84-B134-4B08-A103-97BFD0DCBDA4}" dt="2020-02-20T21:30:27.430" v="19" actId="14100"/>
+      <pc:docMkLst>
+        <pc:docMk/>
+      </pc:docMkLst>
+      <pc:sldChg chg="addSp delSp modSp">
+        <pc:chgData name="Swamykannu, Prathiba (swamykpa)" userId="S::swamykpa@mail.uc.edu::b7295739-34c7-41cd-bbe0-6569320a7687" providerId="AD" clId="Web-{82322F84-B134-4B08-A103-97BFD0DCBDA4}" dt="2020-02-20T21:30:27.430" v="19" actId="14100"/>
+        <pc:sldMkLst>
+          <pc:docMk/>
+          <pc:sldMk cId="1636646553" sldId="268"/>
+        </pc:sldMkLst>
+        <pc:spChg chg="mod">
+          <ac:chgData name="Swamykannu, Prathiba (swamykpa)" userId="S::swamykpa@mail.uc.edu::b7295739-34c7-41cd-bbe0-6569320a7687" providerId="AD" clId="Web-{82322F84-B134-4B08-A103-97BFD0DCBDA4}" dt="2020-02-20T21:28:58.614" v="4"/>
+          <ac:spMkLst>
+            <pc:docMk/>
+            <pc:sldMk cId="1636646553" sldId="268"/>
+            <ac:spMk id="2" creationId="{BE6DD7A6-6C0D-4C7B-A6BF-BD61695916EC}"/>
+          </ac:spMkLst>
+        </pc:spChg>
+        <pc:spChg chg="add del">
+          <ac:chgData name="Swamykannu, Prathiba (swamykpa)" userId="S::swamykpa@mail.uc.edu::b7295739-34c7-41cd-bbe0-6569320a7687" providerId="AD" clId="Web-{82322F84-B134-4B08-A103-97BFD0DCBDA4}" dt="2020-02-20T21:28:58.614" v="4"/>
+          <ac:spMkLst>
+            <pc:docMk/>
+            <pc:sldMk cId="1636646553" sldId="268"/>
+            <ac:spMk id="17" creationId="{4C10CBC8-7837-4750-8EE9-B4C3D50488F6}"/>
+          </ac:spMkLst>
+        </pc:spChg>
+        <pc:spChg chg="add del">
+          <ac:chgData name="Swamykannu, Prathiba (swamykpa)" userId="S::swamykpa@mail.uc.edu::b7295739-34c7-41cd-bbe0-6569320a7687" providerId="AD" clId="Web-{82322F84-B134-4B08-A103-97BFD0DCBDA4}" dt="2020-02-20T21:28:58.614" v="4"/>
+          <ac:spMkLst>
+            <pc:docMk/>
+            <pc:sldMk cId="1636646553" sldId="268"/>
+            <ac:spMk id="19" creationId="{69014793-11D4-4A17-9261-1A2E683ADF75}"/>
+          </ac:spMkLst>
+        </pc:spChg>
+        <pc:spChg chg="add del">
+          <ac:chgData name="Swamykannu, Prathiba (swamykpa)" userId="S::swamykpa@mail.uc.edu::b7295739-34c7-41cd-bbe0-6569320a7687" providerId="AD" clId="Web-{82322F84-B134-4B08-A103-97BFD0DCBDA4}" dt="2020-02-20T21:28:58.614" v="4"/>
+          <ac:spMkLst>
+            <pc:docMk/>
+            <pc:sldMk cId="1636646553" sldId="268"/>
+            <ac:spMk id="24" creationId="{DA381740-063A-41A4-836D-85D14980EEF0}"/>
+          </ac:spMkLst>
+        </pc:spChg>
+        <pc:spChg chg="add del">
+          <ac:chgData name="Swamykannu, Prathiba (swamykpa)" userId="S::swamykpa@mail.uc.edu::b7295739-34c7-41cd-bbe0-6569320a7687" providerId="AD" clId="Web-{82322F84-B134-4B08-A103-97BFD0DCBDA4}" dt="2020-02-20T21:28:58.614" v="4"/>
+          <ac:spMkLst>
+            <pc:docMk/>
+            <pc:sldMk cId="1636646553" sldId="268"/>
+            <ac:spMk id="26" creationId="{DA21A4AC-5300-4176-B2FB-67830A380702}"/>
+          </ac:spMkLst>
+        </pc:spChg>
+        <pc:picChg chg="add mod">
+          <ac:chgData name="Swamykannu, Prathiba (swamykpa)" userId="S::swamykpa@mail.uc.edu::b7295739-34c7-41cd-bbe0-6569320a7687" providerId="AD" clId="Web-{82322F84-B134-4B08-A103-97BFD0DCBDA4}" dt="2020-02-20T21:29:47.444" v="12" actId="1076"/>
+          <ac:picMkLst>
+            <pc:docMk/>
+            <pc:sldMk cId="1636646553" sldId="268"/>
+            <ac:picMk id="3" creationId="{7AD2BE78-E7E8-45E0-A49B-4209015C02D9}"/>
+          </ac:picMkLst>
+        </pc:picChg>
+        <pc:picChg chg="del mod">
+          <ac:chgData name="Swamykannu, Prathiba (swamykpa)" userId="S::swamykpa@mail.uc.edu::b7295739-34c7-41cd-bbe0-6569320a7687" providerId="AD" clId="Web-{82322F84-B134-4B08-A103-97BFD0DCBDA4}" dt="2020-02-20T21:29:19.662" v="10"/>
+          <ac:picMkLst>
+            <pc:docMk/>
+            <pc:sldMk cId="1636646553" sldId="268"/>
+            <ac:picMk id="5" creationId="{9503F199-E182-48C8-8BEA-872E2316E4D0}"/>
+          </ac:picMkLst>
+        </pc:picChg>
+        <pc:picChg chg="del">
+          <ac:chgData name="Swamykannu, Prathiba (swamykpa)" userId="S::swamykpa@mail.uc.edu::b7295739-34c7-41cd-bbe0-6569320a7687" providerId="AD" clId="Web-{82322F84-B134-4B08-A103-97BFD0DCBDA4}" dt="2020-02-20T21:28:48.660" v="0"/>
+          <ac:picMkLst>
+            <pc:docMk/>
+            <pc:sldMk cId="1636646553" sldId="268"/>
+            <ac:picMk id="6" creationId="{9ED53A62-D6CA-4346-B4C3-3D2A5AF44ADE}"/>
+          </ac:picMkLst>
+        </pc:picChg>
+        <pc:picChg chg="add mod">
+          <ac:chgData name="Swamykannu, Prathiba (swamykpa)" userId="S::swamykpa@mail.uc.edu::b7295739-34c7-41cd-bbe0-6569320a7687" providerId="AD" clId="Web-{82322F84-B134-4B08-A103-97BFD0DCBDA4}" dt="2020-02-20T21:30:27.430" v="19" actId="14100"/>
+          <ac:picMkLst>
+            <pc:docMk/>
+            <pc:sldMk cId="1636646553" sldId="268"/>
+            <ac:picMk id="7" creationId="{9AD584A5-0D60-43FB-8CF4-941439A57D1A}"/>
+          </ac:picMkLst>
+        </pc:picChg>
+      </pc:sldChg>
+    </pc:docChg>
+  </pc:docChgLst>
+  <pc:docChgLst>
+    <pc:chgData name="Huynh, Huong (huynhht)" userId="S::huynhht@mail.uc.edu::1fb1a580-8037-4462-a3dc-e4ca57dee2d0" providerId="AD" clId="Web-{EA1554B3-3B70-45BF-B5F5-9E143C6A29D8}"/>
+    <pc:docChg chg="sldOrd">
+      <pc:chgData name="Huynh, Huong (huynhht)" userId="S::huynhht@mail.uc.edu::1fb1a580-8037-4462-a3dc-e4ca57dee2d0" providerId="AD" clId="Web-{EA1554B3-3B70-45BF-B5F5-9E143C6A29D8}" dt="2020-02-20T20:49:27.222" v="0"/>
+      <pc:docMkLst>
+        <pc:docMk/>
+      </pc:docMkLst>
+      <pc:sldChg chg="ord">
+        <pc:chgData name="Huynh, Huong (huynhht)" userId="S::huynhht@mail.uc.edu::1fb1a580-8037-4462-a3dc-e4ca57dee2d0" providerId="AD" clId="Web-{EA1554B3-3B70-45BF-B5F5-9E143C6A29D8}" dt="2020-02-20T20:49:27.222" v="0"/>
+        <pc:sldMkLst>
+          <pc:docMk/>
+          <pc:sldMk cId="603596986" sldId="263"/>
+        </pc:sldMkLst>
+      </pc:sldChg>
+    </pc:docChg>
+  </pc:docChgLst>
+  <pc:docChgLst>
+    <pc:chgData name="Swamykannu, Prathiba (swamykpa)" userId="S::swamykpa@mail.uc.edu::b7295739-34c7-41cd-bbe0-6569320a7687" providerId="AD" clId="Web-{E712FE31-9A57-4D74-AC70-9D75CA45BA13}"/>
+    <pc:docChg chg="addSld delSld modSld">
+      <pc:chgData name="Swamykannu, Prathiba (swamykpa)" userId="S::swamykpa@mail.uc.edu::b7295739-34c7-41cd-bbe0-6569320a7687" providerId="AD" clId="Web-{E712FE31-9A57-4D74-AC70-9D75CA45BA13}" dt="2020-02-20T22:25:17.991" v="69" actId="20577"/>
+      <pc:docMkLst>
+        <pc:docMk/>
+      </pc:docMkLst>
+      <pc:sldChg chg="addSp delSp modSp">
+        <pc:chgData name="Swamykannu, Prathiba (swamykpa)" userId="S::swamykpa@mail.uc.edu::b7295739-34c7-41cd-bbe0-6569320a7687" providerId="AD" clId="Web-{E712FE31-9A57-4D74-AC70-9D75CA45BA13}" dt="2020-02-20T22:12:57.230" v="13" actId="14100"/>
+        <pc:sldMkLst>
+          <pc:docMk/>
+          <pc:sldMk cId="1636646553" sldId="268"/>
+        </pc:sldMkLst>
+        <pc:picChg chg="del">
+          <ac:chgData name="Swamykannu, Prathiba (swamykpa)" userId="S::swamykpa@mail.uc.edu::b7295739-34c7-41cd-bbe0-6569320a7687" providerId="AD" clId="Web-{E712FE31-9A57-4D74-AC70-9D75CA45BA13}" dt="2020-02-20T22:12:42.917" v="8"/>
+          <ac:picMkLst>
+            <pc:docMk/>
+            <pc:sldMk cId="1636646553" sldId="268"/>
+            <ac:picMk id="3" creationId="{7AD2BE78-E7E8-45E0-A49B-4209015C02D9}"/>
+          </ac:picMkLst>
+        </pc:picChg>
+        <pc:picChg chg="add mod">
+          <ac:chgData name="Swamykannu, Prathiba (swamykpa)" userId="S::swamykpa@mail.uc.edu::b7295739-34c7-41cd-bbe0-6569320a7687" providerId="AD" clId="Web-{E712FE31-9A57-4D74-AC70-9D75CA45BA13}" dt="2020-02-20T22:12:57.230" v="13" actId="14100"/>
+          <ac:picMkLst>
+            <pc:docMk/>
+            <pc:sldMk cId="1636646553" sldId="268"/>
+            <ac:picMk id="4" creationId="{C5510DED-C148-4C39-BAE4-50EE17B0F35D}"/>
+          </ac:picMkLst>
+        </pc:picChg>
+        <pc:picChg chg="del">
+          <ac:chgData name="Swamykannu, Prathiba (swamykpa)" userId="S::swamykpa@mail.uc.edu::b7295739-34c7-41cd-bbe0-6569320a7687" providerId="AD" clId="Web-{E712FE31-9A57-4D74-AC70-9D75CA45BA13}" dt="2020-02-20T22:12:41.151" v="7"/>
+          <ac:picMkLst>
+            <pc:docMk/>
+            <pc:sldMk cId="1636646553" sldId="268"/>
+            <ac:picMk id="7" creationId="{9AD584A5-0D60-43FB-8CF4-941439A57D1A}"/>
+          </ac:picMkLst>
+        </pc:picChg>
+      </pc:sldChg>
+      <pc:sldChg chg="modSp">
+        <pc:chgData name="Swamykannu, Prathiba (swamykpa)" userId="S::swamykpa@mail.uc.edu::b7295739-34c7-41cd-bbe0-6569320a7687" providerId="AD" clId="Web-{E712FE31-9A57-4D74-AC70-9D75CA45BA13}" dt="2020-02-20T22:25:17.991" v="69" actId="20577"/>
+        <pc:sldMkLst>
+          <pc:docMk/>
+          <pc:sldMk cId="3836692667" sldId="275"/>
+        </pc:sldMkLst>
+        <pc:spChg chg="mod">
+          <ac:chgData name="Swamykannu, Prathiba (swamykpa)" userId="S::swamykpa@mail.uc.edu::b7295739-34c7-41cd-bbe0-6569320a7687" providerId="AD" clId="Web-{E712FE31-9A57-4D74-AC70-9D75CA45BA13}" dt="2020-02-20T22:25:17.991" v="69" actId="20577"/>
+          <ac:spMkLst>
+            <pc:docMk/>
+            <pc:sldMk cId="3836692667" sldId="275"/>
+            <ac:spMk id="3" creationId="{69FC4C69-7DF0-44D2-831B-959ABC5432E3}"/>
+          </ac:spMkLst>
+        </pc:spChg>
+      </pc:sldChg>
+      <pc:sldChg chg="addSp delSp modSp new del">
+        <pc:chgData name="Swamykannu, Prathiba (swamykpa)" userId="S::swamykpa@mail.uc.edu::b7295739-34c7-41cd-bbe0-6569320a7687" providerId="AD" clId="Web-{E712FE31-9A57-4D74-AC70-9D75CA45BA13}" dt="2020-02-20T22:13:00.402" v="14"/>
+        <pc:sldMkLst>
+          <pc:docMk/>
+          <pc:sldMk cId="2731003773" sldId="277"/>
+        </pc:sldMkLst>
+        <pc:spChg chg="mod">
+          <ac:chgData name="Swamykannu, Prathiba (swamykpa)" userId="S::swamykpa@mail.uc.edu::b7295739-34c7-41cd-bbe0-6569320a7687" providerId="AD" clId="Web-{E712FE31-9A57-4D74-AC70-9D75CA45BA13}" dt="2020-02-20T22:12:24.167" v="4" actId="20577"/>
+          <ac:spMkLst>
+            <pc:docMk/>
+            <pc:sldMk cId="2731003773" sldId="277"/>
+            <ac:spMk id="2" creationId="{582ADEA5-BACA-404D-B4DC-E7037B993713}"/>
+          </ac:spMkLst>
+        </pc:spChg>
+        <pc:spChg chg="del">
+          <ac:chgData name="Swamykannu, Prathiba (swamykpa)" userId="S::swamykpa@mail.uc.edu::b7295739-34c7-41cd-bbe0-6569320a7687" providerId="AD" clId="Web-{E712FE31-9A57-4D74-AC70-9D75CA45BA13}" dt="2020-02-20T22:12:04.213" v="1"/>
+          <ac:spMkLst>
+            <pc:docMk/>
+            <pc:sldMk cId="2731003773" sldId="277"/>
+            <ac:spMk id="3" creationId="{74C5C553-AD90-4683-AD75-C4FED74AFD2C}"/>
+          </ac:spMkLst>
+        </pc:spChg>
+        <pc:spChg chg="add mod">
+          <ac:chgData name="Swamykannu, Prathiba (swamykpa)" userId="S::swamykpa@mail.uc.edu::b7295739-34c7-41cd-bbe0-6569320a7687" providerId="AD" clId="Web-{E712FE31-9A57-4D74-AC70-9D75CA45BA13}" dt="2020-02-20T22:12:45.979" v="9"/>
+          <ac:spMkLst>
+            <pc:docMk/>
+            <pc:sldMk cId="2731003773" sldId="277"/>
+            <ac:spMk id="7" creationId="{16376368-969F-4D4A-BB66-D0662D9404EC}"/>
+          </ac:spMkLst>
+        </pc:spChg>
+        <pc:picChg chg="add del mod ord">
+          <ac:chgData name="Swamykannu, Prathiba (swamykpa)" userId="S::swamykpa@mail.uc.edu::b7295739-34c7-41cd-bbe0-6569320a7687" providerId="AD" clId="Web-{E712FE31-9A57-4D74-AC70-9D75CA45BA13}" dt="2020-02-20T22:12:45.979" v="9"/>
+          <ac:picMkLst>
+            <pc:docMk/>
+            <pc:sldMk cId="2731003773" sldId="277"/>
+            <ac:picMk id="4" creationId="{F42B4334-C68C-49F4-9857-3E2EBE805B8B}"/>
+          </ac:picMkLst>
+        </pc:picChg>
+      </pc:sldChg>
+      <pc:sldChg chg="delSp modSp add replId">
+        <pc:chgData name="Swamykannu, Prathiba (swamykpa)" userId="S::swamykpa@mail.uc.edu::b7295739-34c7-41cd-bbe0-6569320a7687" providerId="AD" clId="Web-{E712FE31-9A57-4D74-AC70-9D75CA45BA13}" dt="2020-02-20T22:17:30.890" v="20" actId="14100"/>
+        <pc:sldMkLst>
+          <pc:docMk/>
+          <pc:sldMk cId="2256132331" sldId="278"/>
+        </pc:sldMkLst>
+        <pc:picChg chg="del">
+          <ac:chgData name="Swamykannu, Prathiba (swamykpa)" userId="S::swamykpa@mail.uc.edu::b7295739-34c7-41cd-bbe0-6569320a7687" providerId="AD" clId="Web-{E712FE31-9A57-4D74-AC70-9D75CA45BA13}" dt="2020-02-20T22:17:20.046" v="16"/>
+          <ac:picMkLst>
+            <pc:docMk/>
+            <pc:sldMk cId="2256132331" sldId="278"/>
+            <ac:picMk id="3" creationId="{7AD2BE78-E7E8-45E0-A49B-4209015C02D9}"/>
+          </ac:picMkLst>
+        </pc:picChg>
+        <pc:picChg chg="mod">
+          <ac:chgData name="Swamykannu, Prathiba (swamykpa)" userId="S::swamykpa@mail.uc.edu::b7295739-34c7-41cd-bbe0-6569320a7687" providerId="AD" clId="Web-{E712FE31-9A57-4D74-AC70-9D75CA45BA13}" dt="2020-02-20T22:17:30.890" v="20" actId="14100"/>
+          <ac:picMkLst>
+            <pc:docMk/>
+            <pc:sldMk cId="2256132331" sldId="278"/>
+            <ac:picMk id="7" creationId="{9AD584A5-0D60-43FB-8CF4-941439A57D1A}"/>
+          </ac:picMkLst>
+        </pc:picChg>
+      </pc:sldChg>
+      <pc:sldChg chg="delSp modSp add replId">
+        <pc:chgData name="Swamykannu, Prathiba (swamykpa)" userId="S::swamykpa@mail.uc.edu::b7295739-34c7-41cd-bbe0-6569320a7687" providerId="AD" clId="Web-{E712FE31-9A57-4D74-AC70-9D75CA45BA13}" dt="2020-02-20T22:17:42.828" v="25" actId="14100"/>
+        <pc:sldMkLst>
+          <pc:docMk/>
+          <pc:sldMk cId="4121378765" sldId="279"/>
+        </pc:sldMkLst>
+        <pc:picChg chg="mod">
+          <ac:chgData name="Swamykannu, Prathiba (swamykpa)" userId="S::swamykpa@mail.uc.edu::b7295739-34c7-41cd-bbe0-6569320a7687" providerId="AD" clId="Web-{E712FE31-9A57-4D74-AC70-9D75CA45BA13}" dt="2020-02-20T22:17:42.828" v="25" actId="14100"/>
+          <ac:picMkLst>
+            <pc:docMk/>
+            <pc:sldMk cId="4121378765" sldId="279"/>
+            <ac:picMk id="3" creationId="{7AD2BE78-E7E8-45E0-A49B-4209015C02D9}"/>
+          </ac:picMkLst>
+        </pc:picChg>
+        <pc:picChg chg="del">
+          <ac:chgData name="Swamykannu, Prathiba (swamykpa)" userId="S::swamykpa@mail.uc.edu::b7295739-34c7-41cd-bbe0-6569320a7687" providerId="AD" clId="Web-{E712FE31-9A57-4D74-AC70-9D75CA45BA13}" dt="2020-02-20T22:17:34.187" v="21"/>
+          <ac:picMkLst>
+            <pc:docMk/>
+            <pc:sldMk cId="4121378765" sldId="279"/>
+            <ac:picMk id="7" creationId="{9AD584A5-0D60-43FB-8CF4-941439A57D1A}"/>
+          </ac:picMkLst>
+        </pc:picChg>
+      </pc:sldChg>
+    </pc:docChg>
+  </pc:docChgLst>
+</pc:chgInfo>
 </file>
 
 <file path=ppt/diagrams/colors1.xml><?xml version="1.0" encoding="utf-8"?>
@@ -2591,8 +2860,9 @@
         <a:lstStyle/>
         <a:p>
           <a:r>
-            <a:rPr lang="en-US" dirty="0">
-              <a:latin typeface="+mj-lt"/>
+            <a:rPr lang="en-US">
+              <a:latin typeface="Adobe Song Std L" panose="02020300000000000000" pitchFamily="18" charset="-128"/>
+              <a:ea typeface="Adobe Song Std L" panose="02020300000000000000" pitchFamily="18" charset="-128"/>
             </a:rPr>
             <a:t>Summary</a:t>
           </a:r>
@@ -2613,6 +2883,13 @@
     <dgm:pt modelId="{804845FB-875C-45EC-97DD-74BD8DDE8EE3}" type="sibTrans" cxnId="{A0F6A4E6-06EF-492C-B8B4-6FDA09F88AA4}">
       <dgm:prSet phldrT="1" phldr="0"/>
       <dgm:spPr/>
+      <dgm:t>
+        <a:bodyPr/>
+        <a:lstStyle/>
+        <a:p>
+          <a:endParaRPr lang="en-IN"/>
+        </a:p>
+      </dgm:t>
     </dgm:pt>
     <dgm:pt modelId="{2CC6F07C-CB86-4183-8F00-FBA91053E2B0}">
       <dgm:prSet/>
@@ -2623,7 +2900,8 @@
         <a:p>
           <a:r>
             <a:rPr lang="en-US">
-              <a:latin typeface="+mj-lt"/>
+              <a:latin typeface="Adobe Song Std L" panose="02020300000000000000" pitchFamily="18" charset="-128"/>
+              <a:ea typeface="Adobe Song Std L" panose="02020300000000000000" pitchFamily="18" charset="-128"/>
             </a:rPr>
             <a:t>Data Preparation</a:t>
           </a:r>
@@ -2644,6 +2922,13 @@
     <dgm:pt modelId="{054F82DF-3277-4858-842D-F31F293DAA12}" type="sibTrans" cxnId="{5294A65E-634F-401C-917E-A86D851ECBC7}">
       <dgm:prSet phldrT="2" phldr="0"/>
       <dgm:spPr/>
+      <dgm:t>
+        <a:bodyPr/>
+        <a:lstStyle/>
+        <a:p>
+          <a:endParaRPr lang="en-IN"/>
+        </a:p>
+      </dgm:t>
     </dgm:pt>
     <dgm:pt modelId="{0B091EB8-4ADC-4A7D-B363-BBA161DBFA5A}">
       <dgm:prSet/>
@@ -2654,7 +2939,8 @@
         <a:p>
           <a:r>
             <a:rPr lang="en-US">
-              <a:latin typeface="+mj-lt"/>
+              <a:latin typeface="Adobe Song Std L" panose="02020300000000000000" pitchFamily="18" charset="-128"/>
+              <a:ea typeface="Adobe Song Std L" panose="02020300000000000000" pitchFamily="18" charset="-128"/>
             </a:rPr>
             <a:t>EDA</a:t>
           </a:r>
@@ -2675,6 +2961,13 @@
     <dgm:pt modelId="{69E88BD7-70BA-4022-A94E-77459AE11256}" type="sibTrans" cxnId="{14949913-0D41-43AD-A4CA-DAB66334B480}">
       <dgm:prSet phldrT="3" phldr="0"/>
       <dgm:spPr/>
+      <dgm:t>
+        <a:bodyPr/>
+        <a:lstStyle/>
+        <a:p>
+          <a:endParaRPr lang="en-IN"/>
+        </a:p>
+      </dgm:t>
     </dgm:pt>
     <dgm:pt modelId="{C7743F30-B216-4145-AAC0-917721CF9692}">
       <dgm:prSet/>
@@ -2685,7 +2978,8 @@
         <a:p>
           <a:r>
             <a:rPr lang="en-US">
-              <a:latin typeface="+mj-lt"/>
+              <a:latin typeface="Adobe Song Std L" panose="02020300000000000000" pitchFamily="18" charset="-128"/>
+              <a:ea typeface="Adobe Song Std L" panose="02020300000000000000" pitchFamily="18" charset="-128"/>
             </a:rPr>
             <a:t>Variable selection and residual analysis</a:t>
           </a:r>
@@ -2706,6 +3000,13 @@
     <dgm:pt modelId="{AEA4F774-CD48-4BA2-B2D8-E73D9E243204}" type="sibTrans" cxnId="{351FF209-BAE8-4371-A093-1E1B67DE891D}">
       <dgm:prSet phldrT="4" phldr="0"/>
       <dgm:spPr/>
+      <dgm:t>
+        <a:bodyPr/>
+        <a:lstStyle/>
+        <a:p>
+          <a:endParaRPr lang="en-IN"/>
+        </a:p>
+      </dgm:t>
     </dgm:pt>
     <dgm:pt modelId="{85BD65A0-A2FD-4B06-AB5B-EDF458CFE44F}">
       <dgm:prSet/>
@@ -2716,7 +3017,8 @@
         <a:p>
           <a:r>
             <a:rPr lang="en-US">
-              <a:latin typeface="+mj-lt"/>
+              <a:latin typeface="Adobe Song Std L" panose="02020300000000000000" pitchFamily="18" charset="-128"/>
+              <a:ea typeface="Adobe Song Std L" panose="02020300000000000000" pitchFamily="18" charset="-128"/>
             </a:rPr>
             <a:t>Model Validation</a:t>
           </a:r>
@@ -2737,6 +3039,13 @@
     <dgm:pt modelId="{36473D32-C314-48D2-B455-7853FC511F33}" type="sibTrans" cxnId="{A90E89DA-8FC1-4663-B606-0D2BD870F8E7}">
       <dgm:prSet phldrT="5" phldr="0"/>
       <dgm:spPr/>
+      <dgm:t>
+        <a:bodyPr/>
+        <a:lstStyle/>
+        <a:p>
+          <a:endParaRPr lang="en-IN"/>
+        </a:p>
+      </dgm:t>
     </dgm:pt>
     <dgm:pt modelId="{BB7E73D8-A481-4000-A9C5-0297DDC55A29}">
       <dgm:prSet/>
@@ -2747,7 +3056,8 @@
         <a:p>
           <a:r>
             <a:rPr lang="en-US">
-              <a:latin typeface="+mj-lt"/>
+              <a:latin typeface="Adobe Song Std L" panose="02020300000000000000" pitchFamily="18" charset="-128"/>
+              <a:ea typeface="Adobe Song Std L" panose="02020300000000000000" pitchFamily="18" charset="-128"/>
             </a:rPr>
             <a:t>Model accuracy</a:t>
           </a:r>
@@ -2768,6 +3078,13 @@
     <dgm:pt modelId="{7055E339-FAD3-4E08-9156-A8B961770165}" type="sibTrans" cxnId="{D38C6BAC-FA56-48F9-8EE0-38FEBFEFA026}">
       <dgm:prSet phldrT="6" phldr="0"/>
       <dgm:spPr/>
+      <dgm:t>
+        <a:bodyPr/>
+        <a:lstStyle/>
+        <a:p>
+          <a:endParaRPr lang="en-IN"/>
+        </a:p>
+      </dgm:t>
     </dgm:pt>
     <dgm:pt modelId="{A4115FA9-2995-4A27-A5DA-0FC18B2C75D6}" type="pres">
       <dgm:prSet presAssocID="{C3893A09-2F64-4087-BCE5-07DED78DB533}" presName="rootnode" presStyleCnt="0">
@@ -3029,8 +3346,9 @@
         <a:lstStyle/>
         <a:p>
           <a:r>
-            <a:rPr lang="en-US" dirty="0">
-              <a:latin typeface="+mj-lt"/>
+            <a:rPr lang="en-US">
+              <a:latin typeface="Adobe Song Std L" panose="02020300000000000000" pitchFamily="18" charset="-128"/>
+              <a:ea typeface="Adobe Song Std L" panose="02020300000000000000" pitchFamily="18" charset="-128"/>
             </a:rPr>
             <a:t>PIMA Indian case study</a:t>
           </a:r>
@@ -3068,7 +3386,8 @@
         <a:p>
           <a:r>
             <a:rPr lang="en-US">
-              <a:latin typeface="+mj-lt"/>
+              <a:latin typeface="Adobe Song Std L" panose="02020300000000000000" pitchFamily="18" charset="-128"/>
+              <a:ea typeface="Adobe Song Std L" panose="02020300000000000000" pitchFamily="18" charset="-128"/>
             </a:rPr>
             <a:t>Dataset</a:t>
           </a:r>
@@ -3105,44 +3424,51 @@
         <a:lstStyle/>
         <a:p>
           <a:r>
-            <a:rPr lang="en-US" dirty="0">
-              <a:latin typeface="+mj-lt"/>
+            <a:rPr lang="en-US">
+              <a:latin typeface="Adobe Song Std L" panose="02020300000000000000" pitchFamily="18" charset="-128"/>
+              <a:ea typeface="Adobe Song Std L" panose="02020300000000000000" pitchFamily="18" charset="-128"/>
             </a:rPr>
             <a:t>Summary Of Variables - Pregnancies, Glucose, Blood Pressure, </a:t>
           </a:r>
           <a:r>
-            <a:rPr lang="en-US" dirty="0" err="1">
-              <a:latin typeface="+mj-lt"/>
+            <a:rPr lang="en-US" err="1">
+              <a:latin typeface="Adobe Song Std L" panose="02020300000000000000" pitchFamily="18" charset="-128"/>
+              <a:ea typeface="Adobe Song Std L" panose="02020300000000000000" pitchFamily="18" charset="-128"/>
             </a:rPr>
             <a:t>Skinthickness</a:t>
           </a:r>
           <a:r>
-            <a:rPr lang="en-US" dirty="0">
-              <a:latin typeface="+mj-lt"/>
+            <a:rPr lang="en-US">
+              <a:latin typeface="Adobe Song Std L" panose="02020300000000000000" pitchFamily="18" charset="-128"/>
+              <a:ea typeface="Adobe Song Std L" panose="02020300000000000000" pitchFamily="18" charset="-128"/>
             </a:rPr>
             <a:t>, Insulin, </a:t>
           </a:r>
           <a:r>
-            <a:rPr lang="en-US" dirty="0" err="1">
-              <a:latin typeface="+mj-lt"/>
+            <a:rPr lang="en-US" err="1">
+              <a:latin typeface="Adobe Song Std L" panose="02020300000000000000" pitchFamily="18" charset="-128"/>
+              <a:ea typeface="Adobe Song Std L" panose="02020300000000000000" pitchFamily="18" charset="-128"/>
             </a:rPr>
             <a:t>Bmi</a:t>
           </a:r>
           <a:r>
-            <a:rPr lang="en-US" dirty="0">
-              <a:latin typeface="+mj-lt"/>
+            <a:rPr lang="en-US">
+              <a:latin typeface="Adobe Song Std L" panose="02020300000000000000" pitchFamily="18" charset="-128"/>
+              <a:ea typeface="Adobe Song Std L" panose="02020300000000000000" pitchFamily="18" charset="-128"/>
             </a:rPr>
             <a:t>, </a:t>
           </a:r>
           <a:r>
-            <a:rPr lang="en-US" dirty="0" err="1">
-              <a:latin typeface="+mj-lt"/>
+            <a:rPr lang="en-US" err="1">
+              <a:latin typeface="Adobe Song Std L" panose="02020300000000000000" pitchFamily="18" charset="-128"/>
+              <a:ea typeface="Adobe Song Std L" panose="02020300000000000000" pitchFamily="18" charset="-128"/>
             </a:rPr>
             <a:t>Diabetespedifreefunction</a:t>
           </a:r>
           <a:r>
-            <a:rPr lang="en-US" dirty="0">
-              <a:latin typeface="+mj-lt"/>
+            <a:rPr lang="en-US">
+              <a:latin typeface="Adobe Song Std L" panose="02020300000000000000" pitchFamily="18" charset="-128"/>
+              <a:ea typeface="Adobe Song Std L" panose="02020300000000000000" pitchFamily="18" charset="-128"/>
             </a:rPr>
             <a:t>, Age, Outcome</a:t>
           </a:r>
@@ -3395,7 +3721,8 @@
         <a:p>
           <a:r>
             <a:rPr lang="en-US">
-              <a:latin typeface="+mj-lt"/>
+              <a:latin typeface="Adobe Song Std L" panose="02020300000000000000" pitchFamily="18" charset="-128"/>
+              <a:ea typeface="Adobe Song Std L" panose="02020300000000000000" pitchFamily="18" charset="-128"/>
             </a:rPr>
             <a:t>Missing</a:t>
           </a:r>
@@ -3435,7 +3762,8 @@
         <a:p>
           <a:r>
             <a:rPr lang="en-US">
-              <a:latin typeface="+mj-lt"/>
+              <a:latin typeface="Adobe Song Std L" panose="02020300000000000000" pitchFamily="18" charset="-128"/>
+              <a:ea typeface="Adobe Song Std L" panose="02020300000000000000" pitchFamily="18" charset="-128"/>
             </a:rPr>
             <a:t>Null, duplicate data</a:t>
           </a:r>
@@ -3475,7 +3803,8 @@
         <a:p>
           <a:r>
             <a:rPr lang="en-US">
-              <a:latin typeface="+mj-lt"/>
+              <a:latin typeface="Adobe Song Std L" panose="02020300000000000000" pitchFamily="18" charset="-128"/>
+              <a:ea typeface="Adobe Song Std L" panose="02020300000000000000" pitchFamily="18" charset="-128"/>
             </a:rPr>
             <a:t>Outliers </a:t>
           </a:r>
@@ -3515,7 +3844,8 @@
         <a:p>
           <a:r>
             <a:rPr lang="en-US">
-              <a:latin typeface="+mj-lt"/>
+              <a:latin typeface="Adobe Song Std L" panose="02020300000000000000" pitchFamily="18" charset="-128"/>
+              <a:ea typeface="Adobe Song Std L" panose="02020300000000000000" pitchFamily="18" charset="-128"/>
             </a:rPr>
             <a:t>Incorrect values</a:t>
           </a:r>
@@ -3555,7 +3885,8 @@
         <a:p>
           <a:r>
             <a:rPr lang="en-US">
-              <a:latin typeface="+mj-lt"/>
+              <a:latin typeface="Adobe Song Std L" panose="02020300000000000000" pitchFamily="18" charset="-128"/>
+              <a:ea typeface="Adobe Song Std L" panose="02020300000000000000" pitchFamily="18" charset="-128"/>
             </a:rPr>
             <a:t>Impute data </a:t>
           </a:r>
@@ -3860,12 +4191,12 @@
         <a:fontRef idx="minor"/>
       </dsp:style>
       <dsp:txBody>
-        <a:bodyPr spcFirstLastPara="0" vert="horz" wrap="square" lIns="80010" tIns="80010" rIns="80010" bIns="80010" numCol="1" spcCol="1270" anchor="t" anchorCtr="0">
+        <a:bodyPr spcFirstLastPara="0" vert="horz" wrap="square" lIns="57150" tIns="57150" rIns="57150" bIns="57150" numCol="1" spcCol="1270" anchor="t" anchorCtr="0">
           <a:noAutofit/>
         </a:bodyPr>
         <a:lstStyle/>
         <a:p>
-          <a:pPr marL="0" lvl="0" indent="0" algn="l" defTabSz="933450">
+          <a:pPr marL="0" lvl="0" indent="0" algn="l" defTabSz="666750">
             <a:lnSpc>
               <a:spcPct val="90000"/>
             </a:lnSpc>
@@ -3878,8 +4209,9 @@
             <a:buNone/>
           </a:pPr>
           <a:r>
-            <a:rPr lang="en-US" sz="2100" kern="1200" dirty="0">
-              <a:latin typeface="+mj-lt"/>
+            <a:rPr lang="en-US" sz="1500" kern="1200">
+              <a:latin typeface="Adobe Song Std L" panose="02020300000000000000" pitchFamily="18" charset="-128"/>
+              <a:ea typeface="Adobe Song Std L" panose="02020300000000000000" pitchFamily="18" charset="-128"/>
             </a:rPr>
             <a:t>Summary</a:t>
           </a:r>
@@ -4027,12 +4359,12 @@
         <a:fontRef idx="minor"/>
       </dsp:style>
       <dsp:txBody>
-        <a:bodyPr spcFirstLastPara="0" vert="horz" wrap="square" lIns="80010" tIns="80010" rIns="80010" bIns="80010" numCol="1" spcCol="1270" anchor="t" anchorCtr="0">
+        <a:bodyPr spcFirstLastPara="0" vert="horz" wrap="square" lIns="57150" tIns="57150" rIns="57150" bIns="57150" numCol="1" spcCol="1270" anchor="t" anchorCtr="0">
           <a:noAutofit/>
         </a:bodyPr>
         <a:lstStyle/>
         <a:p>
-          <a:pPr marL="0" lvl="0" indent="0" algn="l" defTabSz="933450">
+          <a:pPr marL="0" lvl="0" indent="0" algn="l" defTabSz="666750">
             <a:lnSpc>
               <a:spcPct val="90000"/>
             </a:lnSpc>
@@ -4045,8 +4377,9 @@
             <a:buNone/>
           </a:pPr>
           <a:r>
-            <a:rPr lang="en-US" sz="2100" kern="1200">
-              <a:latin typeface="+mj-lt"/>
+            <a:rPr lang="en-US" sz="1500" kern="1200">
+              <a:latin typeface="Adobe Song Std L" panose="02020300000000000000" pitchFamily="18" charset="-128"/>
+              <a:ea typeface="Adobe Song Std L" panose="02020300000000000000" pitchFamily="18" charset="-128"/>
             </a:rPr>
             <a:t>Data Preparation</a:t>
           </a:r>
@@ -4194,12 +4527,12 @@
         <a:fontRef idx="minor"/>
       </dsp:style>
       <dsp:txBody>
-        <a:bodyPr spcFirstLastPara="0" vert="horz" wrap="square" lIns="80010" tIns="80010" rIns="80010" bIns="80010" numCol="1" spcCol="1270" anchor="t" anchorCtr="0">
+        <a:bodyPr spcFirstLastPara="0" vert="horz" wrap="square" lIns="57150" tIns="57150" rIns="57150" bIns="57150" numCol="1" spcCol="1270" anchor="t" anchorCtr="0">
           <a:noAutofit/>
         </a:bodyPr>
         <a:lstStyle/>
         <a:p>
-          <a:pPr marL="0" lvl="0" indent="0" algn="l" defTabSz="933450">
+          <a:pPr marL="0" lvl="0" indent="0" algn="l" defTabSz="666750">
             <a:lnSpc>
               <a:spcPct val="90000"/>
             </a:lnSpc>
@@ -4212,8 +4545,9 @@
             <a:buNone/>
           </a:pPr>
           <a:r>
-            <a:rPr lang="en-US" sz="2100" kern="1200">
-              <a:latin typeface="+mj-lt"/>
+            <a:rPr lang="en-US" sz="1500" kern="1200">
+              <a:latin typeface="Adobe Song Std L" panose="02020300000000000000" pitchFamily="18" charset="-128"/>
+              <a:ea typeface="Adobe Song Std L" panose="02020300000000000000" pitchFamily="18" charset="-128"/>
             </a:rPr>
             <a:t>EDA</a:t>
           </a:r>
@@ -4361,12 +4695,12 @@
         <a:fontRef idx="minor"/>
       </dsp:style>
       <dsp:txBody>
-        <a:bodyPr spcFirstLastPara="0" vert="horz" wrap="square" lIns="80010" tIns="80010" rIns="80010" bIns="80010" numCol="1" spcCol="1270" anchor="t" anchorCtr="0">
+        <a:bodyPr spcFirstLastPara="0" vert="horz" wrap="square" lIns="57150" tIns="57150" rIns="57150" bIns="57150" numCol="1" spcCol="1270" anchor="t" anchorCtr="0">
           <a:noAutofit/>
         </a:bodyPr>
         <a:lstStyle/>
         <a:p>
-          <a:pPr marL="0" lvl="0" indent="0" algn="l" defTabSz="933450">
+          <a:pPr marL="0" lvl="0" indent="0" algn="l" defTabSz="666750">
             <a:lnSpc>
               <a:spcPct val="90000"/>
             </a:lnSpc>
@@ -4379,8 +4713,9 @@
             <a:buNone/>
           </a:pPr>
           <a:r>
-            <a:rPr lang="en-US" sz="2100" kern="1200">
-              <a:latin typeface="+mj-lt"/>
+            <a:rPr lang="en-US" sz="1500" kern="1200">
+              <a:latin typeface="Adobe Song Std L" panose="02020300000000000000" pitchFamily="18" charset="-128"/>
+              <a:ea typeface="Adobe Song Std L" panose="02020300000000000000" pitchFamily="18" charset="-128"/>
             </a:rPr>
             <a:t>Variable selection and residual analysis</a:t>
           </a:r>
@@ -4528,12 +4863,12 @@
         <a:fontRef idx="minor"/>
       </dsp:style>
       <dsp:txBody>
-        <a:bodyPr spcFirstLastPara="0" vert="horz" wrap="square" lIns="80010" tIns="80010" rIns="80010" bIns="80010" numCol="1" spcCol="1270" anchor="t" anchorCtr="0">
+        <a:bodyPr spcFirstLastPara="0" vert="horz" wrap="square" lIns="57150" tIns="57150" rIns="57150" bIns="57150" numCol="1" spcCol="1270" anchor="t" anchorCtr="0">
           <a:noAutofit/>
         </a:bodyPr>
         <a:lstStyle/>
         <a:p>
-          <a:pPr marL="0" lvl="0" indent="0" algn="l" defTabSz="933450">
+          <a:pPr marL="0" lvl="0" indent="0" algn="l" defTabSz="666750">
             <a:lnSpc>
               <a:spcPct val="90000"/>
             </a:lnSpc>
@@ -4546,8 +4881,9 @@
             <a:buNone/>
           </a:pPr>
           <a:r>
-            <a:rPr lang="en-US" sz="2100" kern="1200">
-              <a:latin typeface="+mj-lt"/>
+            <a:rPr lang="en-US" sz="1500" kern="1200">
+              <a:latin typeface="Adobe Song Std L" panose="02020300000000000000" pitchFamily="18" charset="-128"/>
+              <a:ea typeface="Adobe Song Std L" panose="02020300000000000000" pitchFamily="18" charset="-128"/>
             </a:rPr>
             <a:t>Model Validation</a:t>
           </a:r>
@@ -4695,12 +5031,12 @@
         <a:fontRef idx="minor"/>
       </dsp:style>
       <dsp:txBody>
-        <a:bodyPr spcFirstLastPara="0" vert="horz" wrap="square" lIns="80010" tIns="80010" rIns="80010" bIns="80010" numCol="1" spcCol="1270" anchor="t" anchorCtr="0">
+        <a:bodyPr spcFirstLastPara="0" vert="horz" wrap="square" lIns="57150" tIns="57150" rIns="57150" bIns="57150" numCol="1" spcCol="1270" anchor="t" anchorCtr="0">
           <a:noAutofit/>
         </a:bodyPr>
         <a:lstStyle/>
         <a:p>
-          <a:pPr marL="0" lvl="0" indent="0" algn="l" defTabSz="933450">
+          <a:pPr marL="0" lvl="0" indent="0" algn="l" defTabSz="666750">
             <a:lnSpc>
               <a:spcPct val="90000"/>
             </a:lnSpc>
@@ -4713,8 +5049,9 @@
             <a:buNone/>
           </a:pPr>
           <a:r>
-            <a:rPr lang="en-US" sz="2100" kern="1200">
-              <a:latin typeface="+mj-lt"/>
+            <a:rPr lang="en-US" sz="1500" kern="1200">
+              <a:latin typeface="Adobe Song Std L" panose="02020300000000000000" pitchFamily="18" charset="-128"/>
+              <a:ea typeface="Adobe Song Std L" panose="02020300000000000000" pitchFamily="18" charset="-128"/>
             </a:rPr>
             <a:t>Model accuracy</a:t>
           </a:r>
@@ -4866,7 +5203,7 @@
         </a:bodyPr>
         <a:lstStyle/>
         <a:p>
-          <a:pPr marL="0" lvl="0" indent="0" algn="l" defTabSz="1111250">
+          <a:pPr marL="0" lvl="0" indent="0" algn="l" defTabSz="711200">
             <a:lnSpc>
               <a:spcPct val="90000"/>
             </a:lnSpc>
@@ -4879,8 +5216,9 @@
             <a:buNone/>
           </a:pPr>
           <a:r>
-            <a:rPr lang="en-US" sz="2500" kern="1200" dirty="0">
-              <a:latin typeface="+mj-lt"/>
+            <a:rPr lang="en-US" sz="1600" kern="1200">
+              <a:latin typeface="Adobe Song Std L" panose="02020300000000000000" pitchFamily="18" charset="-128"/>
+              <a:ea typeface="Adobe Song Std L" panose="02020300000000000000" pitchFamily="18" charset="-128"/>
             </a:rPr>
             <a:t>PIMA Indian case study</a:t>
           </a:r>
@@ -5020,7 +5358,7 @@
         </a:bodyPr>
         <a:lstStyle/>
         <a:p>
-          <a:pPr marL="0" lvl="0" indent="0" algn="l" defTabSz="1111250">
+          <a:pPr marL="0" lvl="0" indent="0" algn="l" defTabSz="711200">
             <a:lnSpc>
               <a:spcPct val="90000"/>
             </a:lnSpc>
@@ -5033,8 +5371,9 @@
             <a:buNone/>
           </a:pPr>
           <a:r>
-            <a:rPr lang="en-US" sz="2500" kern="1200">
-              <a:latin typeface="+mj-lt"/>
+            <a:rPr lang="en-US" sz="1600" kern="1200">
+              <a:latin typeface="Adobe Song Std L" panose="02020300000000000000" pitchFamily="18" charset="-128"/>
+              <a:ea typeface="Adobe Song Std L" panose="02020300000000000000" pitchFamily="18" charset="-128"/>
             </a:rPr>
             <a:t>Dataset</a:t>
           </a:r>
@@ -5174,7 +5513,7 @@
         </a:bodyPr>
         <a:lstStyle/>
         <a:p>
-          <a:pPr marL="0" lvl="0" indent="0" algn="l" defTabSz="1111250">
+          <a:pPr marL="0" lvl="0" indent="0" algn="l" defTabSz="711200">
             <a:lnSpc>
               <a:spcPct val="90000"/>
             </a:lnSpc>
@@ -5187,44 +5526,51 @@
             <a:buNone/>
           </a:pPr>
           <a:r>
-            <a:rPr lang="en-US" sz="2500" kern="1200" dirty="0">
-              <a:latin typeface="+mj-lt"/>
+            <a:rPr lang="en-US" sz="1600" kern="1200">
+              <a:latin typeface="Adobe Song Std L" panose="02020300000000000000" pitchFamily="18" charset="-128"/>
+              <a:ea typeface="Adobe Song Std L" panose="02020300000000000000" pitchFamily="18" charset="-128"/>
             </a:rPr>
             <a:t>Summary Of Variables - Pregnancies, Glucose, Blood Pressure, </a:t>
           </a:r>
           <a:r>
-            <a:rPr lang="en-US" sz="2500" kern="1200" dirty="0" err="1">
-              <a:latin typeface="+mj-lt"/>
+            <a:rPr lang="en-US" sz="1600" kern="1200" err="1">
+              <a:latin typeface="Adobe Song Std L" panose="02020300000000000000" pitchFamily="18" charset="-128"/>
+              <a:ea typeface="Adobe Song Std L" panose="02020300000000000000" pitchFamily="18" charset="-128"/>
             </a:rPr>
             <a:t>Skinthickness</a:t>
           </a:r>
           <a:r>
-            <a:rPr lang="en-US" sz="2500" kern="1200" dirty="0">
-              <a:latin typeface="+mj-lt"/>
+            <a:rPr lang="en-US" sz="1600" kern="1200">
+              <a:latin typeface="Adobe Song Std L" panose="02020300000000000000" pitchFamily="18" charset="-128"/>
+              <a:ea typeface="Adobe Song Std L" panose="02020300000000000000" pitchFamily="18" charset="-128"/>
             </a:rPr>
             <a:t>, Insulin, </a:t>
           </a:r>
           <a:r>
-            <a:rPr lang="en-US" sz="2500" kern="1200" dirty="0" err="1">
-              <a:latin typeface="+mj-lt"/>
+            <a:rPr lang="en-US" sz="1600" kern="1200" err="1">
+              <a:latin typeface="Adobe Song Std L" panose="02020300000000000000" pitchFamily="18" charset="-128"/>
+              <a:ea typeface="Adobe Song Std L" panose="02020300000000000000" pitchFamily="18" charset="-128"/>
             </a:rPr>
             <a:t>Bmi</a:t>
           </a:r>
           <a:r>
-            <a:rPr lang="en-US" sz="2500" kern="1200" dirty="0">
-              <a:latin typeface="+mj-lt"/>
+            <a:rPr lang="en-US" sz="1600" kern="1200">
+              <a:latin typeface="Adobe Song Std L" panose="02020300000000000000" pitchFamily="18" charset="-128"/>
+              <a:ea typeface="Adobe Song Std L" panose="02020300000000000000" pitchFamily="18" charset="-128"/>
             </a:rPr>
             <a:t>, </a:t>
           </a:r>
           <a:r>
-            <a:rPr lang="en-US" sz="2500" kern="1200" dirty="0" err="1">
-              <a:latin typeface="+mj-lt"/>
+            <a:rPr lang="en-US" sz="1600" kern="1200" err="1">
+              <a:latin typeface="Adobe Song Std L" panose="02020300000000000000" pitchFamily="18" charset="-128"/>
+              <a:ea typeface="Adobe Song Std L" panose="02020300000000000000" pitchFamily="18" charset="-128"/>
             </a:rPr>
             <a:t>Diabetespedifreefunction</a:t>
           </a:r>
           <a:r>
-            <a:rPr lang="en-US" sz="2500" kern="1200" dirty="0">
-              <a:latin typeface="+mj-lt"/>
+            <a:rPr lang="en-US" sz="1600" kern="1200">
+              <a:latin typeface="Adobe Song Std L" panose="02020300000000000000" pitchFamily="18" charset="-128"/>
+              <a:ea typeface="Adobe Song Std L" panose="02020300000000000000" pitchFamily="18" charset="-128"/>
             </a:rPr>
             <a:t>, Age, Outcome</a:t>
           </a:r>
@@ -5356,12 +5702,12 @@
         <a:fontRef idx="minor"/>
       </dsp:style>
       <dsp:txBody>
-        <a:bodyPr spcFirstLastPara="0" vert="horz" wrap="square" lIns="114300" tIns="114300" rIns="114300" bIns="114300" numCol="1" spcCol="1270" anchor="ctr" anchorCtr="0">
+        <a:bodyPr spcFirstLastPara="0" vert="horz" wrap="square" lIns="72390" tIns="72390" rIns="72390" bIns="72390" numCol="1" spcCol="1270" anchor="ctr" anchorCtr="0">
           <a:noAutofit/>
         </a:bodyPr>
         <a:lstStyle/>
         <a:p>
-          <a:pPr marL="0" lvl="0" indent="0" algn="ctr" defTabSz="1333500">
+          <a:pPr marL="0" lvl="0" indent="0" algn="ctr" defTabSz="844550">
             <a:lnSpc>
               <a:spcPct val="90000"/>
             </a:lnSpc>
@@ -5374,8 +5720,9 @@
             <a:buNone/>
           </a:pPr>
           <a:r>
-            <a:rPr lang="en-US" sz="3000" kern="1200">
-              <a:latin typeface="+mj-lt"/>
+            <a:rPr lang="en-US" sz="1900" kern="1200">
+              <a:latin typeface="Adobe Song Std L" panose="02020300000000000000" pitchFamily="18" charset="-128"/>
+              <a:ea typeface="Adobe Song Std L" panose="02020300000000000000" pitchFamily="18" charset="-128"/>
             </a:rPr>
             <a:t>Missing</a:t>
           </a:r>
@@ -5495,12 +5842,12 @@
         <a:fontRef idx="minor"/>
       </dsp:style>
       <dsp:txBody>
-        <a:bodyPr spcFirstLastPara="0" vert="horz" wrap="square" lIns="114300" tIns="114300" rIns="114300" bIns="114300" numCol="1" spcCol="1270" anchor="ctr" anchorCtr="0">
+        <a:bodyPr spcFirstLastPara="0" vert="horz" wrap="square" lIns="72390" tIns="72390" rIns="72390" bIns="72390" numCol="1" spcCol="1270" anchor="ctr" anchorCtr="0">
           <a:noAutofit/>
         </a:bodyPr>
         <a:lstStyle/>
         <a:p>
-          <a:pPr marL="0" lvl="0" indent="0" algn="ctr" defTabSz="1333500">
+          <a:pPr marL="0" lvl="0" indent="0" algn="ctr" defTabSz="844550">
             <a:lnSpc>
               <a:spcPct val="90000"/>
             </a:lnSpc>
@@ -5513,8 +5860,9 @@
             <a:buNone/>
           </a:pPr>
           <a:r>
-            <a:rPr lang="en-US" sz="3000" kern="1200">
-              <a:latin typeface="+mj-lt"/>
+            <a:rPr lang="en-US" sz="1900" kern="1200">
+              <a:latin typeface="Adobe Song Std L" panose="02020300000000000000" pitchFamily="18" charset="-128"/>
+              <a:ea typeface="Adobe Song Std L" panose="02020300000000000000" pitchFamily="18" charset="-128"/>
             </a:rPr>
             <a:t>Null, duplicate data</a:t>
           </a:r>
@@ -5634,12 +5982,12 @@
         <a:fontRef idx="minor"/>
       </dsp:style>
       <dsp:txBody>
-        <a:bodyPr spcFirstLastPara="0" vert="horz" wrap="square" lIns="114300" tIns="114300" rIns="114300" bIns="114300" numCol="1" spcCol="1270" anchor="ctr" anchorCtr="0">
+        <a:bodyPr spcFirstLastPara="0" vert="horz" wrap="square" lIns="72390" tIns="72390" rIns="72390" bIns="72390" numCol="1" spcCol="1270" anchor="ctr" anchorCtr="0">
           <a:noAutofit/>
         </a:bodyPr>
         <a:lstStyle/>
         <a:p>
-          <a:pPr marL="0" lvl="0" indent="0" algn="ctr" defTabSz="1333500">
+          <a:pPr marL="0" lvl="0" indent="0" algn="ctr" defTabSz="844550">
             <a:lnSpc>
               <a:spcPct val="90000"/>
             </a:lnSpc>
@@ -5652,8 +6000,9 @@
             <a:buNone/>
           </a:pPr>
           <a:r>
-            <a:rPr lang="en-US" sz="3000" kern="1200">
-              <a:latin typeface="+mj-lt"/>
+            <a:rPr lang="en-US" sz="1900" kern="1200">
+              <a:latin typeface="Adobe Song Std L" panose="02020300000000000000" pitchFamily="18" charset="-128"/>
+              <a:ea typeface="Adobe Song Std L" panose="02020300000000000000" pitchFamily="18" charset="-128"/>
             </a:rPr>
             <a:t>Outliers </a:t>
           </a:r>
@@ -5773,12 +6122,12 @@
         <a:fontRef idx="minor"/>
       </dsp:style>
       <dsp:txBody>
-        <a:bodyPr spcFirstLastPara="0" vert="horz" wrap="square" lIns="114300" tIns="114300" rIns="114300" bIns="114300" numCol="1" spcCol="1270" anchor="ctr" anchorCtr="0">
+        <a:bodyPr spcFirstLastPara="0" vert="horz" wrap="square" lIns="72390" tIns="72390" rIns="72390" bIns="72390" numCol="1" spcCol="1270" anchor="ctr" anchorCtr="0">
           <a:noAutofit/>
         </a:bodyPr>
         <a:lstStyle/>
         <a:p>
-          <a:pPr marL="0" lvl="0" indent="0" algn="ctr" defTabSz="1333500">
+          <a:pPr marL="0" lvl="0" indent="0" algn="ctr" defTabSz="844550">
             <a:lnSpc>
               <a:spcPct val="90000"/>
             </a:lnSpc>
@@ -5791,8 +6140,9 @@
             <a:buNone/>
           </a:pPr>
           <a:r>
-            <a:rPr lang="en-US" sz="3000" kern="1200">
-              <a:latin typeface="+mj-lt"/>
+            <a:rPr lang="en-US" sz="1900" kern="1200">
+              <a:latin typeface="Adobe Song Std L" panose="02020300000000000000" pitchFamily="18" charset="-128"/>
+              <a:ea typeface="Adobe Song Std L" panose="02020300000000000000" pitchFamily="18" charset="-128"/>
             </a:rPr>
             <a:t>Incorrect values</a:t>
           </a:r>
@@ -5912,12 +6262,12 @@
         <a:fontRef idx="minor"/>
       </dsp:style>
       <dsp:txBody>
-        <a:bodyPr spcFirstLastPara="0" vert="horz" wrap="square" lIns="114300" tIns="114300" rIns="114300" bIns="114300" numCol="1" spcCol="1270" anchor="ctr" anchorCtr="0">
+        <a:bodyPr spcFirstLastPara="0" vert="horz" wrap="square" lIns="72390" tIns="72390" rIns="72390" bIns="72390" numCol="1" spcCol="1270" anchor="ctr" anchorCtr="0">
           <a:noAutofit/>
         </a:bodyPr>
         <a:lstStyle/>
         <a:p>
-          <a:pPr marL="0" lvl="0" indent="0" algn="ctr" defTabSz="1333500">
+          <a:pPr marL="0" lvl="0" indent="0" algn="ctr" defTabSz="844550">
             <a:lnSpc>
               <a:spcPct val="90000"/>
             </a:lnSpc>
@@ -5930,8 +6280,9 @@
             <a:buNone/>
           </a:pPr>
           <a:r>
-            <a:rPr lang="en-US" sz="3000" kern="1200">
-              <a:latin typeface="+mj-lt"/>
+            <a:rPr lang="en-US" sz="1900" kern="1200">
+              <a:latin typeface="Adobe Song Std L" panose="02020300000000000000" pitchFamily="18" charset="-128"/>
+              <a:ea typeface="Adobe Song Std L" panose="02020300000000000000" pitchFamily="18" charset="-128"/>
             </a:rPr>
             <a:t>Impute data </a:t>
           </a:r>
@@ -10623,7 +10974,6 @@
               <a:rPr lang="en-US"/>
               <a:t>Click to edit Master title style</a:t>
             </a:r>
-            <a:endParaRPr lang="en-US" dirty="0"/>
           </a:p>
         </p:txBody>
       </p:sp>
@@ -10696,7 +11046,6 @@
               <a:rPr lang="en-US"/>
               <a:t>Click to edit Master subtitle style</a:t>
             </a:r>
-            <a:endParaRPr lang="en-US" dirty="0"/>
           </a:p>
         </p:txBody>
       </p:sp>
@@ -10723,7 +11072,7 @@
           <a:p>
             <a:fld id="{72345051-2045-45DA-935E-2E3CA1A69ADC}" type="datetimeFigureOut">
               <a:rPr lang="en-US" smtClean="0"/>
-              <a:t>2/19/2020</a:t>
+              <a:t>2/20/2020</a:t>
             </a:fld>
             <a:endParaRPr lang="en-US"/>
           </a:p>
@@ -10921,7 +11270,7 @@
           <a:p>
             <a:fld id="{72345051-2045-45DA-935E-2E3CA1A69ADC}" type="datetimeFigureOut">
               <a:rPr lang="en-US" smtClean="0"/>
-              <a:t>2/19/2020</a:t>
+              <a:t>2/20/2020</a:t>
             </a:fld>
             <a:endParaRPr lang="en-US"/>
           </a:p>
@@ -11129,7 +11478,7 @@
           <a:p>
             <a:fld id="{72345051-2045-45DA-935E-2E3CA1A69ADC}" type="datetimeFigureOut">
               <a:rPr lang="en-US" smtClean="0"/>
-              <a:t>2/19/2020</a:t>
+              <a:t>2/20/2020</a:t>
             </a:fld>
             <a:endParaRPr lang="en-US"/>
           </a:p>
@@ -11244,7 +11593,6 @@
               <a:rPr lang="en-US"/>
               <a:t>Click to edit Master title style</a:t>
             </a:r>
-            <a:endParaRPr lang="en-US" dirty="0"/>
           </a:p>
         </p:txBody>
       </p:sp>
@@ -11325,7 +11673,6 @@
               <a:rPr lang="en-US"/>
               <a:t>Fifth level</a:t>
             </a:r>
-            <a:endParaRPr lang="en-US" dirty="0"/>
           </a:p>
         </p:txBody>
       </p:sp>
@@ -11352,7 +11699,7 @@
           <a:p>
             <a:fld id="{72345051-2045-45DA-935E-2E3CA1A69ADC}" type="datetimeFigureOut">
               <a:rPr lang="en-US" smtClean="0"/>
-              <a:t>2/19/2020</a:t>
+              <a:t>2/20/2020</a:t>
             </a:fld>
             <a:endParaRPr lang="en-US"/>
           </a:p>
@@ -12109,7 +12456,6 @@
               <a:rPr lang="en-US"/>
               <a:t>Click to edit Master title style</a:t>
             </a:r>
-            <a:endParaRPr lang="en-US" dirty="0"/>
           </a:p>
         </p:txBody>
       </p:sp>
@@ -12263,7 +12609,7 @@
           <a:p>
             <a:fld id="{72345051-2045-45DA-935E-2E3CA1A69ADC}" type="datetimeFigureOut">
               <a:rPr lang="en-US" smtClean="0"/>
-              <a:t>2/19/2020</a:t>
+              <a:t>2/20/2020</a:t>
             </a:fld>
             <a:endParaRPr lang="en-US"/>
           </a:p>
@@ -12714,7 +13060,6 @@
               <a:rPr lang="en-US"/>
               <a:t>Click to edit Master title style</a:t>
             </a:r>
-            <a:endParaRPr lang="en-US" dirty="0"/>
           </a:p>
         </p:txBody>
       </p:sp>
@@ -12777,7 +13122,6 @@
               <a:rPr lang="en-US"/>
               <a:t>Fifth level</a:t>
             </a:r>
-            <a:endParaRPr lang="en-US" dirty="0"/>
           </a:p>
         </p:txBody>
       </p:sp>
@@ -12840,7 +13184,6 @@
               <a:rPr lang="en-US"/>
               <a:t>Fifth level</a:t>
             </a:r>
-            <a:endParaRPr lang="en-US" dirty="0"/>
           </a:p>
         </p:txBody>
       </p:sp>
@@ -12867,7 +13210,7 @@
           <a:p>
             <a:fld id="{72345051-2045-45DA-935E-2E3CA1A69ADC}" type="datetimeFigureOut">
               <a:rPr lang="en-US" smtClean="0"/>
-              <a:t>2/19/2020</a:t>
+              <a:t>2/20/2020</a:t>
             </a:fld>
             <a:endParaRPr lang="en-US"/>
           </a:p>
@@ -13753,7 +14096,6 @@
               <a:rPr lang="en-US"/>
               <a:t>Fifth level</a:t>
             </a:r>
-            <a:endParaRPr lang="en-US" dirty="0"/>
           </a:p>
         </p:txBody>
       </p:sp>
@@ -13889,7 +14231,6 @@
               <a:rPr lang="en-US"/>
               <a:t>Fifth level</a:t>
             </a:r>
-            <a:endParaRPr lang="en-US" dirty="0"/>
           </a:p>
         </p:txBody>
       </p:sp>
@@ -13916,7 +14257,7 @@
           <a:p>
             <a:fld id="{72345051-2045-45DA-935E-2E3CA1A69ADC}" type="datetimeFigureOut">
               <a:rPr lang="en-US" smtClean="0"/>
-              <a:t>2/19/2020</a:t>
+              <a:t>2/20/2020</a:t>
             </a:fld>
             <a:endParaRPr lang="en-US"/>
           </a:p>
@@ -14673,7 +15014,6 @@
               <a:rPr lang="en-US"/>
               <a:t>Click to edit Master title style</a:t>
             </a:r>
-            <a:endParaRPr lang="en-US" dirty="0"/>
           </a:p>
         </p:txBody>
       </p:sp>
@@ -14700,7 +15040,7 @@
           <a:p>
             <a:fld id="{72345051-2045-45DA-935E-2E3CA1A69ADC}" type="datetimeFigureOut">
               <a:rPr lang="en-US" smtClean="0"/>
-              <a:t>2/19/2020</a:t>
+              <a:t>2/20/2020</a:t>
             </a:fld>
             <a:endParaRPr lang="en-US"/>
           </a:p>
@@ -15149,7 +15489,7 @@
           <a:p>
             <a:fld id="{72345051-2045-45DA-935E-2E3CA1A69ADC}" type="datetimeFigureOut">
               <a:rPr lang="en-US" smtClean="0"/>
-              <a:t>2/19/2020</a:t>
+              <a:t>2/20/2020</a:t>
             </a:fld>
             <a:endParaRPr lang="en-US"/>
           </a:p>
@@ -15275,7 +15615,6 @@
               <a:rPr lang="en-US"/>
               <a:t>Click to edit Master title style</a:t>
             </a:r>
-            <a:endParaRPr lang="en-US" dirty="0"/>
           </a:p>
         </p:txBody>
       </p:sp>
@@ -15366,7 +15705,6 @@
               <a:rPr lang="en-US"/>
               <a:t>Fifth level</a:t>
             </a:r>
-            <a:endParaRPr lang="en-US" dirty="0"/>
           </a:p>
         </p:txBody>
       </p:sp>
@@ -15466,7 +15804,7 @@
           <a:p>
             <a:fld id="{72345051-2045-45DA-935E-2E3CA1A69ADC}" type="datetimeFigureOut">
               <a:rPr lang="en-US" smtClean="0"/>
-              <a:t>2/19/2020</a:t>
+              <a:t>2/20/2020</a:t>
             </a:fld>
             <a:endParaRPr lang="en-US"/>
           </a:p>
@@ -15924,7 +16262,6 @@
               <a:rPr lang="en-US"/>
               <a:t>Click to edit Master title style</a:t>
             </a:r>
-            <a:endParaRPr lang="en-US" dirty="0"/>
           </a:p>
         </p:txBody>
       </p:sp>
@@ -16094,7 +16431,7 @@
           <a:p>
             <a:fld id="{72345051-2045-45DA-935E-2E3CA1A69ADC}" type="datetimeFigureOut">
               <a:rPr lang="en-US" smtClean="0"/>
-              <a:t>2/19/2020</a:t>
+              <a:t>2/20/2020</a:t>
             </a:fld>
             <a:endParaRPr lang="en-US"/>
           </a:p>
@@ -16556,7 +16893,6 @@
               <a:rPr lang="en-US"/>
               <a:t>Click to edit Master title style</a:t>
             </a:r>
-            <a:endParaRPr lang="en-US" dirty="0"/>
           </a:p>
         </p:txBody>
       </p:sp>
@@ -16624,7 +16960,6 @@
               <a:rPr lang="en-US"/>
               <a:t>Fifth level</a:t>
             </a:r>
-            <a:endParaRPr lang="en-US" dirty="0"/>
           </a:p>
         </p:txBody>
       </p:sp>
@@ -16669,7 +17004,7 @@
           <a:p>
             <a:fld id="{72345051-2045-45DA-935E-2E3CA1A69ADC}" type="datetimeFigureOut">
               <a:rPr lang="en-US" smtClean="0"/>
-              <a:t>2/19/2020</a:t>
+              <a:t>2/20/2020</a:t>
             </a:fld>
             <a:endParaRPr lang="en-US"/>
           </a:p>
@@ -17177,7 +17512,7 @@
         </p:blipFill>
         <p:spPr>
           <a:xfrm>
-            <a:off x="20" y="10"/>
+            <a:off x="-1446" y="0"/>
             <a:ext cx="12188930" cy="6857990"/>
           </a:xfrm>
           <a:prstGeom prst="rect">
@@ -17211,13 +17546,13 @@
         </p:nvSpPr>
         <p:spPr>
           <a:xfrm>
-            <a:off x="1524000" y="1122363"/>
-            <a:ext cx="9144000" cy="3063240"/>
+            <a:off x="1521019" y="1906688"/>
+            <a:ext cx="9144000" cy="2186608"/>
           </a:xfrm>
         </p:spPr>
         <p:txBody>
           <a:bodyPr>
-            <a:normAutofit/>
+            <a:normAutofit fontScale="90000"/>
           </a:bodyPr>
           <a:lstStyle/>
           <a:p>
@@ -17227,30 +17562,62 @@
               </a:lnSpc>
             </a:pPr>
             <a:r>
-              <a:rPr lang="en-US" sz="10000" dirty="0">
+              <a:rPr lang="en-US" sz="10000">
                 <a:solidFill>
                   <a:schemeClr val="accent1">
                     <a:lumMod val="60000"/>
                     <a:lumOff val="40000"/>
                   </a:schemeClr>
                 </a:solidFill>
+                <a:latin typeface="Adobe Song Std L" panose="02020300000000000000" pitchFamily="18" charset="-128"/>
+                <a:ea typeface="Adobe Song Std L" panose="02020300000000000000" pitchFamily="18" charset="-128"/>
               </a:rPr>
               <a:t>Diabetes</a:t>
             </a:r>
             <a:r>
-              <a:rPr lang="en-US" sz="10000" dirty="0"/>
+              <a:rPr lang="en-US" sz="10000">
+                <a:latin typeface="Adobe Song Std L" panose="02020300000000000000" pitchFamily="18" charset="-128"/>
+                <a:ea typeface="Adobe Song Std L" panose="02020300000000000000" pitchFamily="18" charset="-128"/>
+              </a:rPr>
               <a:t> </a:t>
             </a:r>
             <a:r>
-              <a:rPr lang="en-US" sz="10000" dirty="0">
+              <a:rPr lang="en-US" sz="10000">
                 <a:solidFill>
                   <a:schemeClr val="accent1">
                     <a:lumMod val="60000"/>
                     <a:lumOff val="40000"/>
                   </a:schemeClr>
                 </a:solidFill>
+                <a:latin typeface="Adobe Song Std L" panose="02020300000000000000" pitchFamily="18" charset="-128"/>
+                <a:ea typeface="Adobe Song Std L" panose="02020300000000000000" pitchFamily="18" charset="-128"/>
               </a:rPr>
-              <a:t>prediction using logistic regression</a:t>
+              <a:t>Prediction</a:t>
+            </a:r>
+            <a:br>
+              <a:rPr lang="en-US" sz="10000">
+                <a:solidFill>
+                  <a:schemeClr val="accent1">
+                    <a:lumMod val="60000"/>
+                    <a:lumOff val="40000"/>
+                  </a:schemeClr>
+                </a:solidFill>
+                <a:latin typeface="Adobe Song Std L" panose="02020300000000000000" pitchFamily="18" charset="-128"/>
+                <a:ea typeface="Adobe Song Std L" panose="02020300000000000000" pitchFamily="18" charset="-128"/>
+              </a:rPr>
+            </a:br>
+            <a:r>
+              <a:rPr lang="en-US" sz="10000">
+                <a:solidFill>
+                  <a:schemeClr val="accent1">
+                    <a:lumMod val="60000"/>
+                    <a:lumOff val="40000"/>
+                  </a:schemeClr>
+                </a:solidFill>
+                <a:latin typeface="Adobe Song Std L" panose="02020300000000000000" pitchFamily="18" charset="-128"/>
+                <a:ea typeface="Adobe Song Std L" panose="02020300000000000000" pitchFamily="18" charset="-128"/>
+              </a:rPr>
+              <a:t>using Logistic Regression</a:t>
             </a:r>
           </a:p>
         </p:txBody>
@@ -17273,47 +17640,59 @@
         </p:nvSpPr>
         <p:spPr>
           <a:xfrm>
-            <a:off x="1527048" y="4599432"/>
+            <a:off x="4875277" y="4504748"/>
             <a:ext cx="9144000" cy="1536192"/>
           </a:xfrm>
         </p:spPr>
         <p:txBody>
           <a:bodyPr>
-            <a:normAutofit/>
+            <a:noAutofit/>
           </a:bodyPr>
           <a:lstStyle/>
           <a:p>
-            <a:pPr algn="ctr"/>
             <a:r>
-              <a:rPr lang="en-US" sz="3200" b="1" dirty="0">
-                <a:solidFill>
-                  <a:schemeClr val="accent1">
-                    <a:lumMod val="60000"/>
-                    <a:lumOff val="40000"/>
-                  </a:schemeClr>
-                </a:solidFill>
-              </a:rPr>
-              <a:t>Huynh | Ravindra | Sood | </a:t>
+              <a:rPr lang="en-US" b="1"/>
+              <a:t>Huong Huynh </a:t>
+            </a:r>
+          </a:p>
+          <a:p>
+            <a:r>
+              <a:rPr lang="en-US" b="1"/>
+              <a:t> Rekha Raj Ravindra </a:t>
+            </a:r>
+          </a:p>
+          <a:p>
+            <a:r>
+              <a:rPr lang="en-US" b="1"/>
+              <a:t> Radhika </a:t>
             </a:r>
             <a:r>
-              <a:rPr lang="en-US" sz="3200" b="1" dirty="0" err="1">
-                <a:solidFill>
-                  <a:schemeClr val="accent1">
-                    <a:lumMod val="60000"/>
-                    <a:lumOff val="40000"/>
-                  </a:schemeClr>
-                </a:solidFill>
-              </a:rPr>
+              <a:rPr lang="en-US" b="1" err="1"/>
+              <a:t>Sood</a:t>
+            </a:r>
+            <a:r>
+              <a:rPr lang="en-US" b="1"/>
+              <a:t> </a:t>
+            </a:r>
+          </a:p>
+          <a:p>
+            <a:r>
+              <a:rPr lang="en-US" b="1"/>
+              <a:t> </a:t>
+            </a:r>
+            <a:r>
+              <a:rPr lang="en-US" b="1" err="1"/>
+              <a:t>Prathiba</a:t>
+            </a:r>
+            <a:r>
+              <a:rPr lang="en-US" b="1"/>
+              <a:t> </a:t>
+            </a:r>
+            <a:r>
+              <a:rPr lang="en-US" b="1" err="1"/>
               <a:t>Swamykannu</a:t>
             </a:r>
-            <a:endParaRPr lang="en-US" sz="3200" b="1" dirty="0">
-              <a:solidFill>
-                <a:schemeClr val="accent1">
-                  <a:lumMod val="60000"/>
-                  <a:lumOff val="40000"/>
-                </a:schemeClr>
-              </a:solidFill>
-            </a:endParaRPr>
+            <a:endParaRPr lang="en-US" b="1"/>
           </a:p>
         </p:txBody>
       </p:sp>
@@ -18043,12 +18422,119 @@
           <a:lstStyle/>
           <a:p>
             <a:r>
-              <a:rPr lang="en-US" sz="7200" dirty="0">
+              <a:rPr lang="en-US" sz="7200">
                 <a:solidFill>
                   <a:schemeClr val="bg1"/>
                 </a:solidFill>
+                <a:latin typeface="Adobe Song Std L" panose="02020300000000000000" pitchFamily="18" charset="-128"/>
+                <a:ea typeface="Adobe Song Std L" panose="02020300000000000000" pitchFamily="18" charset="-128"/>
               </a:rPr>
-              <a:t>Variable selection</a:t>
+              <a:t>Variable Selection</a:t>
+            </a:r>
+          </a:p>
+        </p:txBody>
+      </p:sp>
+      <p:pic>
+        <p:nvPicPr>
+          <p:cNvPr id="7" name="Picture 6">
+            <a:extLst>
+              <a:ext uri="{FF2B5EF4-FFF2-40B4-BE49-F238E27FC236}">
+                <a16:creationId xmlns:a16="http://schemas.microsoft.com/office/drawing/2014/main" id="{6B5ED0C4-CC8A-4985-BAA5-FDACCFC959DB}"/>
+              </a:ext>
+            </a:extLst>
+          </p:cNvPr>
+          <p:cNvPicPr>
+            <a:picLocks noChangeAspect="1"/>
+          </p:cNvPicPr>
+          <p:nvPr/>
+        </p:nvPicPr>
+        <p:blipFill rotWithShape="1">
+          <a:blip r:embed="rId2"/>
+          <a:srcRect l="14837" t="18052" r="35707" b="25109"/>
+          <a:stretch/>
+        </p:blipFill>
+        <p:spPr>
+          <a:xfrm>
+            <a:off x="636104" y="2348162"/>
+            <a:ext cx="6029739" cy="3896139"/>
+          </a:xfrm>
+          <a:prstGeom prst="rect">
+            <a:avLst/>
+          </a:prstGeom>
+        </p:spPr>
+      </p:pic>
+      <p:sp>
+        <p:nvSpPr>
+          <p:cNvPr id="4" name="TextBox 3">
+            <a:extLst>
+              <a:ext uri="{FF2B5EF4-FFF2-40B4-BE49-F238E27FC236}">
+                <a16:creationId xmlns:a16="http://schemas.microsoft.com/office/drawing/2014/main" id="{16D9C188-05DD-44EC-BC50-0FEA6F54C8E8}"/>
+              </a:ext>
+            </a:extLst>
+          </p:cNvPr>
+          <p:cNvSpPr txBox="1"/>
+          <p:nvPr/>
+        </p:nvSpPr>
+        <p:spPr>
+          <a:xfrm>
+            <a:off x="8030816" y="3538329"/>
+            <a:ext cx="3180523" cy="646331"/>
+          </a:xfrm>
+          <a:prstGeom prst="rect">
+            <a:avLst/>
+          </a:prstGeom>
+          <a:noFill/>
+        </p:spPr>
+        <p:txBody>
+          <a:bodyPr wrap="square" rtlCol="0">
+            <a:spAutoFit/>
+          </a:bodyPr>
+          <a:lstStyle/>
+          <a:p>
+            <a:r>
+              <a:rPr lang="en-IN" sz="3600" b="1">
+                <a:latin typeface="Adobe Song Std L" panose="02020300000000000000" pitchFamily="18" charset="-128"/>
+                <a:ea typeface="Adobe Song Std L" panose="02020300000000000000" pitchFamily="18" charset="-128"/>
+              </a:rPr>
+              <a:t>AIC: 710.58 </a:t>
+            </a:r>
+          </a:p>
+        </p:txBody>
+      </p:sp>
+      <p:sp>
+        <p:nvSpPr>
+          <p:cNvPr id="3" name="TextBox 2">
+            <a:extLst>
+              <a:ext uri="{FF2B5EF4-FFF2-40B4-BE49-F238E27FC236}">
+                <a16:creationId xmlns:a16="http://schemas.microsoft.com/office/drawing/2014/main" id="{77D68754-D850-4175-B5C6-E60F8FD24FE9}"/>
+              </a:ext>
+            </a:extLst>
+          </p:cNvPr>
+          <p:cNvSpPr txBox="1"/>
+          <p:nvPr/>
+        </p:nvSpPr>
+        <p:spPr>
+          <a:xfrm>
+            <a:off x="7881942" y="2844225"/>
+            <a:ext cx="3090911" cy="584775"/>
+          </a:xfrm>
+          <a:prstGeom prst="rect">
+            <a:avLst/>
+          </a:prstGeom>
+          <a:noFill/>
+        </p:spPr>
+        <p:txBody>
+          <a:bodyPr wrap="none" rtlCol="0">
+            <a:spAutoFit/>
+          </a:bodyPr>
+          <a:lstStyle/>
+          <a:p>
+            <a:r>
+              <a:rPr lang="en-IN" sz="3200">
+                <a:latin typeface="Adobe Song Std L" panose="02020300000000000000" pitchFamily="18" charset="-128"/>
+                <a:ea typeface="Adobe Song Std L" panose="02020300000000000000" pitchFamily="18" charset="-128"/>
+              </a:rPr>
+              <a:t>Model Using BIC </a:t>
             </a:r>
           </a:p>
         </p:txBody>
@@ -18056,7 +18542,7 @@
     </p:spTree>
     <p:extLst>
       <p:ext uri="{BB962C8B-B14F-4D97-AF65-F5344CB8AC3E}">
-        <p14:creationId xmlns:p14="http://schemas.microsoft.com/office/powerpoint/2010/main" val="1002346483"/>
+        <p14:creationId xmlns:p14="http://schemas.microsoft.com/office/powerpoint/2010/main" val="2969914584"/>
       </p:ext>
     </p:extLst>
   </p:cSld>
@@ -18425,23 +18911,151 @@
         </p:nvSpPr>
         <p:spPr>
           <a:xfrm>
-            <a:off x="838200" y="365125"/>
-            <a:ext cx="10515600" cy="1325563"/>
+            <a:off x="265043" y="365125"/>
+            <a:ext cx="11088757" cy="1325563"/>
           </a:xfrm>
         </p:spPr>
         <p:txBody>
           <a:bodyPr>
-            <a:normAutofit/>
+            <a:noAutofit/>
           </a:bodyPr>
           <a:lstStyle/>
           <a:p>
             <a:r>
-              <a:rPr lang="en-US" sz="7200" dirty="0">
+              <a:rPr lang="en-US" sz="6000">
                 <a:solidFill>
                   <a:schemeClr val="bg1"/>
                 </a:solidFill>
+                <a:latin typeface="Adobe Song Std L" panose="02020300000000000000" pitchFamily="18" charset="-128"/>
+                <a:ea typeface="Adobe Song Std L" panose="02020300000000000000" pitchFamily="18" charset="-128"/>
               </a:rPr>
-              <a:t>Residual Analysis</a:t>
+              <a:t>Variable Selection </a:t>
+            </a:r>
+          </a:p>
+        </p:txBody>
+      </p:sp>
+      <p:pic>
+        <p:nvPicPr>
+          <p:cNvPr id="8" name="Picture 7">
+            <a:extLst>
+              <a:ext uri="{FF2B5EF4-FFF2-40B4-BE49-F238E27FC236}">
+                <a16:creationId xmlns:a16="http://schemas.microsoft.com/office/drawing/2014/main" id="{BBEB1AF6-8889-4117-B7E4-20F27F321BB9}"/>
+              </a:ext>
+            </a:extLst>
+          </p:cNvPr>
+          <p:cNvPicPr>
+            <a:picLocks noChangeAspect="1"/>
+          </p:cNvPicPr>
+          <p:nvPr/>
+        </p:nvPicPr>
+        <p:blipFill rotWithShape="1">
+          <a:blip r:embed="rId2"/>
+          <a:srcRect l="15598" t="15733" r="16576" b="12348"/>
+          <a:stretch/>
+        </p:blipFill>
+        <p:spPr>
+          <a:xfrm>
+            <a:off x="26506" y="1983037"/>
+            <a:ext cx="7805530" cy="4653297"/>
+          </a:xfrm>
+          <a:prstGeom prst="rect">
+            <a:avLst/>
+          </a:prstGeom>
+        </p:spPr>
+      </p:pic>
+      <p:sp>
+        <p:nvSpPr>
+          <p:cNvPr id="5" name="TextBox 4">
+            <a:extLst>
+              <a:ext uri="{FF2B5EF4-FFF2-40B4-BE49-F238E27FC236}">
+                <a16:creationId xmlns:a16="http://schemas.microsoft.com/office/drawing/2014/main" id="{C367A97E-97D5-4B33-A778-586F075E4B2F}"/>
+              </a:ext>
+            </a:extLst>
+          </p:cNvPr>
+          <p:cNvSpPr txBox="1"/>
+          <p:nvPr/>
+        </p:nvSpPr>
+        <p:spPr>
+          <a:xfrm>
+            <a:off x="8163339" y="3543355"/>
+            <a:ext cx="2486578" cy="1754326"/>
+          </a:xfrm>
+          <a:prstGeom prst="rect">
+            <a:avLst/>
+          </a:prstGeom>
+          <a:noFill/>
+        </p:spPr>
+        <p:txBody>
+          <a:bodyPr wrap="none" rtlCol="0">
+            <a:spAutoFit/>
+          </a:bodyPr>
+          <a:lstStyle/>
+          <a:p>
+            <a:r>
+              <a:rPr lang="en-IN" sz="3600" b="1">
+                <a:latin typeface="Adobe Song Std L" panose="02020300000000000000" pitchFamily="18" charset="-128"/>
+                <a:ea typeface="Adobe Song Std L" panose="02020300000000000000" pitchFamily="18" charset="-128"/>
+              </a:rPr>
+              <a:t>AIC: 704.52</a:t>
+            </a:r>
+          </a:p>
+          <a:p>
+            <a:endParaRPr lang="en-IN" sz="3600" b="1">
+              <a:latin typeface="Adobe Song Std L" panose="02020300000000000000" pitchFamily="18" charset="-128"/>
+              <a:ea typeface="Adobe Song Std L" panose="02020300000000000000" pitchFamily="18" charset="-128"/>
+            </a:endParaRPr>
+          </a:p>
+          <a:p>
+            <a:endParaRPr lang="en-IN" sz="3600" b="1">
+              <a:latin typeface="Adobe Song Std L" panose="02020300000000000000" pitchFamily="18" charset="-128"/>
+              <a:ea typeface="Adobe Song Std L" panose="02020300000000000000" pitchFamily="18" charset="-128"/>
+            </a:endParaRPr>
+          </a:p>
+        </p:txBody>
+      </p:sp>
+      <p:sp>
+        <p:nvSpPr>
+          <p:cNvPr id="3" name="TextBox 2">
+            <a:extLst>
+              <a:ext uri="{FF2B5EF4-FFF2-40B4-BE49-F238E27FC236}">
+                <a16:creationId xmlns:a16="http://schemas.microsoft.com/office/drawing/2014/main" id="{8B3E6D59-6E7E-4B52-BA99-A49993662556}"/>
+              </a:ext>
+            </a:extLst>
+          </p:cNvPr>
+          <p:cNvSpPr txBox="1"/>
+          <p:nvPr/>
+        </p:nvSpPr>
+        <p:spPr>
+          <a:xfrm>
+            <a:off x="7858542" y="2351782"/>
+            <a:ext cx="3248005" cy="1077218"/>
+          </a:xfrm>
+          <a:prstGeom prst="rect">
+            <a:avLst/>
+          </a:prstGeom>
+          <a:noFill/>
+        </p:spPr>
+        <p:txBody>
+          <a:bodyPr wrap="none" rtlCol="0">
+            <a:spAutoFit/>
+          </a:bodyPr>
+          <a:lstStyle/>
+          <a:p>
+            <a:r>
+              <a:rPr lang="en-IN" sz="3200">
+                <a:latin typeface="Adobe Song Std L" panose="02020300000000000000" pitchFamily="18" charset="-128"/>
+                <a:ea typeface="Adobe Song Std L" panose="02020300000000000000" pitchFamily="18" charset="-128"/>
+              </a:rPr>
+              <a:t>Using forward and </a:t>
+            </a:r>
+          </a:p>
+          <a:p>
+            <a:r>
+              <a:rPr lang="en-IN" sz="3200">
+                <a:latin typeface="Adobe Song Std L" panose="02020300000000000000" pitchFamily="18" charset="-128"/>
+                <a:ea typeface="Adobe Song Std L" panose="02020300000000000000" pitchFamily="18" charset="-128"/>
+              </a:rPr>
+              <a:t>backward selection</a:t>
             </a:r>
           </a:p>
         </p:txBody>
@@ -18449,7 +19063,7 @@
     </p:spTree>
     <p:extLst>
       <p:ext uri="{BB962C8B-B14F-4D97-AF65-F5344CB8AC3E}">
-        <p14:creationId xmlns:p14="http://schemas.microsoft.com/office/powerpoint/2010/main" val="2665093671"/>
+        <p14:creationId xmlns:p14="http://schemas.microsoft.com/office/powerpoint/2010/main" val="227206964"/>
       </p:ext>
     </p:extLst>
   </p:cSld>
@@ -18829,12 +19443,154 @@
           <a:lstStyle/>
           <a:p>
             <a:r>
-              <a:rPr lang="en-US" sz="7200" dirty="0">
+              <a:rPr lang="en-US" sz="7200">
                 <a:solidFill>
                   <a:schemeClr val="bg1"/>
                 </a:solidFill>
+                <a:latin typeface="Adobe Song Std L" panose="02020300000000000000" pitchFamily="18" charset="-128"/>
+                <a:ea typeface="Adobe Song Std L" panose="02020300000000000000" pitchFamily="18" charset="-128"/>
               </a:rPr>
-              <a:t>Model validation</a:t>
+              <a:t>Model</a:t>
+            </a:r>
+          </a:p>
+        </p:txBody>
+      </p:sp>
+      <p:sp>
+        <p:nvSpPr>
+          <p:cNvPr id="3" name="Rectangle 2">
+            <a:extLst>
+              <a:ext uri="{FF2B5EF4-FFF2-40B4-BE49-F238E27FC236}">
+                <a16:creationId xmlns:a16="http://schemas.microsoft.com/office/drawing/2014/main" id="{87255897-C281-4CDC-A58C-A8D695880A9D}"/>
+              </a:ext>
+            </a:extLst>
+          </p:cNvPr>
+          <p:cNvSpPr/>
+          <p:nvPr/>
+        </p:nvSpPr>
+        <p:spPr>
+          <a:xfrm>
+            <a:off x="924025" y="3105834"/>
+            <a:ext cx="9615638" cy="1477328"/>
+          </a:xfrm>
+          <a:prstGeom prst="rect">
+            <a:avLst/>
+          </a:prstGeom>
+        </p:spPr>
+        <p:txBody>
+          <a:bodyPr wrap="square">
+            <a:spAutoFit/>
+          </a:bodyPr>
+          <a:lstStyle/>
+          <a:p>
+            <a:r>
+              <a:rPr lang="en-US" sz="3000" b="1">
+                <a:latin typeface="Adobe Song Std L" panose="02020300000000000000" pitchFamily="18" charset="-128"/>
+                <a:ea typeface="Adobe Song Std L" panose="02020300000000000000" pitchFamily="18" charset="-128"/>
+              </a:rPr>
+              <a:t>Outcome = -9.22 + 0.13* </a:t>
+            </a:r>
+            <a:r>
+              <a:rPr lang="en-US" sz="3000" b="1">
+                <a:solidFill>
+                  <a:srgbClr val="FF0000"/>
+                </a:solidFill>
+                <a:latin typeface="Adobe Song Std L" panose="02020300000000000000" pitchFamily="18" charset="-128"/>
+                <a:ea typeface="Adobe Song Std L" panose="02020300000000000000" pitchFamily="18" charset="-128"/>
+              </a:rPr>
+              <a:t>Pregnancies</a:t>
+            </a:r>
+            <a:r>
+              <a:rPr lang="en-US" sz="3000" b="1">
+                <a:latin typeface="Adobe Song Std L" panose="02020300000000000000" pitchFamily="18" charset="-128"/>
+                <a:ea typeface="Adobe Song Std L" panose="02020300000000000000" pitchFamily="18" charset="-128"/>
+              </a:rPr>
+              <a:t> + 0.03* </a:t>
+            </a:r>
+            <a:r>
+              <a:rPr lang="en-US" sz="3000" b="1">
+                <a:solidFill>
+                  <a:schemeClr val="accent2"/>
+                </a:solidFill>
+                <a:latin typeface="Adobe Song Std L" panose="02020300000000000000" pitchFamily="18" charset="-128"/>
+                <a:ea typeface="Adobe Song Std L" panose="02020300000000000000" pitchFamily="18" charset="-128"/>
+              </a:rPr>
+              <a:t>Glucose</a:t>
+            </a:r>
+            <a:r>
+              <a:rPr lang="en-US" sz="3000" b="1">
+                <a:latin typeface="Adobe Song Std L" panose="02020300000000000000" pitchFamily="18" charset="-128"/>
+                <a:ea typeface="Adobe Song Std L" panose="02020300000000000000" pitchFamily="18" charset="-128"/>
+              </a:rPr>
+              <a:t> + 0.04* </a:t>
+            </a:r>
+            <a:r>
+              <a:rPr lang="en-US" sz="3000" b="1">
+                <a:solidFill>
+                  <a:schemeClr val="accent4">
+                    <a:lumMod val="75000"/>
+                  </a:schemeClr>
+                </a:solidFill>
+                <a:latin typeface="Adobe Song Std L" panose="02020300000000000000" pitchFamily="18" charset="-128"/>
+                <a:ea typeface="Adobe Song Std L" panose="02020300000000000000" pitchFamily="18" charset="-128"/>
+              </a:rPr>
+              <a:t>SkinThickness</a:t>
+            </a:r>
+            <a:r>
+              <a:rPr lang="en-US" sz="3000" b="1">
+                <a:latin typeface="Adobe Song Std L" panose="02020300000000000000" pitchFamily="18" charset="-128"/>
+                <a:ea typeface="Adobe Song Std L" panose="02020300000000000000" pitchFamily="18" charset="-128"/>
+              </a:rPr>
+              <a:t> + 0.005* </a:t>
+            </a:r>
+            <a:r>
+              <a:rPr lang="en-US" sz="3000" b="1">
+                <a:solidFill>
+                  <a:schemeClr val="accent6">
+                    <a:lumMod val="60000"/>
+                    <a:lumOff val="40000"/>
+                  </a:schemeClr>
+                </a:solidFill>
+                <a:latin typeface="Adobe Song Std L" panose="02020300000000000000" pitchFamily="18" charset="-128"/>
+                <a:ea typeface="Adobe Song Std L" panose="02020300000000000000" pitchFamily="18" charset="-128"/>
+              </a:rPr>
+              <a:t>Insulin</a:t>
+            </a:r>
+            <a:r>
+              <a:rPr lang="en-US" sz="3000" b="1">
+                <a:latin typeface="Adobe Song Std L" panose="02020300000000000000" pitchFamily="18" charset="-128"/>
+                <a:ea typeface="Adobe Song Std L" panose="02020300000000000000" pitchFamily="18" charset="-128"/>
+              </a:rPr>
+              <a:t> + 0.05* </a:t>
+            </a:r>
+            <a:r>
+              <a:rPr lang="en-US" sz="3000" b="1">
+                <a:solidFill>
+                  <a:schemeClr val="accent1">
+                    <a:lumMod val="60000"/>
+                    <a:lumOff val="40000"/>
+                  </a:schemeClr>
+                </a:solidFill>
+                <a:latin typeface="Adobe Song Std L" panose="02020300000000000000" pitchFamily="18" charset="-128"/>
+                <a:ea typeface="Adobe Song Std L" panose="02020300000000000000" pitchFamily="18" charset="-128"/>
+              </a:rPr>
+              <a:t>BMI</a:t>
+            </a:r>
+            <a:r>
+              <a:rPr lang="en-US" sz="3000" b="1">
+                <a:latin typeface="Adobe Song Std L" panose="02020300000000000000" pitchFamily="18" charset="-128"/>
+                <a:ea typeface="Adobe Song Std L" panose="02020300000000000000" pitchFamily="18" charset="-128"/>
+              </a:rPr>
+              <a:t> + 0.80* </a:t>
+            </a:r>
+            <a:r>
+              <a:rPr lang="en-US" sz="3000" b="1">
+                <a:solidFill>
+                  <a:srgbClr val="00B0F0"/>
+                </a:solidFill>
+                <a:latin typeface="Adobe Song Std L" panose="02020300000000000000" pitchFamily="18" charset="-128"/>
+                <a:ea typeface="Adobe Song Std L" panose="02020300000000000000" pitchFamily="18" charset="-128"/>
+              </a:rPr>
+              <a:t>DiabetesPedigreeFunction</a:t>
             </a:r>
           </a:p>
         </p:txBody>
@@ -18842,7 +19598,7 @@
     </p:spTree>
     <p:extLst>
       <p:ext uri="{BB962C8B-B14F-4D97-AF65-F5344CB8AC3E}">
-        <p14:creationId xmlns:p14="http://schemas.microsoft.com/office/powerpoint/2010/main" val="1636646553"/>
+        <p14:creationId xmlns:p14="http://schemas.microsoft.com/office/powerpoint/2010/main" val="4105380218"/>
       </p:ext>
     </p:extLst>
   </p:cSld>
@@ -19222,12 +19978,162 @@
           <a:lstStyle/>
           <a:p>
             <a:r>
-              <a:rPr lang="en-US" sz="7200" dirty="0">
+              <a:rPr lang="en-US" sz="7200">
                 <a:solidFill>
                   <a:schemeClr val="bg1"/>
                 </a:solidFill>
+                <a:latin typeface="Adobe Song Std L" panose="02020300000000000000" pitchFamily="18" charset="-128"/>
+                <a:ea typeface="Adobe Song Std L" panose="02020300000000000000" pitchFamily="18" charset="-128"/>
               </a:rPr>
-              <a:t>Model Accuracy</a:t>
+              <a:t>Residual Analysis</a:t>
+            </a:r>
+          </a:p>
+        </p:txBody>
+      </p:sp>
+      <p:pic>
+        <p:nvPicPr>
+          <p:cNvPr id="4" name="Picture 3">
+            <a:extLst>
+              <a:ext uri="{FF2B5EF4-FFF2-40B4-BE49-F238E27FC236}">
+                <a16:creationId xmlns:a16="http://schemas.microsoft.com/office/drawing/2014/main" id="{B5C831F1-8206-465E-BCA2-4210DCB3C066}"/>
+              </a:ext>
+            </a:extLst>
+          </p:cNvPr>
+          <p:cNvPicPr>
+            <a:picLocks noChangeAspect="1"/>
+          </p:cNvPicPr>
+          <p:nvPr/>
+        </p:nvPicPr>
+        <p:blipFill>
+          <a:blip r:embed="rId2">
+            <a:extLst>
+              <a:ext uri="{28A0092B-C50C-407E-A947-70E740481C1C}">
+                <a14:useLocalDpi xmlns:a14="http://schemas.microsoft.com/office/drawing/2010/main" val="0"/>
+              </a:ext>
+            </a:extLst>
+          </a:blip>
+          <a:stretch>
+            <a:fillRect/>
+          </a:stretch>
+        </p:blipFill>
+        <p:spPr>
+          <a:xfrm>
+            <a:off x="410053" y="2672817"/>
+            <a:ext cx="5010849" cy="3820058"/>
+          </a:xfrm>
+          <a:prstGeom prst="rect">
+            <a:avLst/>
+          </a:prstGeom>
+        </p:spPr>
+      </p:pic>
+      <p:pic>
+        <p:nvPicPr>
+          <p:cNvPr id="6" name="Picture 5">
+            <a:extLst>
+              <a:ext uri="{FF2B5EF4-FFF2-40B4-BE49-F238E27FC236}">
+                <a16:creationId xmlns:a16="http://schemas.microsoft.com/office/drawing/2014/main" id="{3B75C537-42A0-4263-83B8-80FF8B696F21}"/>
+              </a:ext>
+            </a:extLst>
+          </p:cNvPr>
+          <p:cNvPicPr>
+            <a:picLocks noChangeAspect="1"/>
+          </p:cNvPicPr>
+          <p:nvPr/>
+        </p:nvPicPr>
+        <p:blipFill>
+          <a:blip r:embed="rId3">
+            <a:extLst>
+              <a:ext uri="{28A0092B-C50C-407E-A947-70E740481C1C}">
+                <a14:useLocalDpi xmlns:a14="http://schemas.microsoft.com/office/drawing/2010/main" val="0"/>
+              </a:ext>
+            </a:extLst>
+          </a:blip>
+          <a:stretch>
+            <a:fillRect/>
+          </a:stretch>
+        </p:blipFill>
+        <p:spPr>
+          <a:xfrm>
+            <a:off x="6189103" y="2753790"/>
+            <a:ext cx="5496692" cy="3658111"/>
+          </a:xfrm>
+          <a:prstGeom prst="rect">
+            <a:avLst/>
+          </a:prstGeom>
+        </p:spPr>
+      </p:pic>
+      <p:sp>
+        <p:nvSpPr>
+          <p:cNvPr id="7" name="TextBox 6">
+            <a:extLst>
+              <a:ext uri="{FF2B5EF4-FFF2-40B4-BE49-F238E27FC236}">
+                <a16:creationId xmlns:a16="http://schemas.microsoft.com/office/drawing/2014/main" id="{D3692D6A-765D-40D6-BB8E-0FA5C3A49996}"/>
+              </a:ext>
+            </a:extLst>
+          </p:cNvPr>
+          <p:cNvSpPr txBox="1"/>
+          <p:nvPr/>
+        </p:nvSpPr>
+        <p:spPr>
+          <a:xfrm>
+            <a:off x="1149625" y="2149597"/>
+            <a:ext cx="3531704" cy="523220"/>
+          </a:xfrm>
+          <a:prstGeom prst="rect">
+            <a:avLst/>
+          </a:prstGeom>
+          <a:noFill/>
+        </p:spPr>
+        <p:txBody>
+          <a:bodyPr wrap="square" rtlCol="0">
+            <a:spAutoFit/>
+          </a:bodyPr>
+          <a:lstStyle/>
+          <a:p>
+            <a:r>
+              <a:rPr lang="en-IN" sz="2800" b="1">
+                <a:latin typeface="Adobe Song Std L" panose="02020300000000000000" pitchFamily="18" charset="-128"/>
+                <a:ea typeface="Adobe Song Std L" panose="02020300000000000000" pitchFamily="18" charset="-128"/>
+              </a:rPr>
+              <a:t>Before Transformation</a:t>
+            </a:r>
+          </a:p>
+        </p:txBody>
+      </p:sp>
+      <p:sp>
+        <p:nvSpPr>
+          <p:cNvPr id="8" name="TextBox 7">
+            <a:extLst>
+              <a:ext uri="{FF2B5EF4-FFF2-40B4-BE49-F238E27FC236}">
+                <a16:creationId xmlns:a16="http://schemas.microsoft.com/office/drawing/2014/main" id="{DB4B6EE5-2AFA-46D2-8973-3DA585F571E6}"/>
+              </a:ext>
+            </a:extLst>
+          </p:cNvPr>
+          <p:cNvSpPr txBox="1"/>
+          <p:nvPr/>
+        </p:nvSpPr>
+        <p:spPr>
+          <a:xfrm>
+            <a:off x="7257341" y="2125837"/>
+            <a:ext cx="3360215" cy="523220"/>
+          </a:xfrm>
+          <a:prstGeom prst="rect">
+            <a:avLst/>
+          </a:prstGeom>
+          <a:noFill/>
+        </p:spPr>
+        <p:txBody>
+          <a:bodyPr wrap="none" rtlCol="0">
+            <a:spAutoFit/>
+          </a:bodyPr>
+          <a:lstStyle/>
+          <a:p>
+            <a:r>
+              <a:rPr lang="en-IN" sz="2800" b="1">
+                <a:latin typeface="Adobe Song Std L" panose="02020300000000000000" pitchFamily="18" charset="-128"/>
+                <a:ea typeface="Adobe Song Std L" panose="02020300000000000000" pitchFamily="18" charset="-128"/>
+              </a:rPr>
+              <a:t>After Transformation</a:t>
             </a:r>
           </a:p>
         </p:txBody>
@@ -19235,7 +20141,3110 @@
     </p:spTree>
     <p:extLst>
       <p:ext uri="{BB962C8B-B14F-4D97-AF65-F5344CB8AC3E}">
-        <p14:creationId xmlns:p14="http://schemas.microsoft.com/office/powerpoint/2010/main" val="365927068"/>
+        <p14:creationId xmlns:p14="http://schemas.microsoft.com/office/powerpoint/2010/main" val="2665093671"/>
+      </p:ext>
+    </p:extLst>
+  </p:cSld>
+  <p:clrMapOvr>
+    <a:masterClrMapping/>
+  </p:clrMapOvr>
+</p:sld>
+</file>
+
+<file path=ppt/slides/slide14.xml><?xml version="1.0" encoding="utf-8"?>
+<p:sld xmlns:a="http://schemas.openxmlformats.org/drawingml/2006/main" xmlns:r="http://schemas.openxmlformats.org/officeDocument/2006/relationships" xmlns:p="http://schemas.openxmlformats.org/presentationml/2006/main">
+  <p:cSld>
+    <p:bg>
+      <p:bgPr>
+        <a:solidFill>
+          <a:schemeClr val="bg1"/>
+        </a:solidFill>
+        <a:effectLst/>
+      </p:bgPr>
+    </p:bg>
+    <p:spTree>
+      <p:nvGrpSpPr>
+        <p:cNvPr id="1" name=""/>
+        <p:cNvGrpSpPr/>
+        <p:nvPr/>
+      </p:nvGrpSpPr>
+      <p:grpSpPr>
+        <a:xfrm>
+          <a:off x="0" y="0"/>
+          <a:ext cx="0" cy="0"/>
+          <a:chOff x="0" y="0"/>
+          <a:chExt cx="0" cy="0"/>
+        </a:xfrm>
+      </p:grpSpPr>
+      <p:sp useBgFill="1">
+        <p:nvSpPr>
+          <p:cNvPr id="17" name="Rectangle 16">
+            <a:extLst>
+              <a:ext uri="{FF2B5EF4-FFF2-40B4-BE49-F238E27FC236}">
+                <a16:creationId xmlns:a16="http://schemas.microsoft.com/office/drawing/2014/main" id="{4C10CBC8-7837-4750-8EE9-B4C3D50488F6}"/>
+              </a:ext>
+              <a:ext uri="{C183D7F6-B498-43B3-948B-1728B52AA6E4}">
+                <adec:decorative xmlns:adec="http://schemas.microsoft.com/office/drawing/2017/decorative" val="1"/>
+              </a:ext>
+            </a:extLst>
+          </p:cNvPr>
+          <p:cNvSpPr>
+            <a:spLocks noGrp="1" noRot="1" noChangeAspect="1" noMove="1" noResize="1" noEditPoints="1" noAdjustHandles="1" noChangeArrowheads="1" noChangeShapeType="1" noTextEdit="1"/>
+          </p:cNvSpPr>
+          <p:nvPr>
+            <p:extLst>
+              <p:ext uri="{386F3935-93C4-4BCD-93E2-E3B085C9AB24}">
+                <p16:designElem xmlns:p16="http://schemas.microsoft.com/office/powerpoint/2015/main" val="1"/>
+              </p:ext>
+            </p:extLst>
+          </p:nvPr>
+        </p:nvSpPr>
+        <p:spPr>
+          <a:xfrm>
+            <a:off x="0" y="0"/>
+            <a:ext cx="12188952" cy="6858000"/>
+          </a:xfrm>
+          <a:prstGeom prst="rect">
+            <a:avLst/>
+          </a:prstGeom>
+          <a:ln>
+            <a:noFill/>
+          </a:ln>
+        </p:spPr>
+        <p:style>
+          <a:lnRef idx="2">
+            <a:schemeClr val="accent1">
+              <a:shade val="50000"/>
+            </a:schemeClr>
+          </a:lnRef>
+          <a:fillRef idx="1">
+            <a:schemeClr val="accent1"/>
+          </a:fillRef>
+          <a:effectRef idx="0">
+            <a:schemeClr val="accent1"/>
+          </a:effectRef>
+          <a:fontRef idx="minor">
+            <a:schemeClr val="lt1"/>
+          </a:fontRef>
+        </p:style>
+        <p:txBody>
+          <a:bodyPr rtlCol="0" anchor="ctr"/>
+          <a:lstStyle/>
+          <a:p>
+            <a:pPr algn="ctr"/>
+            <a:endParaRPr lang="en-US"/>
+          </a:p>
+        </p:txBody>
+      </p:sp>
+      <p:sp>
+        <p:nvSpPr>
+          <p:cNvPr id="19" name="Freeform: Shape 18">
+            <a:extLst>
+              <a:ext uri="{FF2B5EF4-FFF2-40B4-BE49-F238E27FC236}">
+                <a16:creationId xmlns:a16="http://schemas.microsoft.com/office/drawing/2014/main" id="{69014793-11D4-4A17-9261-1A2E683ADF75}"/>
+              </a:ext>
+              <a:ext uri="{C183D7F6-B498-43B3-948B-1728B52AA6E4}">
+                <adec:decorative xmlns:adec="http://schemas.microsoft.com/office/drawing/2017/decorative" val="1"/>
+              </a:ext>
+            </a:extLst>
+          </p:cNvPr>
+          <p:cNvSpPr>
+            <a:spLocks noGrp="1" noRot="1" noChangeAspect="1" noMove="1" noResize="1" noEditPoints="1" noAdjustHandles="1" noChangeArrowheads="1" noChangeShapeType="1" noTextEdit="1"/>
+          </p:cNvSpPr>
+          <p:nvPr>
+            <p:extLst>
+              <p:ext uri="{386F3935-93C4-4BCD-93E2-E3B085C9AB24}">
+                <p16:designElem xmlns:p16="http://schemas.microsoft.com/office/powerpoint/2015/main" val="1"/>
+              </p:ext>
+            </p:extLst>
+          </p:nvPr>
+        </p:nvSpPr>
+        <p:spPr>
+          <a:xfrm rot="5400000" flipV="1">
+            <a:off x="5104482" y="-5104482"/>
+            <a:ext cx="1983037" cy="12192001"/>
+          </a:xfrm>
+          <a:custGeom>
+            <a:avLst/>
+            <a:gdLst>
+              <a:gd name="connsiteX0" fmla="*/ 0 w 1983037"/>
+              <a:gd name="connsiteY0" fmla="*/ 0 h 12192001"/>
+              <a:gd name="connsiteX1" fmla="*/ 0 w 1983037"/>
+              <a:gd name="connsiteY1" fmla="*/ 12192001 h 12192001"/>
+              <a:gd name="connsiteX2" fmla="*/ 1945626 w 1983037"/>
+              <a:gd name="connsiteY2" fmla="*/ 12192001 h 12192001"/>
+              <a:gd name="connsiteX3" fmla="*/ 1914883 w 1983037"/>
+              <a:gd name="connsiteY3" fmla="*/ 11926947 h 12192001"/>
+              <a:gd name="connsiteX4" fmla="*/ 1887405 w 1983037"/>
+              <a:gd name="connsiteY4" fmla="*/ 10882179 h 12192001"/>
+              <a:gd name="connsiteX5" fmla="*/ 1955094 w 1983037"/>
+              <a:gd name="connsiteY5" fmla="*/ 9717835 h 12192001"/>
+              <a:gd name="connsiteX6" fmla="*/ 1955094 w 1983037"/>
+              <a:gd name="connsiteY6" fmla="*/ 9338013 h 12192001"/>
+              <a:gd name="connsiteX7" fmla="*/ 1947423 w 1983037"/>
+              <a:gd name="connsiteY7" fmla="*/ 8936699 h 12192001"/>
+              <a:gd name="connsiteX8" fmla="*/ 1949002 w 1983037"/>
+              <a:gd name="connsiteY8" fmla="*/ 7709920 h 12192001"/>
+              <a:gd name="connsiteX9" fmla="*/ 1930276 w 1983037"/>
+              <a:gd name="connsiteY9" fmla="*/ 6277504 h 12192001"/>
+              <a:gd name="connsiteX10" fmla="*/ 1954643 w 1983037"/>
+              <a:gd name="connsiteY10" fmla="*/ 5307481 h 12192001"/>
+              <a:gd name="connsiteX11" fmla="*/ 1944941 w 1983037"/>
+              <a:gd name="connsiteY11" fmla="*/ 4949831 h 12192001"/>
+              <a:gd name="connsiteX12" fmla="*/ 1961187 w 1983037"/>
+              <a:gd name="connsiteY12" fmla="*/ 4137481 h 12192001"/>
+              <a:gd name="connsiteX13" fmla="*/ 1964118 w 1983037"/>
+              <a:gd name="connsiteY13" fmla="*/ 3194148 h 12192001"/>
+              <a:gd name="connsiteX14" fmla="*/ 1914708 w 1983037"/>
+              <a:gd name="connsiteY14" fmla="*/ 1979808 h 12192001"/>
+              <a:gd name="connsiteX15" fmla="*/ 1949679 w 1983037"/>
+              <a:gd name="connsiteY15" fmla="*/ 1443897 h 12192001"/>
+              <a:gd name="connsiteX16" fmla="*/ 1942685 w 1983037"/>
+              <a:gd name="connsiteY16" fmla="*/ 749860 h 12192001"/>
+              <a:gd name="connsiteX17" fmla="*/ 1933706 w 1983037"/>
+              <a:gd name="connsiteY17" fmla="*/ 168558 h 12192001"/>
+              <a:gd name="connsiteX18" fmla="*/ 1950785 w 1983037"/>
+              <a:gd name="connsiteY18" fmla="*/ 0 h 12192001"/>
+            </a:gdLst>
+            <a:ahLst/>
+            <a:cxnLst>
+              <a:cxn ang="0">
+                <a:pos x="connsiteX0" y="connsiteY0"/>
+              </a:cxn>
+              <a:cxn ang="0">
+                <a:pos x="connsiteX1" y="connsiteY1"/>
+              </a:cxn>
+              <a:cxn ang="0">
+                <a:pos x="connsiteX2" y="connsiteY2"/>
+              </a:cxn>
+              <a:cxn ang="0">
+                <a:pos x="connsiteX3" y="connsiteY3"/>
+              </a:cxn>
+              <a:cxn ang="0">
+                <a:pos x="connsiteX4" y="connsiteY4"/>
+              </a:cxn>
+              <a:cxn ang="0">
+                <a:pos x="connsiteX5" y="connsiteY5"/>
+              </a:cxn>
+              <a:cxn ang="0">
+                <a:pos x="connsiteX6" y="connsiteY6"/>
+              </a:cxn>
+              <a:cxn ang="0">
+                <a:pos x="connsiteX7" y="connsiteY7"/>
+              </a:cxn>
+              <a:cxn ang="0">
+                <a:pos x="connsiteX8" y="connsiteY8"/>
+              </a:cxn>
+              <a:cxn ang="0">
+                <a:pos x="connsiteX9" y="connsiteY9"/>
+              </a:cxn>
+              <a:cxn ang="0">
+                <a:pos x="connsiteX10" y="connsiteY10"/>
+              </a:cxn>
+              <a:cxn ang="0">
+                <a:pos x="connsiteX11" y="connsiteY11"/>
+              </a:cxn>
+              <a:cxn ang="0">
+                <a:pos x="connsiteX12" y="connsiteY12"/>
+              </a:cxn>
+              <a:cxn ang="0">
+                <a:pos x="connsiteX13" y="connsiteY13"/>
+              </a:cxn>
+              <a:cxn ang="0">
+                <a:pos x="connsiteX14" y="connsiteY14"/>
+              </a:cxn>
+              <a:cxn ang="0">
+                <a:pos x="connsiteX15" y="connsiteY15"/>
+              </a:cxn>
+              <a:cxn ang="0">
+                <a:pos x="connsiteX16" y="connsiteY16"/>
+              </a:cxn>
+              <a:cxn ang="0">
+                <a:pos x="connsiteX17" y="connsiteY17"/>
+              </a:cxn>
+              <a:cxn ang="0">
+                <a:pos x="connsiteX18" y="connsiteY18"/>
+              </a:cxn>
+            </a:cxnLst>
+            <a:rect l="l" t="t" r="r" b="b"/>
+            <a:pathLst>
+              <a:path w="1983037" h="12192001">
+                <a:moveTo>
+                  <a:pt x="0" y="0"/>
+                </a:moveTo>
+                <a:lnTo>
+                  <a:pt x="0" y="12192001"/>
+                </a:lnTo>
+                <a:lnTo>
+                  <a:pt x="1945626" y="12192001"/>
+                </a:lnTo>
+                <a:lnTo>
+                  <a:pt x="1914883" y="11926947"/>
+                </a:lnTo>
+                <a:cubicBezTo>
+                  <a:pt x="1884529" y="11579709"/>
+                  <a:pt x="1881652" y="11231009"/>
+                  <a:pt x="1887405" y="10882179"/>
+                </a:cubicBezTo>
+                <a:cubicBezTo>
+                  <a:pt x="1893725" y="10493309"/>
+                  <a:pt x="1911547" y="10104667"/>
+                  <a:pt x="1955094" y="9717835"/>
+                </a:cubicBezTo>
+                <a:cubicBezTo>
+                  <a:pt x="1966715" y="9591491"/>
+                  <a:pt x="1966715" y="9464357"/>
+                  <a:pt x="1955094" y="9338013"/>
+                </a:cubicBezTo>
+                <a:cubicBezTo>
+                  <a:pt x="1945663" y="9204453"/>
+                  <a:pt x="1943091" y="9070511"/>
+                  <a:pt x="1947423" y="8936699"/>
+                </a:cubicBezTo>
+                <a:cubicBezTo>
+                  <a:pt x="1960283" y="8527701"/>
+                  <a:pt x="1930726" y="8118470"/>
+                  <a:pt x="1949002" y="7709920"/>
+                </a:cubicBezTo>
+                <a:cubicBezTo>
+                  <a:pt x="1970436" y="7231918"/>
+                  <a:pt x="1945393" y="6755049"/>
+                  <a:pt x="1930276" y="6277504"/>
+                </a:cubicBezTo>
+                <a:cubicBezTo>
+                  <a:pt x="1920123" y="5954014"/>
+                  <a:pt x="1913803" y="5630292"/>
+                  <a:pt x="1954643" y="5307481"/>
+                </a:cubicBezTo>
+                <a:cubicBezTo>
+                  <a:pt x="1969761" y="5188718"/>
+                  <a:pt x="1956899" y="5068596"/>
+                  <a:pt x="1944941" y="4949831"/>
+                </a:cubicBezTo>
+                <a:cubicBezTo>
+                  <a:pt x="1917866" y="4678139"/>
+                  <a:pt x="1932758" y="4407584"/>
+                  <a:pt x="1961187" y="4137481"/>
+                </a:cubicBezTo>
+                <a:cubicBezTo>
+                  <a:pt x="1994579" y="3823035"/>
+                  <a:pt x="1984877" y="3508818"/>
+                  <a:pt x="1964118" y="3194148"/>
+                </a:cubicBezTo>
+                <a:cubicBezTo>
+                  <a:pt x="1937270" y="2789895"/>
+                  <a:pt x="1903424" y="2387003"/>
+                  <a:pt x="1914708" y="1979808"/>
+                </a:cubicBezTo>
+                <a:cubicBezTo>
+                  <a:pt x="1919446" y="1800868"/>
+                  <a:pt x="1935466" y="1622384"/>
+                  <a:pt x="1949679" y="1443897"/>
+                </a:cubicBezTo>
+                <a:cubicBezTo>
+                  <a:pt x="1964278" y="1212701"/>
+                  <a:pt x="1961931" y="980722"/>
+                  <a:pt x="1942685" y="749860"/>
+                </a:cubicBezTo>
+                <a:cubicBezTo>
+                  <a:pt x="1929825" y="555933"/>
+                  <a:pt x="1921533" y="362007"/>
+                  <a:pt x="1933706" y="168558"/>
+                </a:cubicBezTo>
+                <a:lnTo>
+                  <a:pt x="1950785" y="0"/>
+                </a:lnTo>
+                <a:close/>
+              </a:path>
+            </a:pathLst>
+          </a:custGeom>
+          <a:solidFill>
+            <a:schemeClr val="accent1"/>
+          </a:solidFill>
+          <a:ln>
+            <a:noFill/>
+          </a:ln>
+        </p:spPr>
+        <p:style>
+          <a:lnRef idx="2">
+            <a:schemeClr val="accent1">
+              <a:shade val="50000"/>
+            </a:schemeClr>
+          </a:lnRef>
+          <a:fillRef idx="1">
+            <a:schemeClr val="accent1"/>
+          </a:fillRef>
+          <a:effectRef idx="0">
+            <a:schemeClr val="accent1"/>
+          </a:effectRef>
+          <a:fontRef idx="minor">
+            <a:schemeClr val="lt1"/>
+          </a:fontRef>
+        </p:style>
+        <p:txBody>
+          <a:bodyPr wrap="square" rtlCol="0" anchor="ctr">
+            <a:noAutofit/>
+          </a:bodyPr>
+          <a:lstStyle/>
+          <a:p>
+            <a:pPr algn="ctr"/>
+            <a:endParaRPr lang="en-US"/>
+          </a:p>
+        </p:txBody>
+      </p:sp>
+      <p:sp>
+        <p:nvSpPr>
+          <p:cNvPr id="2" name="Title 1">
+            <a:extLst>
+              <a:ext uri="{FF2B5EF4-FFF2-40B4-BE49-F238E27FC236}">
+                <a16:creationId xmlns:a16="http://schemas.microsoft.com/office/drawing/2014/main" id="{BE6DD7A6-6C0D-4C7B-A6BF-BD61695916EC}"/>
+              </a:ext>
+            </a:extLst>
+          </p:cNvPr>
+          <p:cNvSpPr>
+            <a:spLocks noGrp="1"/>
+          </p:cNvSpPr>
+          <p:nvPr>
+            <p:ph type="title"/>
+          </p:nvPr>
+        </p:nvSpPr>
+        <p:spPr>
+          <a:xfrm>
+            <a:off x="838200" y="365125"/>
+            <a:ext cx="10515600" cy="1325563"/>
+          </a:xfrm>
+        </p:spPr>
+        <p:txBody>
+          <a:bodyPr>
+            <a:normAutofit/>
+          </a:bodyPr>
+          <a:lstStyle/>
+          <a:p>
+            <a:r>
+              <a:rPr lang="en-US" sz="7200">
+                <a:solidFill>
+                  <a:schemeClr val="bg1"/>
+                </a:solidFill>
+                <a:latin typeface="Adobe Song Std L" panose="02020300000000000000" pitchFamily="18" charset="-128"/>
+                <a:ea typeface="Adobe Song Std L" panose="02020300000000000000" pitchFamily="18" charset="-128"/>
+              </a:rPr>
+              <a:t>Model Validation</a:t>
+            </a:r>
+          </a:p>
+        </p:txBody>
+      </p:sp>
+      <p:pic>
+        <p:nvPicPr>
+          <p:cNvPr id="4" name="Picture 4" descr="A screenshot of a cell phone&#10;&#10;Description generated with very high confidence">
+            <a:extLst>
+              <a:ext uri="{FF2B5EF4-FFF2-40B4-BE49-F238E27FC236}">
+                <a16:creationId xmlns:a16="http://schemas.microsoft.com/office/drawing/2014/main" id="{C5510DED-C148-4C39-BAE4-50EE17B0F35D}"/>
+              </a:ext>
+            </a:extLst>
+          </p:cNvPr>
+          <p:cNvPicPr>
+            <a:picLocks noChangeAspect="1"/>
+          </p:cNvPicPr>
+          <p:nvPr/>
+        </p:nvPicPr>
+        <p:blipFill>
+          <a:blip r:embed="rId2"/>
+          <a:stretch>
+            <a:fillRect/>
+          </a:stretch>
+        </p:blipFill>
+        <p:spPr>
+          <a:xfrm>
+            <a:off x="1194548" y="2620154"/>
+            <a:ext cx="10161493" cy="3578721"/>
+          </a:xfrm>
+          <a:prstGeom prst="rect">
+            <a:avLst/>
+          </a:prstGeom>
+        </p:spPr>
+      </p:pic>
+    </p:spTree>
+    <p:extLst>
+      <p:ext uri="{BB962C8B-B14F-4D97-AF65-F5344CB8AC3E}">
+        <p14:creationId xmlns:p14="http://schemas.microsoft.com/office/powerpoint/2010/main" val="1636646553"/>
+      </p:ext>
+    </p:extLst>
+  </p:cSld>
+  <p:clrMapOvr>
+    <a:masterClrMapping/>
+  </p:clrMapOvr>
+</p:sld>
+</file>
+
+<file path=ppt/slides/slide15.xml><?xml version="1.0" encoding="utf-8"?>
+<p:sld xmlns:a="http://schemas.openxmlformats.org/drawingml/2006/main" xmlns:r="http://schemas.openxmlformats.org/officeDocument/2006/relationships" xmlns:p="http://schemas.openxmlformats.org/presentationml/2006/main">
+  <p:cSld>
+    <p:bg>
+      <p:bgPr>
+        <a:solidFill>
+          <a:schemeClr val="bg1"/>
+        </a:solidFill>
+        <a:effectLst/>
+      </p:bgPr>
+    </p:bg>
+    <p:spTree>
+      <p:nvGrpSpPr>
+        <p:cNvPr id="1" name=""/>
+        <p:cNvGrpSpPr/>
+        <p:nvPr/>
+      </p:nvGrpSpPr>
+      <p:grpSpPr>
+        <a:xfrm>
+          <a:off x="0" y="0"/>
+          <a:ext cx="0" cy="0"/>
+          <a:chOff x="0" y="0"/>
+          <a:chExt cx="0" cy="0"/>
+        </a:xfrm>
+      </p:grpSpPr>
+      <p:sp useBgFill="1">
+        <p:nvSpPr>
+          <p:cNvPr id="17" name="Rectangle 16">
+            <a:extLst>
+              <a:ext uri="{FF2B5EF4-FFF2-40B4-BE49-F238E27FC236}">
+                <a16:creationId xmlns:a16="http://schemas.microsoft.com/office/drawing/2014/main" id="{4C10CBC8-7837-4750-8EE9-B4C3D50488F6}"/>
+              </a:ext>
+              <a:ext uri="{C183D7F6-B498-43B3-948B-1728B52AA6E4}">
+                <adec:decorative xmlns:adec="http://schemas.microsoft.com/office/drawing/2017/decorative" val="1"/>
+              </a:ext>
+            </a:extLst>
+          </p:cNvPr>
+          <p:cNvSpPr>
+            <a:spLocks noGrp="1" noRot="1" noChangeAspect="1" noMove="1" noResize="1" noEditPoints="1" noAdjustHandles="1" noChangeArrowheads="1" noChangeShapeType="1" noTextEdit="1"/>
+          </p:cNvSpPr>
+          <p:nvPr>
+            <p:extLst>
+              <p:ext uri="{386F3935-93C4-4BCD-93E2-E3B085C9AB24}">
+                <p16:designElem xmlns:p16="http://schemas.microsoft.com/office/powerpoint/2015/main" val="1"/>
+              </p:ext>
+            </p:extLst>
+          </p:nvPr>
+        </p:nvSpPr>
+        <p:spPr>
+          <a:xfrm>
+            <a:off x="0" y="0"/>
+            <a:ext cx="12188952" cy="6858000"/>
+          </a:xfrm>
+          <a:prstGeom prst="rect">
+            <a:avLst/>
+          </a:prstGeom>
+          <a:ln>
+            <a:noFill/>
+          </a:ln>
+        </p:spPr>
+        <p:style>
+          <a:lnRef idx="2">
+            <a:schemeClr val="accent1">
+              <a:shade val="50000"/>
+            </a:schemeClr>
+          </a:lnRef>
+          <a:fillRef idx="1">
+            <a:schemeClr val="accent1"/>
+          </a:fillRef>
+          <a:effectRef idx="0">
+            <a:schemeClr val="accent1"/>
+          </a:effectRef>
+          <a:fontRef idx="minor">
+            <a:schemeClr val="lt1"/>
+          </a:fontRef>
+        </p:style>
+        <p:txBody>
+          <a:bodyPr rtlCol="0" anchor="ctr"/>
+          <a:lstStyle/>
+          <a:p>
+            <a:pPr algn="ctr"/>
+            <a:endParaRPr lang="en-US"/>
+          </a:p>
+        </p:txBody>
+      </p:sp>
+      <p:sp>
+        <p:nvSpPr>
+          <p:cNvPr id="19" name="Freeform: Shape 18">
+            <a:extLst>
+              <a:ext uri="{FF2B5EF4-FFF2-40B4-BE49-F238E27FC236}">
+                <a16:creationId xmlns:a16="http://schemas.microsoft.com/office/drawing/2014/main" id="{69014793-11D4-4A17-9261-1A2E683ADF75}"/>
+              </a:ext>
+              <a:ext uri="{C183D7F6-B498-43B3-948B-1728B52AA6E4}">
+                <adec:decorative xmlns:adec="http://schemas.microsoft.com/office/drawing/2017/decorative" val="1"/>
+              </a:ext>
+            </a:extLst>
+          </p:cNvPr>
+          <p:cNvSpPr>
+            <a:spLocks noGrp="1" noRot="1" noChangeAspect="1" noMove="1" noResize="1" noEditPoints="1" noAdjustHandles="1" noChangeArrowheads="1" noChangeShapeType="1" noTextEdit="1"/>
+          </p:cNvSpPr>
+          <p:nvPr>
+            <p:extLst>
+              <p:ext uri="{386F3935-93C4-4BCD-93E2-E3B085C9AB24}">
+                <p16:designElem xmlns:p16="http://schemas.microsoft.com/office/powerpoint/2015/main" val="1"/>
+              </p:ext>
+            </p:extLst>
+          </p:nvPr>
+        </p:nvSpPr>
+        <p:spPr>
+          <a:xfrm rot="5400000" flipV="1">
+            <a:off x="5104482" y="-5104482"/>
+            <a:ext cx="1983037" cy="12192001"/>
+          </a:xfrm>
+          <a:custGeom>
+            <a:avLst/>
+            <a:gdLst>
+              <a:gd name="connsiteX0" fmla="*/ 0 w 1983037"/>
+              <a:gd name="connsiteY0" fmla="*/ 0 h 12192001"/>
+              <a:gd name="connsiteX1" fmla="*/ 0 w 1983037"/>
+              <a:gd name="connsiteY1" fmla="*/ 12192001 h 12192001"/>
+              <a:gd name="connsiteX2" fmla="*/ 1945626 w 1983037"/>
+              <a:gd name="connsiteY2" fmla="*/ 12192001 h 12192001"/>
+              <a:gd name="connsiteX3" fmla="*/ 1914883 w 1983037"/>
+              <a:gd name="connsiteY3" fmla="*/ 11926947 h 12192001"/>
+              <a:gd name="connsiteX4" fmla="*/ 1887405 w 1983037"/>
+              <a:gd name="connsiteY4" fmla="*/ 10882179 h 12192001"/>
+              <a:gd name="connsiteX5" fmla="*/ 1955094 w 1983037"/>
+              <a:gd name="connsiteY5" fmla="*/ 9717835 h 12192001"/>
+              <a:gd name="connsiteX6" fmla="*/ 1955094 w 1983037"/>
+              <a:gd name="connsiteY6" fmla="*/ 9338013 h 12192001"/>
+              <a:gd name="connsiteX7" fmla="*/ 1947423 w 1983037"/>
+              <a:gd name="connsiteY7" fmla="*/ 8936699 h 12192001"/>
+              <a:gd name="connsiteX8" fmla="*/ 1949002 w 1983037"/>
+              <a:gd name="connsiteY8" fmla="*/ 7709920 h 12192001"/>
+              <a:gd name="connsiteX9" fmla="*/ 1930276 w 1983037"/>
+              <a:gd name="connsiteY9" fmla="*/ 6277504 h 12192001"/>
+              <a:gd name="connsiteX10" fmla="*/ 1954643 w 1983037"/>
+              <a:gd name="connsiteY10" fmla="*/ 5307481 h 12192001"/>
+              <a:gd name="connsiteX11" fmla="*/ 1944941 w 1983037"/>
+              <a:gd name="connsiteY11" fmla="*/ 4949831 h 12192001"/>
+              <a:gd name="connsiteX12" fmla="*/ 1961187 w 1983037"/>
+              <a:gd name="connsiteY12" fmla="*/ 4137481 h 12192001"/>
+              <a:gd name="connsiteX13" fmla="*/ 1964118 w 1983037"/>
+              <a:gd name="connsiteY13" fmla="*/ 3194148 h 12192001"/>
+              <a:gd name="connsiteX14" fmla="*/ 1914708 w 1983037"/>
+              <a:gd name="connsiteY14" fmla="*/ 1979808 h 12192001"/>
+              <a:gd name="connsiteX15" fmla="*/ 1949679 w 1983037"/>
+              <a:gd name="connsiteY15" fmla="*/ 1443897 h 12192001"/>
+              <a:gd name="connsiteX16" fmla="*/ 1942685 w 1983037"/>
+              <a:gd name="connsiteY16" fmla="*/ 749860 h 12192001"/>
+              <a:gd name="connsiteX17" fmla="*/ 1933706 w 1983037"/>
+              <a:gd name="connsiteY17" fmla="*/ 168558 h 12192001"/>
+              <a:gd name="connsiteX18" fmla="*/ 1950785 w 1983037"/>
+              <a:gd name="connsiteY18" fmla="*/ 0 h 12192001"/>
+            </a:gdLst>
+            <a:ahLst/>
+            <a:cxnLst>
+              <a:cxn ang="0">
+                <a:pos x="connsiteX0" y="connsiteY0"/>
+              </a:cxn>
+              <a:cxn ang="0">
+                <a:pos x="connsiteX1" y="connsiteY1"/>
+              </a:cxn>
+              <a:cxn ang="0">
+                <a:pos x="connsiteX2" y="connsiteY2"/>
+              </a:cxn>
+              <a:cxn ang="0">
+                <a:pos x="connsiteX3" y="connsiteY3"/>
+              </a:cxn>
+              <a:cxn ang="0">
+                <a:pos x="connsiteX4" y="connsiteY4"/>
+              </a:cxn>
+              <a:cxn ang="0">
+                <a:pos x="connsiteX5" y="connsiteY5"/>
+              </a:cxn>
+              <a:cxn ang="0">
+                <a:pos x="connsiteX6" y="connsiteY6"/>
+              </a:cxn>
+              <a:cxn ang="0">
+                <a:pos x="connsiteX7" y="connsiteY7"/>
+              </a:cxn>
+              <a:cxn ang="0">
+                <a:pos x="connsiteX8" y="connsiteY8"/>
+              </a:cxn>
+              <a:cxn ang="0">
+                <a:pos x="connsiteX9" y="connsiteY9"/>
+              </a:cxn>
+              <a:cxn ang="0">
+                <a:pos x="connsiteX10" y="connsiteY10"/>
+              </a:cxn>
+              <a:cxn ang="0">
+                <a:pos x="connsiteX11" y="connsiteY11"/>
+              </a:cxn>
+              <a:cxn ang="0">
+                <a:pos x="connsiteX12" y="connsiteY12"/>
+              </a:cxn>
+              <a:cxn ang="0">
+                <a:pos x="connsiteX13" y="connsiteY13"/>
+              </a:cxn>
+              <a:cxn ang="0">
+                <a:pos x="connsiteX14" y="connsiteY14"/>
+              </a:cxn>
+              <a:cxn ang="0">
+                <a:pos x="connsiteX15" y="connsiteY15"/>
+              </a:cxn>
+              <a:cxn ang="0">
+                <a:pos x="connsiteX16" y="connsiteY16"/>
+              </a:cxn>
+              <a:cxn ang="0">
+                <a:pos x="connsiteX17" y="connsiteY17"/>
+              </a:cxn>
+              <a:cxn ang="0">
+                <a:pos x="connsiteX18" y="connsiteY18"/>
+              </a:cxn>
+            </a:cxnLst>
+            <a:rect l="l" t="t" r="r" b="b"/>
+            <a:pathLst>
+              <a:path w="1983037" h="12192001">
+                <a:moveTo>
+                  <a:pt x="0" y="0"/>
+                </a:moveTo>
+                <a:lnTo>
+                  <a:pt x="0" y="12192001"/>
+                </a:lnTo>
+                <a:lnTo>
+                  <a:pt x="1945626" y="12192001"/>
+                </a:lnTo>
+                <a:lnTo>
+                  <a:pt x="1914883" y="11926947"/>
+                </a:lnTo>
+                <a:cubicBezTo>
+                  <a:pt x="1884529" y="11579709"/>
+                  <a:pt x="1881652" y="11231009"/>
+                  <a:pt x="1887405" y="10882179"/>
+                </a:cubicBezTo>
+                <a:cubicBezTo>
+                  <a:pt x="1893725" y="10493309"/>
+                  <a:pt x="1911547" y="10104667"/>
+                  <a:pt x="1955094" y="9717835"/>
+                </a:cubicBezTo>
+                <a:cubicBezTo>
+                  <a:pt x="1966715" y="9591491"/>
+                  <a:pt x="1966715" y="9464357"/>
+                  <a:pt x="1955094" y="9338013"/>
+                </a:cubicBezTo>
+                <a:cubicBezTo>
+                  <a:pt x="1945663" y="9204453"/>
+                  <a:pt x="1943091" y="9070511"/>
+                  <a:pt x="1947423" y="8936699"/>
+                </a:cubicBezTo>
+                <a:cubicBezTo>
+                  <a:pt x="1960283" y="8527701"/>
+                  <a:pt x="1930726" y="8118470"/>
+                  <a:pt x="1949002" y="7709920"/>
+                </a:cubicBezTo>
+                <a:cubicBezTo>
+                  <a:pt x="1970436" y="7231918"/>
+                  <a:pt x="1945393" y="6755049"/>
+                  <a:pt x="1930276" y="6277504"/>
+                </a:cubicBezTo>
+                <a:cubicBezTo>
+                  <a:pt x="1920123" y="5954014"/>
+                  <a:pt x="1913803" y="5630292"/>
+                  <a:pt x="1954643" y="5307481"/>
+                </a:cubicBezTo>
+                <a:cubicBezTo>
+                  <a:pt x="1969761" y="5188718"/>
+                  <a:pt x="1956899" y="5068596"/>
+                  <a:pt x="1944941" y="4949831"/>
+                </a:cubicBezTo>
+                <a:cubicBezTo>
+                  <a:pt x="1917866" y="4678139"/>
+                  <a:pt x="1932758" y="4407584"/>
+                  <a:pt x="1961187" y="4137481"/>
+                </a:cubicBezTo>
+                <a:cubicBezTo>
+                  <a:pt x="1994579" y="3823035"/>
+                  <a:pt x="1984877" y="3508818"/>
+                  <a:pt x="1964118" y="3194148"/>
+                </a:cubicBezTo>
+                <a:cubicBezTo>
+                  <a:pt x="1937270" y="2789895"/>
+                  <a:pt x="1903424" y="2387003"/>
+                  <a:pt x="1914708" y="1979808"/>
+                </a:cubicBezTo>
+                <a:cubicBezTo>
+                  <a:pt x="1919446" y="1800868"/>
+                  <a:pt x="1935466" y="1622384"/>
+                  <a:pt x="1949679" y="1443897"/>
+                </a:cubicBezTo>
+                <a:cubicBezTo>
+                  <a:pt x="1964278" y="1212701"/>
+                  <a:pt x="1961931" y="980722"/>
+                  <a:pt x="1942685" y="749860"/>
+                </a:cubicBezTo>
+                <a:cubicBezTo>
+                  <a:pt x="1929825" y="555933"/>
+                  <a:pt x="1921533" y="362007"/>
+                  <a:pt x="1933706" y="168558"/>
+                </a:cubicBezTo>
+                <a:lnTo>
+                  <a:pt x="1950785" y="0"/>
+                </a:lnTo>
+                <a:close/>
+              </a:path>
+            </a:pathLst>
+          </a:custGeom>
+          <a:solidFill>
+            <a:schemeClr val="accent1"/>
+          </a:solidFill>
+          <a:ln>
+            <a:noFill/>
+          </a:ln>
+        </p:spPr>
+        <p:style>
+          <a:lnRef idx="2">
+            <a:schemeClr val="accent1">
+              <a:shade val="50000"/>
+            </a:schemeClr>
+          </a:lnRef>
+          <a:fillRef idx="1">
+            <a:schemeClr val="accent1"/>
+          </a:fillRef>
+          <a:effectRef idx="0">
+            <a:schemeClr val="accent1"/>
+          </a:effectRef>
+          <a:fontRef idx="minor">
+            <a:schemeClr val="lt1"/>
+          </a:fontRef>
+        </p:style>
+        <p:txBody>
+          <a:bodyPr wrap="square" rtlCol="0" anchor="ctr">
+            <a:noAutofit/>
+          </a:bodyPr>
+          <a:lstStyle/>
+          <a:p>
+            <a:pPr algn="ctr"/>
+            <a:endParaRPr lang="en-US"/>
+          </a:p>
+        </p:txBody>
+      </p:sp>
+      <p:sp>
+        <p:nvSpPr>
+          <p:cNvPr id="2" name="Title 1">
+            <a:extLst>
+              <a:ext uri="{FF2B5EF4-FFF2-40B4-BE49-F238E27FC236}">
+                <a16:creationId xmlns:a16="http://schemas.microsoft.com/office/drawing/2014/main" id="{BE6DD7A6-6C0D-4C7B-A6BF-BD61695916EC}"/>
+              </a:ext>
+            </a:extLst>
+          </p:cNvPr>
+          <p:cNvSpPr>
+            <a:spLocks noGrp="1"/>
+          </p:cNvSpPr>
+          <p:nvPr>
+            <p:ph type="title"/>
+          </p:nvPr>
+        </p:nvSpPr>
+        <p:spPr>
+          <a:xfrm>
+            <a:off x="838200" y="365125"/>
+            <a:ext cx="10515600" cy="1325563"/>
+          </a:xfrm>
+        </p:spPr>
+        <p:txBody>
+          <a:bodyPr>
+            <a:normAutofit/>
+          </a:bodyPr>
+          <a:lstStyle/>
+          <a:p>
+            <a:r>
+              <a:rPr lang="en-US" sz="7200">
+                <a:solidFill>
+                  <a:schemeClr val="bg1"/>
+                </a:solidFill>
+                <a:latin typeface="Adobe Song Std L" panose="02020300000000000000" pitchFamily="18" charset="-128"/>
+                <a:ea typeface="Adobe Song Std L" panose="02020300000000000000" pitchFamily="18" charset="-128"/>
+              </a:rPr>
+              <a:t>Model Validation</a:t>
+            </a:r>
+          </a:p>
+        </p:txBody>
+      </p:sp>
+      <p:pic>
+        <p:nvPicPr>
+          <p:cNvPr id="7" name="Picture 7" descr="A close up of a map&#10;&#10;Description generated with very high confidence">
+            <a:extLst>
+              <a:ext uri="{FF2B5EF4-FFF2-40B4-BE49-F238E27FC236}">
+                <a16:creationId xmlns:a16="http://schemas.microsoft.com/office/drawing/2014/main" id="{9AD584A5-0D60-43FB-8CF4-941439A57D1A}"/>
+              </a:ext>
+            </a:extLst>
+          </p:cNvPr>
+          <p:cNvPicPr>
+            <a:picLocks noChangeAspect="1"/>
+          </p:cNvPicPr>
+          <p:nvPr/>
+        </p:nvPicPr>
+        <p:blipFill>
+          <a:blip r:embed="rId2"/>
+          <a:stretch>
+            <a:fillRect/>
+          </a:stretch>
+        </p:blipFill>
+        <p:spPr>
+          <a:xfrm>
+            <a:off x="1595220" y="1930563"/>
+            <a:ext cx="7511676" cy="4651360"/>
+          </a:xfrm>
+          <a:prstGeom prst="rect">
+            <a:avLst/>
+          </a:prstGeom>
+        </p:spPr>
+      </p:pic>
+    </p:spTree>
+    <p:extLst>
+      <p:ext uri="{BB962C8B-B14F-4D97-AF65-F5344CB8AC3E}">
+        <p14:creationId xmlns:p14="http://schemas.microsoft.com/office/powerpoint/2010/main" val="2256132331"/>
+      </p:ext>
+    </p:extLst>
+  </p:cSld>
+  <p:clrMapOvr>
+    <a:masterClrMapping/>
+  </p:clrMapOvr>
+</p:sld>
+</file>
+
+<file path=ppt/slides/slide16.xml><?xml version="1.0" encoding="utf-8"?>
+<p:sld xmlns:a="http://schemas.openxmlformats.org/drawingml/2006/main" xmlns:r="http://schemas.openxmlformats.org/officeDocument/2006/relationships" xmlns:p="http://schemas.openxmlformats.org/presentationml/2006/main">
+  <p:cSld>
+    <p:bg>
+      <p:bgPr>
+        <a:solidFill>
+          <a:schemeClr val="bg1"/>
+        </a:solidFill>
+        <a:effectLst/>
+      </p:bgPr>
+    </p:bg>
+    <p:spTree>
+      <p:nvGrpSpPr>
+        <p:cNvPr id="1" name=""/>
+        <p:cNvGrpSpPr/>
+        <p:nvPr/>
+      </p:nvGrpSpPr>
+      <p:grpSpPr>
+        <a:xfrm>
+          <a:off x="0" y="0"/>
+          <a:ext cx="0" cy="0"/>
+          <a:chOff x="0" y="0"/>
+          <a:chExt cx="0" cy="0"/>
+        </a:xfrm>
+      </p:grpSpPr>
+      <p:sp useBgFill="1">
+        <p:nvSpPr>
+          <p:cNvPr id="17" name="Rectangle 16">
+            <a:extLst>
+              <a:ext uri="{FF2B5EF4-FFF2-40B4-BE49-F238E27FC236}">
+                <a16:creationId xmlns:a16="http://schemas.microsoft.com/office/drawing/2014/main" id="{4C10CBC8-7837-4750-8EE9-B4C3D50488F6}"/>
+              </a:ext>
+              <a:ext uri="{C183D7F6-B498-43B3-948B-1728B52AA6E4}">
+                <adec:decorative xmlns:adec="http://schemas.microsoft.com/office/drawing/2017/decorative" val="1"/>
+              </a:ext>
+            </a:extLst>
+          </p:cNvPr>
+          <p:cNvSpPr>
+            <a:spLocks noGrp="1" noRot="1" noChangeAspect="1" noMove="1" noResize="1" noEditPoints="1" noAdjustHandles="1" noChangeArrowheads="1" noChangeShapeType="1" noTextEdit="1"/>
+          </p:cNvSpPr>
+          <p:nvPr>
+            <p:extLst>
+              <p:ext uri="{386F3935-93C4-4BCD-93E2-E3B085C9AB24}">
+                <p16:designElem xmlns:p16="http://schemas.microsoft.com/office/powerpoint/2015/main" val="1"/>
+              </p:ext>
+            </p:extLst>
+          </p:nvPr>
+        </p:nvSpPr>
+        <p:spPr>
+          <a:xfrm>
+            <a:off x="0" y="0"/>
+            <a:ext cx="12188952" cy="6858000"/>
+          </a:xfrm>
+          <a:prstGeom prst="rect">
+            <a:avLst/>
+          </a:prstGeom>
+          <a:ln>
+            <a:noFill/>
+          </a:ln>
+        </p:spPr>
+        <p:style>
+          <a:lnRef idx="2">
+            <a:schemeClr val="accent1">
+              <a:shade val="50000"/>
+            </a:schemeClr>
+          </a:lnRef>
+          <a:fillRef idx="1">
+            <a:schemeClr val="accent1"/>
+          </a:fillRef>
+          <a:effectRef idx="0">
+            <a:schemeClr val="accent1"/>
+          </a:effectRef>
+          <a:fontRef idx="minor">
+            <a:schemeClr val="lt1"/>
+          </a:fontRef>
+        </p:style>
+        <p:txBody>
+          <a:bodyPr rtlCol="0" anchor="ctr"/>
+          <a:lstStyle/>
+          <a:p>
+            <a:pPr algn="ctr"/>
+            <a:endParaRPr lang="en-US"/>
+          </a:p>
+        </p:txBody>
+      </p:sp>
+      <p:sp>
+        <p:nvSpPr>
+          <p:cNvPr id="19" name="Freeform: Shape 18">
+            <a:extLst>
+              <a:ext uri="{FF2B5EF4-FFF2-40B4-BE49-F238E27FC236}">
+                <a16:creationId xmlns:a16="http://schemas.microsoft.com/office/drawing/2014/main" id="{69014793-11D4-4A17-9261-1A2E683ADF75}"/>
+              </a:ext>
+              <a:ext uri="{C183D7F6-B498-43B3-948B-1728B52AA6E4}">
+                <adec:decorative xmlns:adec="http://schemas.microsoft.com/office/drawing/2017/decorative" val="1"/>
+              </a:ext>
+            </a:extLst>
+          </p:cNvPr>
+          <p:cNvSpPr>
+            <a:spLocks noGrp="1" noRot="1" noChangeAspect="1" noMove="1" noResize="1" noEditPoints="1" noAdjustHandles="1" noChangeArrowheads="1" noChangeShapeType="1" noTextEdit="1"/>
+          </p:cNvSpPr>
+          <p:nvPr>
+            <p:extLst>
+              <p:ext uri="{386F3935-93C4-4BCD-93E2-E3B085C9AB24}">
+                <p16:designElem xmlns:p16="http://schemas.microsoft.com/office/powerpoint/2015/main" val="1"/>
+              </p:ext>
+            </p:extLst>
+          </p:nvPr>
+        </p:nvSpPr>
+        <p:spPr>
+          <a:xfrm rot="5400000" flipV="1">
+            <a:off x="5104482" y="-5104482"/>
+            <a:ext cx="1983037" cy="12192001"/>
+          </a:xfrm>
+          <a:custGeom>
+            <a:avLst/>
+            <a:gdLst>
+              <a:gd name="connsiteX0" fmla="*/ 0 w 1983037"/>
+              <a:gd name="connsiteY0" fmla="*/ 0 h 12192001"/>
+              <a:gd name="connsiteX1" fmla="*/ 0 w 1983037"/>
+              <a:gd name="connsiteY1" fmla="*/ 12192001 h 12192001"/>
+              <a:gd name="connsiteX2" fmla="*/ 1945626 w 1983037"/>
+              <a:gd name="connsiteY2" fmla="*/ 12192001 h 12192001"/>
+              <a:gd name="connsiteX3" fmla="*/ 1914883 w 1983037"/>
+              <a:gd name="connsiteY3" fmla="*/ 11926947 h 12192001"/>
+              <a:gd name="connsiteX4" fmla="*/ 1887405 w 1983037"/>
+              <a:gd name="connsiteY4" fmla="*/ 10882179 h 12192001"/>
+              <a:gd name="connsiteX5" fmla="*/ 1955094 w 1983037"/>
+              <a:gd name="connsiteY5" fmla="*/ 9717835 h 12192001"/>
+              <a:gd name="connsiteX6" fmla="*/ 1955094 w 1983037"/>
+              <a:gd name="connsiteY6" fmla="*/ 9338013 h 12192001"/>
+              <a:gd name="connsiteX7" fmla="*/ 1947423 w 1983037"/>
+              <a:gd name="connsiteY7" fmla="*/ 8936699 h 12192001"/>
+              <a:gd name="connsiteX8" fmla="*/ 1949002 w 1983037"/>
+              <a:gd name="connsiteY8" fmla="*/ 7709920 h 12192001"/>
+              <a:gd name="connsiteX9" fmla="*/ 1930276 w 1983037"/>
+              <a:gd name="connsiteY9" fmla="*/ 6277504 h 12192001"/>
+              <a:gd name="connsiteX10" fmla="*/ 1954643 w 1983037"/>
+              <a:gd name="connsiteY10" fmla="*/ 5307481 h 12192001"/>
+              <a:gd name="connsiteX11" fmla="*/ 1944941 w 1983037"/>
+              <a:gd name="connsiteY11" fmla="*/ 4949831 h 12192001"/>
+              <a:gd name="connsiteX12" fmla="*/ 1961187 w 1983037"/>
+              <a:gd name="connsiteY12" fmla="*/ 4137481 h 12192001"/>
+              <a:gd name="connsiteX13" fmla="*/ 1964118 w 1983037"/>
+              <a:gd name="connsiteY13" fmla="*/ 3194148 h 12192001"/>
+              <a:gd name="connsiteX14" fmla="*/ 1914708 w 1983037"/>
+              <a:gd name="connsiteY14" fmla="*/ 1979808 h 12192001"/>
+              <a:gd name="connsiteX15" fmla="*/ 1949679 w 1983037"/>
+              <a:gd name="connsiteY15" fmla="*/ 1443897 h 12192001"/>
+              <a:gd name="connsiteX16" fmla="*/ 1942685 w 1983037"/>
+              <a:gd name="connsiteY16" fmla="*/ 749860 h 12192001"/>
+              <a:gd name="connsiteX17" fmla="*/ 1933706 w 1983037"/>
+              <a:gd name="connsiteY17" fmla="*/ 168558 h 12192001"/>
+              <a:gd name="connsiteX18" fmla="*/ 1950785 w 1983037"/>
+              <a:gd name="connsiteY18" fmla="*/ 0 h 12192001"/>
+            </a:gdLst>
+            <a:ahLst/>
+            <a:cxnLst>
+              <a:cxn ang="0">
+                <a:pos x="connsiteX0" y="connsiteY0"/>
+              </a:cxn>
+              <a:cxn ang="0">
+                <a:pos x="connsiteX1" y="connsiteY1"/>
+              </a:cxn>
+              <a:cxn ang="0">
+                <a:pos x="connsiteX2" y="connsiteY2"/>
+              </a:cxn>
+              <a:cxn ang="0">
+                <a:pos x="connsiteX3" y="connsiteY3"/>
+              </a:cxn>
+              <a:cxn ang="0">
+                <a:pos x="connsiteX4" y="connsiteY4"/>
+              </a:cxn>
+              <a:cxn ang="0">
+                <a:pos x="connsiteX5" y="connsiteY5"/>
+              </a:cxn>
+              <a:cxn ang="0">
+                <a:pos x="connsiteX6" y="connsiteY6"/>
+              </a:cxn>
+              <a:cxn ang="0">
+                <a:pos x="connsiteX7" y="connsiteY7"/>
+              </a:cxn>
+              <a:cxn ang="0">
+                <a:pos x="connsiteX8" y="connsiteY8"/>
+              </a:cxn>
+              <a:cxn ang="0">
+                <a:pos x="connsiteX9" y="connsiteY9"/>
+              </a:cxn>
+              <a:cxn ang="0">
+                <a:pos x="connsiteX10" y="connsiteY10"/>
+              </a:cxn>
+              <a:cxn ang="0">
+                <a:pos x="connsiteX11" y="connsiteY11"/>
+              </a:cxn>
+              <a:cxn ang="0">
+                <a:pos x="connsiteX12" y="connsiteY12"/>
+              </a:cxn>
+              <a:cxn ang="0">
+                <a:pos x="connsiteX13" y="connsiteY13"/>
+              </a:cxn>
+              <a:cxn ang="0">
+                <a:pos x="connsiteX14" y="connsiteY14"/>
+              </a:cxn>
+              <a:cxn ang="0">
+                <a:pos x="connsiteX15" y="connsiteY15"/>
+              </a:cxn>
+              <a:cxn ang="0">
+                <a:pos x="connsiteX16" y="connsiteY16"/>
+              </a:cxn>
+              <a:cxn ang="0">
+                <a:pos x="connsiteX17" y="connsiteY17"/>
+              </a:cxn>
+              <a:cxn ang="0">
+                <a:pos x="connsiteX18" y="connsiteY18"/>
+              </a:cxn>
+            </a:cxnLst>
+            <a:rect l="l" t="t" r="r" b="b"/>
+            <a:pathLst>
+              <a:path w="1983037" h="12192001">
+                <a:moveTo>
+                  <a:pt x="0" y="0"/>
+                </a:moveTo>
+                <a:lnTo>
+                  <a:pt x="0" y="12192001"/>
+                </a:lnTo>
+                <a:lnTo>
+                  <a:pt x="1945626" y="12192001"/>
+                </a:lnTo>
+                <a:lnTo>
+                  <a:pt x="1914883" y="11926947"/>
+                </a:lnTo>
+                <a:cubicBezTo>
+                  <a:pt x="1884529" y="11579709"/>
+                  <a:pt x="1881652" y="11231009"/>
+                  <a:pt x="1887405" y="10882179"/>
+                </a:cubicBezTo>
+                <a:cubicBezTo>
+                  <a:pt x="1893725" y="10493309"/>
+                  <a:pt x="1911547" y="10104667"/>
+                  <a:pt x="1955094" y="9717835"/>
+                </a:cubicBezTo>
+                <a:cubicBezTo>
+                  <a:pt x="1966715" y="9591491"/>
+                  <a:pt x="1966715" y="9464357"/>
+                  <a:pt x="1955094" y="9338013"/>
+                </a:cubicBezTo>
+                <a:cubicBezTo>
+                  <a:pt x="1945663" y="9204453"/>
+                  <a:pt x="1943091" y="9070511"/>
+                  <a:pt x="1947423" y="8936699"/>
+                </a:cubicBezTo>
+                <a:cubicBezTo>
+                  <a:pt x="1960283" y="8527701"/>
+                  <a:pt x="1930726" y="8118470"/>
+                  <a:pt x="1949002" y="7709920"/>
+                </a:cubicBezTo>
+                <a:cubicBezTo>
+                  <a:pt x="1970436" y="7231918"/>
+                  <a:pt x="1945393" y="6755049"/>
+                  <a:pt x="1930276" y="6277504"/>
+                </a:cubicBezTo>
+                <a:cubicBezTo>
+                  <a:pt x="1920123" y="5954014"/>
+                  <a:pt x="1913803" y="5630292"/>
+                  <a:pt x="1954643" y="5307481"/>
+                </a:cubicBezTo>
+                <a:cubicBezTo>
+                  <a:pt x="1969761" y="5188718"/>
+                  <a:pt x="1956899" y="5068596"/>
+                  <a:pt x="1944941" y="4949831"/>
+                </a:cubicBezTo>
+                <a:cubicBezTo>
+                  <a:pt x="1917866" y="4678139"/>
+                  <a:pt x="1932758" y="4407584"/>
+                  <a:pt x="1961187" y="4137481"/>
+                </a:cubicBezTo>
+                <a:cubicBezTo>
+                  <a:pt x="1994579" y="3823035"/>
+                  <a:pt x="1984877" y="3508818"/>
+                  <a:pt x="1964118" y="3194148"/>
+                </a:cubicBezTo>
+                <a:cubicBezTo>
+                  <a:pt x="1937270" y="2789895"/>
+                  <a:pt x="1903424" y="2387003"/>
+                  <a:pt x="1914708" y="1979808"/>
+                </a:cubicBezTo>
+                <a:cubicBezTo>
+                  <a:pt x="1919446" y="1800868"/>
+                  <a:pt x="1935466" y="1622384"/>
+                  <a:pt x="1949679" y="1443897"/>
+                </a:cubicBezTo>
+                <a:cubicBezTo>
+                  <a:pt x="1964278" y="1212701"/>
+                  <a:pt x="1961931" y="980722"/>
+                  <a:pt x="1942685" y="749860"/>
+                </a:cubicBezTo>
+                <a:cubicBezTo>
+                  <a:pt x="1929825" y="555933"/>
+                  <a:pt x="1921533" y="362007"/>
+                  <a:pt x="1933706" y="168558"/>
+                </a:cubicBezTo>
+                <a:lnTo>
+                  <a:pt x="1950785" y="0"/>
+                </a:lnTo>
+                <a:close/>
+              </a:path>
+            </a:pathLst>
+          </a:custGeom>
+          <a:solidFill>
+            <a:schemeClr val="accent1"/>
+          </a:solidFill>
+          <a:ln>
+            <a:noFill/>
+          </a:ln>
+        </p:spPr>
+        <p:style>
+          <a:lnRef idx="2">
+            <a:schemeClr val="accent1">
+              <a:shade val="50000"/>
+            </a:schemeClr>
+          </a:lnRef>
+          <a:fillRef idx="1">
+            <a:schemeClr val="accent1"/>
+          </a:fillRef>
+          <a:effectRef idx="0">
+            <a:schemeClr val="accent1"/>
+          </a:effectRef>
+          <a:fontRef idx="minor">
+            <a:schemeClr val="lt1"/>
+          </a:fontRef>
+        </p:style>
+        <p:txBody>
+          <a:bodyPr wrap="square" rtlCol="0" anchor="ctr">
+            <a:noAutofit/>
+          </a:bodyPr>
+          <a:lstStyle/>
+          <a:p>
+            <a:pPr algn="ctr"/>
+            <a:endParaRPr lang="en-US"/>
+          </a:p>
+        </p:txBody>
+      </p:sp>
+      <p:sp>
+        <p:nvSpPr>
+          <p:cNvPr id="2" name="Title 1">
+            <a:extLst>
+              <a:ext uri="{FF2B5EF4-FFF2-40B4-BE49-F238E27FC236}">
+                <a16:creationId xmlns:a16="http://schemas.microsoft.com/office/drawing/2014/main" id="{BE6DD7A6-6C0D-4C7B-A6BF-BD61695916EC}"/>
+              </a:ext>
+            </a:extLst>
+          </p:cNvPr>
+          <p:cNvSpPr>
+            <a:spLocks noGrp="1"/>
+          </p:cNvSpPr>
+          <p:nvPr>
+            <p:ph type="title"/>
+          </p:nvPr>
+        </p:nvSpPr>
+        <p:spPr>
+          <a:xfrm>
+            <a:off x="838200" y="365125"/>
+            <a:ext cx="10515600" cy="1325563"/>
+          </a:xfrm>
+        </p:spPr>
+        <p:txBody>
+          <a:bodyPr>
+            <a:normAutofit/>
+          </a:bodyPr>
+          <a:lstStyle/>
+          <a:p>
+            <a:r>
+              <a:rPr lang="en-US" sz="7200">
+                <a:solidFill>
+                  <a:schemeClr val="bg1"/>
+                </a:solidFill>
+                <a:latin typeface="Adobe Song Std L" panose="02020300000000000000" pitchFamily="18" charset="-128"/>
+                <a:ea typeface="Adobe Song Std L" panose="02020300000000000000" pitchFamily="18" charset="-128"/>
+              </a:rPr>
+              <a:t>Model Validation</a:t>
+            </a:r>
+          </a:p>
+        </p:txBody>
+      </p:sp>
+      <p:pic>
+        <p:nvPicPr>
+          <p:cNvPr id="3" name="Picture 3" descr="A close up of a map&#10;&#10;Description generated with very high confidence">
+            <a:extLst>
+              <a:ext uri="{FF2B5EF4-FFF2-40B4-BE49-F238E27FC236}">
+                <a16:creationId xmlns:a16="http://schemas.microsoft.com/office/drawing/2014/main" id="{7AD2BE78-E7E8-45E0-A49B-4209015C02D9}"/>
+              </a:ext>
+            </a:extLst>
+          </p:cNvPr>
+          <p:cNvPicPr>
+            <a:picLocks noChangeAspect="1"/>
+          </p:cNvPicPr>
+          <p:nvPr/>
+        </p:nvPicPr>
+        <p:blipFill>
+          <a:blip r:embed="rId2"/>
+          <a:stretch>
+            <a:fillRect/>
+          </a:stretch>
+        </p:blipFill>
+        <p:spPr>
+          <a:xfrm>
+            <a:off x="2134098" y="1979538"/>
+            <a:ext cx="7766920" cy="4701827"/>
+          </a:xfrm>
+          <a:prstGeom prst="rect">
+            <a:avLst/>
+          </a:prstGeom>
+        </p:spPr>
+      </p:pic>
+    </p:spTree>
+    <p:extLst>
+      <p:ext uri="{BB962C8B-B14F-4D97-AF65-F5344CB8AC3E}">
+        <p14:creationId xmlns:p14="http://schemas.microsoft.com/office/powerpoint/2010/main" val="4121378765"/>
+      </p:ext>
+    </p:extLst>
+  </p:cSld>
+  <p:clrMapOvr>
+    <a:masterClrMapping/>
+  </p:clrMapOvr>
+</p:sld>
+</file>
+
+<file path=ppt/slides/slide17.xml><?xml version="1.0" encoding="utf-8"?>
+<p:sld xmlns:a="http://schemas.openxmlformats.org/drawingml/2006/main" xmlns:r="http://schemas.openxmlformats.org/officeDocument/2006/relationships" xmlns:p="http://schemas.openxmlformats.org/presentationml/2006/main">
+  <p:cSld>
+    <p:bg>
+      <p:bgPr>
+        <a:solidFill>
+          <a:schemeClr val="bg1"/>
+        </a:solidFill>
+        <a:effectLst/>
+      </p:bgPr>
+    </p:bg>
+    <p:spTree>
+      <p:nvGrpSpPr>
+        <p:cNvPr id="1" name=""/>
+        <p:cNvGrpSpPr/>
+        <p:nvPr/>
+      </p:nvGrpSpPr>
+      <p:grpSpPr>
+        <a:xfrm>
+          <a:off x="0" y="0"/>
+          <a:ext cx="0" cy="0"/>
+          <a:chOff x="0" y="0"/>
+          <a:chExt cx="0" cy="0"/>
+        </a:xfrm>
+      </p:grpSpPr>
+      <p:sp useBgFill="1">
+        <p:nvSpPr>
+          <p:cNvPr id="17" name="Rectangle 16">
+            <a:extLst>
+              <a:ext uri="{FF2B5EF4-FFF2-40B4-BE49-F238E27FC236}">
+                <a16:creationId xmlns:a16="http://schemas.microsoft.com/office/drawing/2014/main" id="{4C10CBC8-7837-4750-8EE9-B4C3D50488F6}"/>
+              </a:ext>
+              <a:ext uri="{C183D7F6-B498-43B3-948B-1728B52AA6E4}">
+                <adec:decorative xmlns:adec="http://schemas.microsoft.com/office/drawing/2017/decorative" val="1"/>
+              </a:ext>
+            </a:extLst>
+          </p:cNvPr>
+          <p:cNvSpPr>
+            <a:spLocks noGrp="1" noRot="1" noChangeAspect="1" noMove="1" noResize="1" noEditPoints="1" noAdjustHandles="1" noChangeArrowheads="1" noChangeShapeType="1" noTextEdit="1"/>
+          </p:cNvSpPr>
+          <p:nvPr>
+            <p:extLst>
+              <p:ext uri="{386F3935-93C4-4BCD-93E2-E3B085C9AB24}">
+                <p16:designElem xmlns:p16="http://schemas.microsoft.com/office/powerpoint/2015/main" val="1"/>
+              </p:ext>
+            </p:extLst>
+          </p:nvPr>
+        </p:nvSpPr>
+        <p:spPr>
+          <a:xfrm>
+            <a:off x="0" y="0"/>
+            <a:ext cx="12188952" cy="6858000"/>
+          </a:xfrm>
+          <a:prstGeom prst="rect">
+            <a:avLst/>
+          </a:prstGeom>
+          <a:ln>
+            <a:noFill/>
+          </a:ln>
+        </p:spPr>
+        <p:style>
+          <a:lnRef idx="2">
+            <a:schemeClr val="accent1">
+              <a:shade val="50000"/>
+            </a:schemeClr>
+          </a:lnRef>
+          <a:fillRef idx="1">
+            <a:schemeClr val="accent1"/>
+          </a:fillRef>
+          <a:effectRef idx="0">
+            <a:schemeClr val="accent1"/>
+          </a:effectRef>
+          <a:fontRef idx="minor">
+            <a:schemeClr val="lt1"/>
+          </a:fontRef>
+        </p:style>
+        <p:txBody>
+          <a:bodyPr rtlCol="0" anchor="ctr"/>
+          <a:lstStyle/>
+          <a:p>
+            <a:pPr algn="ctr"/>
+            <a:endParaRPr lang="en-US"/>
+          </a:p>
+        </p:txBody>
+      </p:sp>
+      <p:sp>
+        <p:nvSpPr>
+          <p:cNvPr id="19" name="Freeform: Shape 18">
+            <a:extLst>
+              <a:ext uri="{FF2B5EF4-FFF2-40B4-BE49-F238E27FC236}">
+                <a16:creationId xmlns:a16="http://schemas.microsoft.com/office/drawing/2014/main" id="{69014793-11D4-4A17-9261-1A2E683ADF75}"/>
+              </a:ext>
+              <a:ext uri="{C183D7F6-B498-43B3-948B-1728B52AA6E4}">
+                <adec:decorative xmlns:adec="http://schemas.microsoft.com/office/drawing/2017/decorative" val="1"/>
+              </a:ext>
+            </a:extLst>
+          </p:cNvPr>
+          <p:cNvSpPr>
+            <a:spLocks noGrp="1" noRot="1" noChangeAspect="1" noMove="1" noResize="1" noEditPoints="1" noAdjustHandles="1" noChangeArrowheads="1" noChangeShapeType="1" noTextEdit="1"/>
+          </p:cNvSpPr>
+          <p:nvPr>
+            <p:extLst>
+              <p:ext uri="{386F3935-93C4-4BCD-93E2-E3B085C9AB24}">
+                <p16:designElem xmlns:p16="http://schemas.microsoft.com/office/powerpoint/2015/main" val="1"/>
+              </p:ext>
+            </p:extLst>
+          </p:nvPr>
+        </p:nvSpPr>
+        <p:spPr>
+          <a:xfrm rot="5400000" flipV="1">
+            <a:off x="5104482" y="-5104482"/>
+            <a:ext cx="1983037" cy="12192001"/>
+          </a:xfrm>
+          <a:custGeom>
+            <a:avLst/>
+            <a:gdLst>
+              <a:gd name="connsiteX0" fmla="*/ 0 w 1983037"/>
+              <a:gd name="connsiteY0" fmla="*/ 0 h 12192001"/>
+              <a:gd name="connsiteX1" fmla="*/ 0 w 1983037"/>
+              <a:gd name="connsiteY1" fmla="*/ 12192001 h 12192001"/>
+              <a:gd name="connsiteX2" fmla="*/ 1945626 w 1983037"/>
+              <a:gd name="connsiteY2" fmla="*/ 12192001 h 12192001"/>
+              <a:gd name="connsiteX3" fmla="*/ 1914883 w 1983037"/>
+              <a:gd name="connsiteY3" fmla="*/ 11926947 h 12192001"/>
+              <a:gd name="connsiteX4" fmla="*/ 1887405 w 1983037"/>
+              <a:gd name="connsiteY4" fmla="*/ 10882179 h 12192001"/>
+              <a:gd name="connsiteX5" fmla="*/ 1955094 w 1983037"/>
+              <a:gd name="connsiteY5" fmla="*/ 9717835 h 12192001"/>
+              <a:gd name="connsiteX6" fmla="*/ 1955094 w 1983037"/>
+              <a:gd name="connsiteY6" fmla="*/ 9338013 h 12192001"/>
+              <a:gd name="connsiteX7" fmla="*/ 1947423 w 1983037"/>
+              <a:gd name="connsiteY7" fmla="*/ 8936699 h 12192001"/>
+              <a:gd name="connsiteX8" fmla="*/ 1949002 w 1983037"/>
+              <a:gd name="connsiteY8" fmla="*/ 7709920 h 12192001"/>
+              <a:gd name="connsiteX9" fmla="*/ 1930276 w 1983037"/>
+              <a:gd name="connsiteY9" fmla="*/ 6277504 h 12192001"/>
+              <a:gd name="connsiteX10" fmla="*/ 1954643 w 1983037"/>
+              <a:gd name="connsiteY10" fmla="*/ 5307481 h 12192001"/>
+              <a:gd name="connsiteX11" fmla="*/ 1944941 w 1983037"/>
+              <a:gd name="connsiteY11" fmla="*/ 4949831 h 12192001"/>
+              <a:gd name="connsiteX12" fmla="*/ 1961187 w 1983037"/>
+              <a:gd name="connsiteY12" fmla="*/ 4137481 h 12192001"/>
+              <a:gd name="connsiteX13" fmla="*/ 1964118 w 1983037"/>
+              <a:gd name="connsiteY13" fmla="*/ 3194148 h 12192001"/>
+              <a:gd name="connsiteX14" fmla="*/ 1914708 w 1983037"/>
+              <a:gd name="connsiteY14" fmla="*/ 1979808 h 12192001"/>
+              <a:gd name="connsiteX15" fmla="*/ 1949679 w 1983037"/>
+              <a:gd name="connsiteY15" fmla="*/ 1443897 h 12192001"/>
+              <a:gd name="connsiteX16" fmla="*/ 1942685 w 1983037"/>
+              <a:gd name="connsiteY16" fmla="*/ 749860 h 12192001"/>
+              <a:gd name="connsiteX17" fmla="*/ 1933706 w 1983037"/>
+              <a:gd name="connsiteY17" fmla="*/ 168558 h 12192001"/>
+              <a:gd name="connsiteX18" fmla="*/ 1950785 w 1983037"/>
+              <a:gd name="connsiteY18" fmla="*/ 0 h 12192001"/>
+            </a:gdLst>
+            <a:ahLst/>
+            <a:cxnLst>
+              <a:cxn ang="0">
+                <a:pos x="connsiteX0" y="connsiteY0"/>
+              </a:cxn>
+              <a:cxn ang="0">
+                <a:pos x="connsiteX1" y="connsiteY1"/>
+              </a:cxn>
+              <a:cxn ang="0">
+                <a:pos x="connsiteX2" y="connsiteY2"/>
+              </a:cxn>
+              <a:cxn ang="0">
+                <a:pos x="connsiteX3" y="connsiteY3"/>
+              </a:cxn>
+              <a:cxn ang="0">
+                <a:pos x="connsiteX4" y="connsiteY4"/>
+              </a:cxn>
+              <a:cxn ang="0">
+                <a:pos x="connsiteX5" y="connsiteY5"/>
+              </a:cxn>
+              <a:cxn ang="0">
+                <a:pos x="connsiteX6" y="connsiteY6"/>
+              </a:cxn>
+              <a:cxn ang="0">
+                <a:pos x="connsiteX7" y="connsiteY7"/>
+              </a:cxn>
+              <a:cxn ang="0">
+                <a:pos x="connsiteX8" y="connsiteY8"/>
+              </a:cxn>
+              <a:cxn ang="0">
+                <a:pos x="connsiteX9" y="connsiteY9"/>
+              </a:cxn>
+              <a:cxn ang="0">
+                <a:pos x="connsiteX10" y="connsiteY10"/>
+              </a:cxn>
+              <a:cxn ang="0">
+                <a:pos x="connsiteX11" y="connsiteY11"/>
+              </a:cxn>
+              <a:cxn ang="0">
+                <a:pos x="connsiteX12" y="connsiteY12"/>
+              </a:cxn>
+              <a:cxn ang="0">
+                <a:pos x="connsiteX13" y="connsiteY13"/>
+              </a:cxn>
+              <a:cxn ang="0">
+                <a:pos x="connsiteX14" y="connsiteY14"/>
+              </a:cxn>
+              <a:cxn ang="0">
+                <a:pos x="connsiteX15" y="connsiteY15"/>
+              </a:cxn>
+              <a:cxn ang="0">
+                <a:pos x="connsiteX16" y="connsiteY16"/>
+              </a:cxn>
+              <a:cxn ang="0">
+                <a:pos x="connsiteX17" y="connsiteY17"/>
+              </a:cxn>
+              <a:cxn ang="0">
+                <a:pos x="connsiteX18" y="connsiteY18"/>
+              </a:cxn>
+            </a:cxnLst>
+            <a:rect l="l" t="t" r="r" b="b"/>
+            <a:pathLst>
+              <a:path w="1983037" h="12192001">
+                <a:moveTo>
+                  <a:pt x="0" y="0"/>
+                </a:moveTo>
+                <a:lnTo>
+                  <a:pt x="0" y="12192001"/>
+                </a:lnTo>
+                <a:lnTo>
+                  <a:pt x="1945626" y="12192001"/>
+                </a:lnTo>
+                <a:lnTo>
+                  <a:pt x="1914883" y="11926947"/>
+                </a:lnTo>
+                <a:cubicBezTo>
+                  <a:pt x="1884529" y="11579709"/>
+                  <a:pt x="1881652" y="11231009"/>
+                  <a:pt x="1887405" y="10882179"/>
+                </a:cubicBezTo>
+                <a:cubicBezTo>
+                  <a:pt x="1893725" y="10493309"/>
+                  <a:pt x="1911547" y="10104667"/>
+                  <a:pt x="1955094" y="9717835"/>
+                </a:cubicBezTo>
+                <a:cubicBezTo>
+                  <a:pt x="1966715" y="9591491"/>
+                  <a:pt x="1966715" y="9464357"/>
+                  <a:pt x="1955094" y="9338013"/>
+                </a:cubicBezTo>
+                <a:cubicBezTo>
+                  <a:pt x="1945663" y="9204453"/>
+                  <a:pt x="1943091" y="9070511"/>
+                  <a:pt x="1947423" y="8936699"/>
+                </a:cubicBezTo>
+                <a:cubicBezTo>
+                  <a:pt x="1960283" y="8527701"/>
+                  <a:pt x="1930726" y="8118470"/>
+                  <a:pt x="1949002" y="7709920"/>
+                </a:cubicBezTo>
+                <a:cubicBezTo>
+                  <a:pt x="1970436" y="7231918"/>
+                  <a:pt x="1945393" y="6755049"/>
+                  <a:pt x="1930276" y="6277504"/>
+                </a:cubicBezTo>
+                <a:cubicBezTo>
+                  <a:pt x="1920123" y="5954014"/>
+                  <a:pt x="1913803" y="5630292"/>
+                  <a:pt x="1954643" y="5307481"/>
+                </a:cubicBezTo>
+                <a:cubicBezTo>
+                  <a:pt x="1969761" y="5188718"/>
+                  <a:pt x="1956899" y="5068596"/>
+                  <a:pt x="1944941" y="4949831"/>
+                </a:cubicBezTo>
+                <a:cubicBezTo>
+                  <a:pt x="1917866" y="4678139"/>
+                  <a:pt x="1932758" y="4407584"/>
+                  <a:pt x="1961187" y="4137481"/>
+                </a:cubicBezTo>
+                <a:cubicBezTo>
+                  <a:pt x="1994579" y="3823035"/>
+                  <a:pt x="1984877" y="3508818"/>
+                  <a:pt x="1964118" y="3194148"/>
+                </a:cubicBezTo>
+                <a:cubicBezTo>
+                  <a:pt x="1937270" y="2789895"/>
+                  <a:pt x="1903424" y="2387003"/>
+                  <a:pt x="1914708" y="1979808"/>
+                </a:cubicBezTo>
+                <a:cubicBezTo>
+                  <a:pt x="1919446" y="1800868"/>
+                  <a:pt x="1935466" y="1622384"/>
+                  <a:pt x="1949679" y="1443897"/>
+                </a:cubicBezTo>
+                <a:cubicBezTo>
+                  <a:pt x="1964278" y="1212701"/>
+                  <a:pt x="1961931" y="980722"/>
+                  <a:pt x="1942685" y="749860"/>
+                </a:cubicBezTo>
+                <a:cubicBezTo>
+                  <a:pt x="1929825" y="555933"/>
+                  <a:pt x="1921533" y="362007"/>
+                  <a:pt x="1933706" y="168558"/>
+                </a:cubicBezTo>
+                <a:lnTo>
+                  <a:pt x="1950785" y="0"/>
+                </a:lnTo>
+                <a:close/>
+              </a:path>
+            </a:pathLst>
+          </a:custGeom>
+          <a:solidFill>
+            <a:schemeClr val="accent1"/>
+          </a:solidFill>
+          <a:ln>
+            <a:noFill/>
+          </a:ln>
+        </p:spPr>
+        <p:style>
+          <a:lnRef idx="2">
+            <a:schemeClr val="accent1">
+              <a:shade val="50000"/>
+            </a:schemeClr>
+          </a:lnRef>
+          <a:fillRef idx="1">
+            <a:schemeClr val="accent1"/>
+          </a:fillRef>
+          <a:effectRef idx="0">
+            <a:schemeClr val="accent1"/>
+          </a:effectRef>
+          <a:fontRef idx="minor">
+            <a:schemeClr val="lt1"/>
+          </a:fontRef>
+        </p:style>
+        <p:txBody>
+          <a:bodyPr wrap="square" rtlCol="0" anchor="ctr">
+            <a:noAutofit/>
+          </a:bodyPr>
+          <a:lstStyle/>
+          <a:p>
+            <a:pPr algn="ctr"/>
+            <a:endParaRPr lang="en-US"/>
+          </a:p>
+        </p:txBody>
+      </p:sp>
+      <p:sp>
+        <p:nvSpPr>
+          <p:cNvPr id="2" name="Title 1">
+            <a:extLst>
+              <a:ext uri="{FF2B5EF4-FFF2-40B4-BE49-F238E27FC236}">
+                <a16:creationId xmlns:a16="http://schemas.microsoft.com/office/drawing/2014/main" id="{BE6DD7A6-6C0D-4C7B-A6BF-BD61695916EC}"/>
+              </a:ext>
+            </a:extLst>
+          </p:cNvPr>
+          <p:cNvSpPr>
+            <a:spLocks noGrp="1"/>
+          </p:cNvSpPr>
+          <p:nvPr>
+            <p:ph type="title"/>
+          </p:nvPr>
+        </p:nvSpPr>
+        <p:spPr>
+          <a:xfrm>
+            <a:off x="838200" y="365125"/>
+            <a:ext cx="10515600" cy="1325563"/>
+          </a:xfrm>
+        </p:spPr>
+        <p:txBody>
+          <a:bodyPr>
+            <a:normAutofit/>
+          </a:bodyPr>
+          <a:lstStyle/>
+          <a:p>
+            <a:r>
+              <a:rPr lang="en-US" sz="7200">
+                <a:solidFill>
+                  <a:schemeClr val="bg1"/>
+                </a:solidFill>
+                <a:latin typeface="Adobe Song Std L" panose="02020300000000000000" pitchFamily="18" charset="-128"/>
+                <a:ea typeface="Adobe Song Std L" panose="02020300000000000000" pitchFamily="18" charset="-128"/>
+              </a:rPr>
+              <a:t>Model Accuracy</a:t>
+            </a:r>
+          </a:p>
+        </p:txBody>
+      </p:sp>
+      <p:sp>
+        <p:nvSpPr>
+          <p:cNvPr id="3" name="Rectangle 2">
+            <a:extLst>
+              <a:ext uri="{FF2B5EF4-FFF2-40B4-BE49-F238E27FC236}">
+                <a16:creationId xmlns:a16="http://schemas.microsoft.com/office/drawing/2014/main" id="{69FC4C69-7DF0-44D2-831B-959ABC5432E3}"/>
+              </a:ext>
+            </a:extLst>
+          </p:cNvPr>
+          <p:cNvSpPr/>
+          <p:nvPr/>
+        </p:nvSpPr>
+        <p:spPr>
+          <a:xfrm>
+            <a:off x="503584" y="3198167"/>
+            <a:ext cx="9528312" cy="1200329"/>
+          </a:xfrm>
+          <a:prstGeom prst="rect">
+            <a:avLst/>
+          </a:prstGeom>
+        </p:spPr>
+        <p:txBody>
+          <a:bodyPr wrap="square" anchor="t">
+            <a:spAutoFit/>
+          </a:bodyPr>
+          <a:lstStyle/>
+          <a:p>
+            <a:endParaRPr lang="en-US" sz="2400">
+              <a:solidFill>
+                <a:srgbClr val="333333"/>
+              </a:solidFill>
+              <a:latin typeface="Helvetica Neue"/>
+            </a:endParaRPr>
+          </a:p>
+          <a:p>
+            <a:r>
+              <a:rPr lang="en-US" sz="2400">
+                <a:solidFill>
+                  <a:srgbClr val="333333"/>
+                </a:solidFill>
+                <a:latin typeface="Helvetica Neue"/>
+              </a:rPr>
+              <a:t>The Model has an accuracy of around 88% on both training and testing data.</a:t>
+            </a:r>
+            <a:endParaRPr lang="en-US"/>
+          </a:p>
+        </p:txBody>
+      </p:sp>
+    </p:spTree>
+    <p:extLst>
+      <p:ext uri="{BB962C8B-B14F-4D97-AF65-F5344CB8AC3E}">
+        <p14:creationId xmlns:p14="http://schemas.microsoft.com/office/powerpoint/2010/main" val="3836692667"/>
+      </p:ext>
+    </p:extLst>
+  </p:cSld>
+  <p:clrMapOvr>
+    <a:masterClrMapping/>
+  </p:clrMapOvr>
+</p:sld>
+</file>
+
+<file path=ppt/slides/slide18.xml><?xml version="1.0" encoding="utf-8"?>
+<p:sld xmlns:a="http://schemas.openxmlformats.org/drawingml/2006/main" xmlns:r="http://schemas.openxmlformats.org/officeDocument/2006/relationships" xmlns:p="http://schemas.openxmlformats.org/presentationml/2006/main">
+  <p:cSld>
+    <p:bg>
+      <p:bgPr>
+        <a:solidFill>
+          <a:schemeClr val="bg1"/>
+        </a:solidFill>
+        <a:effectLst/>
+      </p:bgPr>
+    </p:bg>
+    <p:spTree>
+      <p:nvGrpSpPr>
+        <p:cNvPr id="1" name=""/>
+        <p:cNvGrpSpPr/>
+        <p:nvPr/>
+      </p:nvGrpSpPr>
+      <p:grpSpPr>
+        <a:xfrm>
+          <a:off x="0" y="0"/>
+          <a:ext cx="0" cy="0"/>
+          <a:chOff x="0" y="0"/>
+          <a:chExt cx="0" cy="0"/>
+        </a:xfrm>
+      </p:grpSpPr>
+      <p:sp>
+        <p:nvSpPr>
+          <p:cNvPr id="8" name="Rectangle 6">
+            <a:extLst>
+              <a:ext uri="{FF2B5EF4-FFF2-40B4-BE49-F238E27FC236}">
+                <a16:creationId xmlns:a16="http://schemas.microsoft.com/office/drawing/2014/main" id="{DA381740-063A-41A4-836D-85D14980EEF0}"/>
+              </a:ext>
+              <a:ext uri="{C183D7F6-B498-43B3-948B-1728B52AA6E4}">
+                <adec:decorative xmlns:adec="http://schemas.microsoft.com/office/drawing/2017/decorative" val="1"/>
+              </a:ext>
+            </a:extLst>
+          </p:cNvPr>
+          <p:cNvSpPr>
+            <a:spLocks noGrp="1" noRot="1" noChangeAspect="1" noMove="1" noResize="1" noEditPoints="1" noAdjustHandles="1" noChangeArrowheads="1" noChangeShapeType="1" noTextEdit="1"/>
+          </p:cNvSpPr>
+          <p:nvPr>
+            <p:extLst>
+              <p:ext uri="{386F3935-93C4-4BCD-93E2-E3B085C9AB24}">
+                <p16:designElem xmlns:p16="http://schemas.microsoft.com/office/powerpoint/2015/main" val="1"/>
+              </p:ext>
+            </p:extLst>
+          </p:nvPr>
+        </p:nvSpPr>
+        <p:spPr>
+          <a:xfrm>
+            <a:off x="838200" y="4736883"/>
+            <a:ext cx="4243589" cy="27432"/>
+          </a:xfrm>
+          <a:custGeom>
+            <a:avLst/>
+            <a:gdLst>
+              <a:gd name="connsiteX0" fmla="*/ 0 w 4243589"/>
+              <a:gd name="connsiteY0" fmla="*/ 0 h 27432"/>
+              <a:gd name="connsiteX1" fmla="*/ 563791 w 4243589"/>
+              <a:gd name="connsiteY1" fmla="*/ 0 h 27432"/>
+              <a:gd name="connsiteX2" fmla="*/ 1042710 w 4243589"/>
+              <a:gd name="connsiteY2" fmla="*/ 0 h 27432"/>
+              <a:gd name="connsiteX3" fmla="*/ 1564066 w 4243589"/>
+              <a:gd name="connsiteY3" fmla="*/ 0 h 27432"/>
+              <a:gd name="connsiteX4" fmla="*/ 2212729 w 4243589"/>
+              <a:gd name="connsiteY4" fmla="*/ 0 h 27432"/>
+              <a:gd name="connsiteX5" fmla="*/ 2776520 w 4243589"/>
+              <a:gd name="connsiteY5" fmla="*/ 0 h 27432"/>
+              <a:gd name="connsiteX6" fmla="*/ 3297875 w 4243589"/>
+              <a:gd name="connsiteY6" fmla="*/ 0 h 27432"/>
+              <a:gd name="connsiteX7" fmla="*/ 4243589 w 4243589"/>
+              <a:gd name="connsiteY7" fmla="*/ 0 h 27432"/>
+              <a:gd name="connsiteX8" fmla="*/ 4243589 w 4243589"/>
+              <a:gd name="connsiteY8" fmla="*/ 27432 h 27432"/>
+              <a:gd name="connsiteX9" fmla="*/ 3637362 w 4243589"/>
+              <a:gd name="connsiteY9" fmla="*/ 27432 h 27432"/>
+              <a:gd name="connsiteX10" fmla="*/ 3116007 w 4243589"/>
+              <a:gd name="connsiteY10" fmla="*/ 27432 h 27432"/>
+              <a:gd name="connsiteX11" fmla="*/ 2424908 w 4243589"/>
+              <a:gd name="connsiteY11" fmla="*/ 27432 h 27432"/>
+              <a:gd name="connsiteX12" fmla="*/ 1861117 w 4243589"/>
+              <a:gd name="connsiteY12" fmla="*/ 27432 h 27432"/>
+              <a:gd name="connsiteX13" fmla="*/ 1382198 w 4243589"/>
+              <a:gd name="connsiteY13" fmla="*/ 27432 h 27432"/>
+              <a:gd name="connsiteX14" fmla="*/ 733535 w 4243589"/>
+              <a:gd name="connsiteY14" fmla="*/ 27432 h 27432"/>
+              <a:gd name="connsiteX15" fmla="*/ 0 w 4243589"/>
+              <a:gd name="connsiteY15" fmla="*/ 27432 h 27432"/>
+              <a:gd name="connsiteX16" fmla="*/ 0 w 4243589"/>
+              <a:gd name="connsiteY16" fmla="*/ 0 h 27432"/>
+            </a:gdLst>
+            <a:ahLst/>
+            <a:cxnLst>
+              <a:cxn ang="0">
+                <a:pos x="connsiteX0" y="connsiteY0"/>
+              </a:cxn>
+              <a:cxn ang="0">
+                <a:pos x="connsiteX1" y="connsiteY1"/>
+              </a:cxn>
+              <a:cxn ang="0">
+                <a:pos x="connsiteX2" y="connsiteY2"/>
+              </a:cxn>
+              <a:cxn ang="0">
+                <a:pos x="connsiteX3" y="connsiteY3"/>
+              </a:cxn>
+              <a:cxn ang="0">
+                <a:pos x="connsiteX4" y="connsiteY4"/>
+              </a:cxn>
+              <a:cxn ang="0">
+                <a:pos x="connsiteX5" y="connsiteY5"/>
+              </a:cxn>
+              <a:cxn ang="0">
+                <a:pos x="connsiteX6" y="connsiteY6"/>
+              </a:cxn>
+              <a:cxn ang="0">
+                <a:pos x="connsiteX7" y="connsiteY7"/>
+              </a:cxn>
+              <a:cxn ang="0">
+                <a:pos x="connsiteX8" y="connsiteY8"/>
+              </a:cxn>
+              <a:cxn ang="0">
+                <a:pos x="connsiteX9" y="connsiteY9"/>
+              </a:cxn>
+              <a:cxn ang="0">
+                <a:pos x="connsiteX10" y="connsiteY10"/>
+              </a:cxn>
+              <a:cxn ang="0">
+                <a:pos x="connsiteX11" y="connsiteY11"/>
+              </a:cxn>
+              <a:cxn ang="0">
+                <a:pos x="connsiteX12" y="connsiteY12"/>
+              </a:cxn>
+              <a:cxn ang="0">
+                <a:pos x="connsiteX13" y="connsiteY13"/>
+              </a:cxn>
+              <a:cxn ang="0">
+                <a:pos x="connsiteX14" y="connsiteY14"/>
+              </a:cxn>
+              <a:cxn ang="0">
+                <a:pos x="connsiteX15" y="connsiteY15"/>
+              </a:cxn>
+              <a:cxn ang="0">
+                <a:pos x="connsiteX16" y="connsiteY16"/>
+              </a:cxn>
+            </a:cxnLst>
+            <a:rect l="l" t="t" r="r" b="b"/>
+            <a:pathLst>
+              <a:path w="4243589" h="27432" fill="none" extrusionOk="0">
+                <a:moveTo>
+                  <a:pt x="0" y="0"/>
+                </a:moveTo>
+                <a:cubicBezTo>
+                  <a:pt x="157351" y="-15653"/>
+                  <a:pt x="378877" y="-5828"/>
+                  <a:pt x="563791" y="0"/>
+                </a:cubicBezTo>
+                <a:cubicBezTo>
+                  <a:pt x="748705" y="5828"/>
+                  <a:pt x="905659" y="-5525"/>
+                  <a:pt x="1042710" y="0"/>
+                </a:cubicBezTo>
+                <a:cubicBezTo>
+                  <a:pt x="1179761" y="5525"/>
+                  <a:pt x="1356845" y="-21288"/>
+                  <a:pt x="1564066" y="0"/>
+                </a:cubicBezTo>
+                <a:cubicBezTo>
+                  <a:pt x="1771287" y="21288"/>
+                  <a:pt x="1912099" y="25135"/>
+                  <a:pt x="2212729" y="0"/>
+                </a:cubicBezTo>
+                <a:cubicBezTo>
+                  <a:pt x="2513359" y="-25135"/>
+                  <a:pt x="2514918" y="-27119"/>
+                  <a:pt x="2776520" y="0"/>
+                </a:cubicBezTo>
+                <a:cubicBezTo>
+                  <a:pt x="3038122" y="27119"/>
+                  <a:pt x="3178771" y="18116"/>
+                  <a:pt x="3297875" y="0"/>
+                </a:cubicBezTo>
+                <a:cubicBezTo>
+                  <a:pt x="3416980" y="-18116"/>
+                  <a:pt x="4012240" y="-40869"/>
+                  <a:pt x="4243589" y="0"/>
+                </a:cubicBezTo>
+                <a:cubicBezTo>
+                  <a:pt x="4242616" y="8304"/>
+                  <a:pt x="4243111" y="21512"/>
+                  <a:pt x="4243589" y="27432"/>
+                </a:cubicBezTo>
+                <a:cubicBezTo>
+                  <a:pt x="4112949" y="6289"/>
+                  <a:pt x="3928037" y="10975"/>
+                  <a:pt x="3637362" y="27432"/>
+                </a:cubicBezTo>
+                <a:cubicBezTo>
+                  <a:pt x="3346687" y="43889"/>
+                  <a:pt x="3254446" y="35813"/>
+                  <a:pt x="3116007" y="27432"/>
+                </a:cubicBezTo>
+                <a:cubicBezTo>
+                  <a:pt x="2977569" y="19051"/>
+                  <a:pt x="2620228" y="38017"/>
+                  <a:pt x="2424908" y="27432"/>
+                </a:cubicBezTo>
+                <a:cubicBezTo>
+                  <a:pt x="2229588" y="16847"/>
+                  <a:pt x="2088287" y="5290"/>
+                  <a:pt x="1861117" y="27432"/>
+                </a:cubicBezTo>
+                <a:cubicBezTo>
+                  <a:pt x="1633947" y="49574"/>
+                  <a:pt x="1502447" y="8273"/>
+                  <a:pt x="1382198" y="27432"/>
+                </a:cubicBezTo>
+                <a:cubicBezTo>
+                  <a:pt x="1261949" y="46591"/>
+                  <a:pt x="1045440" y="37497"/>
+                  <a:pt x="733535" y="27432"/>
+                </a:cubicBezTo>
+                <a:cubicBezTo>
+                  <a:pt x="421630" y="17367"/>
+                  <a:pt x="341257" y="-9215"/>
+                  <a:pt x="0" y="27432"/>
+                </a:cubicBezTo>
+                <a:cubicBezTo>
+                  <a:pt x="-1048" y="14992"/>
+                  <a:pt x="-1120" y="7447"/>
+                  <a:pt x="0" y="0"/>
+                </a:cubicBezTo>
+                <a:close/>
+              </a:path>
+              <a:path w="4243589" h="27432" stroke="0" extrusionOk="0">
+                <a:moveTo>
+                  <a:pt x="0" y="0"/>
+                </a:moveTo>
+                <a:cubicBezTo>
+                  <a:pt x="128164" y="17204"/>
+                  <a:pt x="312653" y="1129"/>
+                  <a:pt x="563791" y="0"/>
+                </a:cubicBezTo>
+                <a:cubicBezTo>
+                  <a:pt x="814929" y="-1129"/>
+                  <a:pt x="837271" y="8503"/>
+                  <a:pt x="1042710" y="0"/>
+                </a:cubicBezTo>
+                <a:cubicBezTo>
+                  <a:pt x="1248149" y="-8503"/>
+                  <a:pt x="1588432" y="-28862"/>
+                  <a:pt x="1733809" y="0"/>
+                </a:cubicBezTo>
+                <a:cubicBezTo>
+                  <a:pt x="1879186" y="28862"/>
+                  <a:pt x="2052815" y="5974"/>
+                  <a:pt x="2297600" y="0"/>
+                </a:cubicBezTo>
+                <a:cubicBezTo>
+                  <a:pt x="2542385" y="-5974"/>
+                  <a:pt x="2699960" y="-23550"/>
+                  <a:pt x="2861391" y="0"/>
+                </a:cubicBezTo>
+                <a:cubicBezTo>
+                  <a:pt x="3022822" y="23550"/>
+                  <a:pt x="3390411" y="25272"/>
+                  <a:pt x="3552490" y="0"/>
+                </a:cubicBezTo>
+                <a:cubicBezTo>
+                  <a:pt x="3714569" y="-25272"/>
+                  <a:pt x="3950585" y="-31327"/>
+                  <a:pt x="4243589" y="0"/>
+                </a:cubicBezTo>
+                <a:cubicBezTo>
+                  <a:pt x="4244074" y="9333"/>
+                  <a:pt x="4244867" y="19699"/>
+                  <a:pt x="4243589" y="27432"/>
+                </a:cubicBezTo>
+                <a:cubicBezTo>
+                  <a:pt x="4130424" y="7904"/>
+                  <a:pt x="3932803" y="51393"/>
+                  <a:pt x="3722234" y="27432"/>
+                </a:cubicBezTo>
+                <a:cubicBezTo>
+                  <a:pt x="3511665" y="3471"/>
+                  <a:pt x="3269903" y="55138"/>
+                  <a:pt x="3116007" y="27432"/>
+                </a:cubicBezTo>
+                <a:cubicBezTo>
+                  <a:pt x="2962111" y="-274"/>
+                  <a:pt x="2744280" y="32368"/>
+                  <a:pt x="2509780" y="27432"/>
+                </a:cubicBezTo>
+                <a:cubicBezTo>
+                  <a:pt x="2275280" y="22496"/>
+                  <a:pt x="2066059" y="52808"/>
+                  <a:pt x="1945989" y="27432"/>
+                </a:cubicBezTo>
+                <a:cubicBezTo>
+                  <a:pt x="1825919" y="2056"/>
+                  <a:pt x="1407329" y="21760"/>
+                  <a:pt x="1254890" y="27432"/>
+                </a:cubicBezTo>
+                <a:cubicBezTo>
+                  <a:pt x="1102451" y="33104"/>
+                  <a:pt x="837950" y="40817"/>
+                  <a:pt x="563791" y="27432"/>
+                </a:cubicBezTo>
+                <a:cubicBezTo>
+                  <a:pt x="289632" y="14047"/>
+                  <a:pt x="132768" y="16249"/>
+                  <a:pt x="0" y="27432"/>
+                </a:cubicBezTo>
+                <a:cubicBezTo>
+                  <a:pt x="211" y="18145"/>
+                  <a:pt x="120" y="6480"/>
+                  <a:pt x="0" y="0"/>
+                </a:cubicBezTo>
+                <a:close/>
+              </a:path>
+            </a:pathLst>
+          </a:custGeom>
+          <a:solidFill>
+            <a:schemeClr val="tx1"/>
+          </a:solidFill>
+          <a:ln w="38100" cap="rnd">
+            <a:solidFill>
+              <a:schemeClr val="tx1"/>
+            </a:solidFill>
+            <a:round/>
+            <a:extLst>
+              <a:ext uri="{C807C97D-BFC1-408E-A445-0C87EB9F89A2}">
+                <ask:lineSketchStyleProps xmlns:ask="http://schemas.microsoft.com/office/drawing/2018/sketchyshapes" sd="1219033472">
+                  <a:prstGeom prst="rect">
+                    <a:avLst/>
+                  </a:prstGeom>
+                  <ask:type>
+                    <ask:lineSketchFreehand/>
+                  </ask:type>
+                </ask:lineSketchStyleProps>
+              </a:ext>
+            </a:extLst>
+          </a:ln>
+        </p:spPr>
+        <p:style>
+          <a:lnRef idx="2">
+            <a:schemeClr val="accent1">
+              <a:shade val="50000"/>
+            </a:schemeClr>
+          </a:lnRef>
+          <a:fillRef idx="1">
+            <a:schemeClr val="accent1"/>
+          </a:fillRef>
+          <a:effectRef idx="0">
+            <a:schemeClr val="accent1"/>
+          </a:effectRef>
+          <a:fontRef idx="minor">
+            <a:schemeClr val="lt1"/>
+          </a:fontRef>
+        </p:style>
+        <p:txBody>
+          <a:bodyPr rtlCol="0" anchor="ctr"/>
+          <a:lstStyle/>
+          <a:p>
+            <a:pPr algn="ctr"/>
+            <a:endParaRPr lang="en-US">
+              <a:solidFill>
+                <a:schemeClr val="tx1"/>
+              </a:solidFill>
+            </a:endParaRPr>
+          </a:p>
+        </p:txBody>
+      </p:sp>
+      <p:sp useBgFill="1">
+        <p:nvSpPr>
+          <p:cNvPr id="10" name="Rectangle 9">
+            <a:extLst>
+              <a:ext uri="{FF2B5EF4-FFF2-40B4-BE49-F238E27FC236}">
+                <a16:creationId xmlns:a16="http://schemas.microsoft.com/office/drawing/2014/main" id="{ED8E54F9-849C-4865-8C5E-FD967B81D756}"/>
+              </a:ext>
+              <a:ext uri="{C183D7F6-B498-43B3-948B-1728B52AA6E4}">
+                <adec:decorative xmlns:adec="http://schemas.microsoft.com/office/drawing/2017/decorative" val="1"/>
+              </a:ext>
+            </a:extLst>
+          </p:cNvPr>
+          <p:cNvSpPr>
+            <a:spLocks noGrp="1" noRot="1" noChangeAspect="1" noMove="1" noResize="1" noEditPoints="1" noAdjustHandles="1" noChangeArrowheads="1" noChangeShapeType="1" noTextEdit="1"/>
+          </p:cNvSpPr>
+          <p:nvPr>
+            <p:extLst>
+              <p:ext uri="{386F3935-93C4-4BCD-93E2-E3B085C9AB24}">
+                <p16:designElem xmlns:p16="http://schemas.microsoft.com/office/powerpoint/2015/main" val="1"/>
+              </p:ext>
+            </p:extLst>
+          </p:nvPr>
+        </p:nvSpPr>
+        <p:spPr>
+          <a:xfrm>
+            <a:off x="0" y="0"/>
+            <a:ext cx="12188952" cy="6858000"/>
+          </a:xfrm>
+          <a:prstGeom prst="rect">
+            <a:avLst/>
+          </a:prstGeom>
+          <a:ln>
+            <a:noFill/>
+          </a:ln>
+        </p:spPr>
+        <p:style>
+          <a:lnRef idx="2">
+            <a:schemeClr val="accent1">
+              <a:shade val="50000"/>
+            </a:schemeClr>
+          </a:lnRef>
+          <a:fillRef idx="1">
+            <a:schemeClr val="accent1"/>
+          </a:fillRef>
+          <a:effectRef idx="0">
+            <a:schemeClr val="accent1"/>
+          </a:effectRef>
+          <a:fontRef idx="minor">
+            <a:schemeClr val="lt1"/>
+          </a:fontRef>
+        </p:style>
+        <p:txBody>
+          <a:bodyPr rtlCol="0" anchor="ctr"/>
+          <a:lstStyle/>
+          <a:p>
+            <a:pPr algn="ctr"/>
+            <a:endParaRPr lang="en-US"/>
+          </a:p>
+        </p:txBody>
+      </p:sp>
+      <p:sp>
+        <p:nvSpPr>
+          <p:cNvPr id="12" name="Freeform: Shape 11">
+            <a:extLst>
+              <a:ext uri="{FF2B5EF4-FFF2-40B4-BE49-F238E27FC236}">
+                <a16:creationId xmlns:a16="http://schemas.microsoft.com/office/drawing/2014/main" id="{391AE6B3-1D2D-4C67-A4DB-888635B527AC}"/>
+              </a:ext>
+              <a:ext uri="{C183D7F6-B498-43B3-948B-1728B52AA6E4}">
+                <adec:decorative xmlns:adec="http://schemas.microsoft.com/office/drawing/2017/decorative" val="1"/>
+              </a:ext>
+            </a:extLst>
+          </p:cNvPr>
+          <p:cNvSpPr>
+            <a:spLocks noGrp="1" noRot="1" noChangeAspect="1" noMove="1" noResize="1" noEditPoints="1" noAdjustHandles="1" noChangeArrowheads="1" noChangeShapeType="1" noTextEdit="1"/>
+          </p:cNvSpPr>
+          <p:nvPr>
+            <p:extLst>
+              <p:ext uri="{386F3935-93C4-4BCD-93E2-E3B085C9AB24}">
+                <p16:designElem xmlns:p16="http://schemas.microsoft.com/office/powerpoint/2015/main" val="1"/>
+              </p:ext>
+            </p:extLst>
+          </p:nvPr>
+        </p:nvSpPr>
+        <p:spPr>
+          <a:xfrm>
+            <a:off x="0" y="1"/>
+            <a:ext cx="12192000" cy="6054983"/>
+          </a:xfrm>
+          <a:custGeom>
+            <a:avLst/>
+            <a:gdLst>
+              <a:gd name="connsiteX0" fmla="*/ 6788003 w 12188952"/>
+              <a:gd name="connsiteY0" fmla="*/ 5986774 h 6054983"/>
+              <a:gd name="connsiteX1" fmla="*/ 6787005 w 12188952"/>
+              <a:gd name="connsiteY1" fmla="*/ 5986852 h 6054983"/>
+              <a:gd name="connsiteX2" fmla="*/ 6786779 w 12188952"/>
+              <a:gd name="connsiteY2" fmla="*/ 5987386 h 6054983"/>
+              <a:gd name="connsiteX3" fmla="*/ 0 w 12188952"/>
+              <a:gd name="connsiteY3" fmla="*/ 0 h 6054983"/>
+              <a:gd name="connsiteX4" fmla="*/ 12188952 w 12188952"/>
+              <a:gd name="connsiteY4" fmla="*/ 0 h 6054983"/>
+              <a:gd name="connsiteX5" fmla="*/ 12188952 w 12188952"/>
+              <a:gd name="connsiteY5" fmla="*/ 5092539 h 6054983"/>
+              <a:gd name="connsiteX6" fmla="*/ 12058081 w 12188952"/>
+              <a:gd name="connsiteY6" fmla="*/ 5131579 h 6054983"/>
+              <a:gd name="connsiteX7" fmla="*/ 11673881 w 12188952"/>
+              <a:gd name="connsiteY7" fmla="*/ 5235154 h 6054983"/>
+              <a:gd name="connsiteX8" fmla="*/ 10422749 w 12188952"/>
+              <a:gd name="connsiteY8" fmla="*/ 5518693 h 6054983"/>
+              <a:gd name="connsiteX9" fmla="*/ 9421666 w 12188952"/>
+              <a:gd name="connsiteY9" fmla="*/ 5693855 h 6054983"/>
+              <a:gd name="connsiteX10" fmla="*/ 8456304 w 12188952"/>
+              <a:gd name="connsiteY10" fmla="*/ 5827556 h 6054983"/>
+              <a:gd name="connsiteX11" fmla="*/ 7714041 w 12188952"/>
+              <a:gd name="connsiteY11" fmla="*/ 5907503 h 6054983"/>
+              <a:gd name="connsiteX12" fmla="*/ 6949978 w 12188952"/>
+              <a:gd name="connsiteY12" fmla="*/ 5973283 h 6054983"/>
+              <a:gd name="connsiteX13" fmla="*/ 6934569 w 12188952"/>
+              <a:gd name="connsiteY13" fmla="*/ 5975354 h 6054983"/>
+              <a:gd name="connsiteX14" fmla="*/ 6788750 w 12188952"/>
+              <a:gd name="connsiteY14" fmla="*/ 5986715 h 6054983"/>
+              <a:gd name="connsiteX15" fmla="*/ 6798241 w 12188952"/>
+              <a:gd name="connsiteY15" fmla="*/ 5988535 h 6054983"/>
+              <a:gd name="connsiteX16" fmla="*/ 6833723 w 12188952"/>
+              <a:gd name="connsiteY16" fmla="*/ 5986828 h 6054983"/>
+              <a:gd name="connsiteX17" fmla="*/ 6882282 w 12188952"/>
+              <a:gd name="connsiteY17" fmla="*/ 5983850 h 6054983"/>
+              <a:gd name="connsiteX18" fmla="*/ 7576876 w 12188952"/>
+              <a:gd name="connsiteY18" fmla="*/ 5951323 h 6054983"/>
+              <a:gd name="connsiteX19" fmla="*/ 8621689 w 12188952"/>
+              <a:gd name="connsiteY19" fmla="*/ 5864426 h 6054983"/>
+              <a:gd name="connsiteX20" fmla="*/ 9477600 w 12188952"/>
+              <a:gd name="connsiteY20" fmla="*/ 5760520 h 6054983"/>
+              <a:gd name="connsiteX21" fmla="*/ 10626651 w 12188952"/>
+              <a:gd name="connsiteY21" fmla="*/ 5566363 h 6054983"/>
+              <a:gd name="connsiteX22" fmla="*/ 11995498 w 12188952"/>
+              <a:gd name="connsiteY22" fmla="*/ 5240369 h 6054983"/>
+              <a:gd name="connsiteX23" fmla="*/ 12188952 w 12188952"/>
+              <a:gd name="connsiteY23" fmla="*/ 5183370 h 6054983"/>
+              <a:gd name="connsiteX24" fmla="*/ 12188952 w 12188952"/>
+              <a:gd name="connsiteY24" fmla="*/ 5238107 h 6054983"/>
+              <a:gd name="connsiteX25" fmla="*/ 11826300 w 12188952"/>
+              <a:gd name="connsiteY25" fmla="*/ 5343406 h 6054983"/>
+              <a:gd name="connsiteX26" fmla="*/ 10936448 w 12188952"/>
+              <a:gd name="connsiteY26" fmla="*/ 5557921 h 6054983"/>
+              <a:gd name="connsiteX27" fmla="*/ 9983034 w 12188952"/>
+              <a:gd name="connsiteY27" fmla="*/ 5737926 h 6054983"/>
+              <a:gd name="connsiteX28" fmla="*/ 9184585 w 12188952"/>
+              <a:gd name="connsiteY28" fmla="*/ 5853873 h 6054983"/>
+              <a:gd name="connsiteX29" fmla="*/ 8576053 w 12188952"/>
+              <a:gd name="connsiteY29" fmla="*/ 5923392 h 6054983"/>
+              <a:gd name="connsiteX30" fmla="*/ 7862392 w 12188952"/>
+              <a:gd name="connsiteY30" fmla="*/ 5984843 h 6054983"/>
+              <a:gd name="connsiteX31" fmla="*/ 6933768 w 12188952"/>
+              <a:gd name="connsiteY31" fmla="*/ 6036237 h 6054983"/>
+              <a:gd name="connsiteX32" fmla="*/ 6476130 w 12188952"/>
+              <a:gd name="connsiteY32" fmla="*/ 6050140 h 6054983"/>
+              <a:gd name="connsiteX33" fmla="*/ 6360703 w 12188952"/>
+              <a:gd name="connsiteY33" fmla="*/ 6054983 h 6054983"/>
+              <a:gd name="connsiteX34" fmla="*/ 6055614 w 12188952"/>
+              <a:gd name="connsiteY34" fmla="*/ 6054983 h 6054983"/>
+              <a:gd name="connsiteX35" fmla="*/ 5976289 w 12188952"/>
+              <a:gd name="connsiteY35" fmla="*/ 6050389 h 6054983"/>
+              <a:gd name="connsiteX36" fmla="*/ 5263770 w 12188952"/>
+              <a:gd name="connsiteY36" fmla="*/ 6014140 h 6054983"/>
+              <a:gd name="connsiteX37" fmla="*/ 4345190 w 12188952"/>
+              <a:gd name="connsiteY37" fmla="*/ 5952070 h 6054983"/>
+              <a:gd name="connsiteX38" fmla="*/ 3372201 w 12188952"/>
+              <a:gd name="connsiteY38" fmla="*/ 5853501 h 6054983"/>
+              <a:gd name="connsiteX39" fmla="*/ 2361582 w 12188952"/>
+              <a:gd name="connsiteY39" fmla="*/ 5734574 h 6054983"/>
+              <a:gd name="connsiteX40" fmla="*/ 1232869 w 12188952"/>
+              <a:gd name="connsiteY40" fmla="*/ 5561398 h 6054983"/>
+              <a:gd name="connsiteX41" fmla="*/ 68483 w 12188952"/>
+              <a:gd name="connsiteY41" fmla="*/ 5321691 h 6054983"/>
+              <a:gd name="connsiteX42" fmla="*/ 0 w 12188952"/>
+              <a:gd name="connsiteY42" fmla="*/ 5304336 h 6054983"/>
+              <a:gd name="connsiteX43" fmla="*/ 0 w 12188952"/>
+              <a:gd name="connsiteY43" fmla="*/ 5247847 h 6054983"/>
+              <a:gd name="connsiteX44" fmla="*/ 72423 w 12188952"/>
+              <a:gd name="connsiteY44" fmla="*/ 5266624 h 6054983"/>
+              <a:gd name="connsiteX45" fmla="*/ 600566 w 12188952"/>
+              <a:gd name="connsiteY45" fmla="*/ 5384994 h 6054983"/>
+              <a:gd name="connsiteX46" fmla="*/ 1769069 w 12188952"/>
+              <a:gd name="connsiteY46" fmla="*/ 5595162 h 6054983"/>
+              <a:gd name="connsiteX47" fmla="*/ 2612900 w 12188952"/>
+              <a:gd name="connsiteY47" fmla="*/ 5712104 h 6054983"/>
+              <a:gd name="connsiteX48" fmla="*/ 2580488 w 12188952"/>
+              <a:gd name="connsiteY48" fmla="*/ 5702173 h 6054983"/>
+              <a:gd name="connsiteX49" fmla="*/ 1112357 w 12188952"/>
+              <a:gd name="connsiteY49" fmla="*/ 5369476 h 6054983"/>
+              <a:gd name="connsiteX50" fmla="*/ 420307 w 12188952"/>
+              <a:gd name="connsiteY50" fmla="*/ 5170043 h 6054983"/>
+              <a:gd name="connsiteX51" fmla="*/ 0 w 12188952"/>
+              <a:gd name="connsiteY51" fmla="*/ 5031126 h 6054983"/>
+            </a:gdLst>
+            <a:ahLst/>
+            <a:cxnLst>
+              <a:cxn ang="0">
+                <a:pos x="connsiteX0" y="connsiteY0"/>
+              </a:cxn>
+              <a:cxn ang="0">
+                <a:pos x="connsiteX1" y="connsiteY1"/>
+              </a:cxn>
+              <a:cxn ang="0">
+                <a:pos x="connsiteX2" y="connsiteY2"/>
+              </a:cxn>
+              <a:cxn ang="0">
+                <a:pos x="connsiteX3" y="connsiteY3"/>
+              </a:cxn>
+              <a:cxn ang="0">
+                <a:pos x="connsiteX4" y="connsiteY4"/>
+              </a:cxn>
+              <a:cxn ang="0">
+                <a:pos x="connsiteX5" y="connsiteY5"/>
+              </a:cxn>
+              <a:cxn ang="0">
+                <a:pos x="connsiteX6" y="connsiteY6"/>
+              </a:cxn>
+              <a:cxn ang="0">
+                <a:pos x="connsiteX7" y="connsiteY7"/>
+              </a:cxn>
+              <a:cxn ang="0">
+                <a:pos x="connsiteX8" y="connsiteY8"/>
+              </a:cxn>
+              <a:cxn ang="0">
+                <a:pos x="connsiteX9" y="connsiteY9"/>
+              </a:cxn>
+              <a:cxn ang="0">
+                <a:pos x="connsiteX10" y="connsiteY10"/>
+              </a:cxn>
+              <a:cxn ang="0">
+                <a:pos x="connsiteX11" y="connsiteY11"/>
+              </a:cxn>
+              <a:cxn ang="0">
+                <a:pos x="connsiteX12" y="connsiteY12"/>
+              </a:cxn>
+              <a:cxn ang="0">
+                <a:pos x="connsiteX13" y="connsiteY13"/>
+              </a:cxn>
+              <a:cxn ang="0">
+                <a:pos x="connsiteX14" y="connsiteY14"/>
+              </a:cxn>
+              <a:cxn ang="0">
+                <a:pos x="connsiteX15" y="connsiteY15"/>
+              </a:cxn>
+              <a:cxn ang="0">
+                <a:pos x="connsiteX16" y="connsiteY16"/>
+              </a:cxn>
+              <a:cxn ang="0">
+                <a:pos x="connsiteX17" y="connsiteY17"/>
+              </a:cxn>
+              <a:cxn ang="0">
+                <a:pos x="connsiteX18" y="connsiteY18"/>
+              </a:cxn>
+              <a:cxn ang="0">
+                <a:pos x="connsiteX19" y="connsiteY19"/>
+              </a:cxn>
+              <a:cxn ang="0">
+                <a:pos x="connsiteX20" y="connsiteY20"/>
+              </a:cxn>
+              <a:cxn ang="0">
+                <a:pos x="connsiteX21" y="connsiteY21"/>
+              </a:cxn>
+              <a:cxn ang="0">
+                <a:pos x="connsiteX22" y="connsiteY22"/>
+              </a:cxn>
+              <a:cxn ang="0">
+                <a:pos x="connsiteX23" y="connsiteY23"/>
+              </a:cxn>
+              <a:cxn ang="0">
+                <a:pos x="connsiteX24" y="connsiteY24"/>
+              </a:cxn>
+              <a:cxn ang="0">
+                <a:pos x="connsiteX25" y="connsiteY25"/>
+              </a:cxn>
+              <a:cxn ang="0">
+                <a:pos x="connsiteX26" y="connsiteY26"/>
+              </a:cxn>
+              <a:cxn ang="0">
+                <a:pos x="connsiteX27" y="connsiteY27"/>
+              </a:cxn>
+              <a:cxn ang="0">
+                <a:pos x="connsiteX28" y="connsiteY28"/>
+              </a:cxn>
+              <a:cxn ang="0">
+                <a:pos x="connsiteX29" y="connsiteY29"/>
+              </a:cxn>
+              <a:cxn ang="0">
+                <a:pos x="connsiteX30" y="connsiteY30"/>
+              </a:cxn>
+              <a:cxn ang="0">
+                <a:pos x="connsiteX31" y="connsiteY31"/>
+              </a:cxn>
+              <a:cxn ang="0">
+                <a:pos x="connsiteX32" y="connsiteY32"/>
+              </a:cxn>
+              <a:cxn ang="0">
+                <a:pos x="connsiteX33" y="connsiteY33"/>
+              </a:cxn>
+              <a:cxn ang="0">
+                <a:pos x="connsiteX34" y="connsiteY34"/>
+              </a:cxn>
+              <a:cxn ang="0">
+                <a:pos x="connsiteX35" y="connsiteY35"/>
+              </a:cxn>
+              <a:cxn ang="0">
+                <a:pos x="connsiteX36" y="connsiteY36"/>
+              </a:cxn>
+              <a:cxn ang="0">
+                <a:pos x="connsiteX37" y="connsiteY37"/>
+              </a:cxn>
+              <a:cxn ang="0">
+                <a:pos x="connsiteX38" y="connsiteY38"/>
+              </a:cxn>
+              <a:cxn ang="0">
+                <a:pos x="connsiteX39" y="connsiteY39"/>
+              </a:cxn>
+              <a:cxn ang="0">
+                <a:pos x="connsiteX40" y="connsiteY40"/>
+              </a:cxn>
+              <a:cxn ang="0">
+                <a:pos x="connsiteX41" y="connsiteY41"/>
+              </a:cxn>
+              <a:cxn ang="0">
+                <a:pos x="connsiteX42" y="connsiteY42"/>
+              </a:cxn>
+              <a:cxn ang="0">
+                <a:pos x="connsiteX43" y="connsiteY43"/>
+              </a:cxn>
+              <a:cxn ang="0">
+                <a:pos x="connsiteX44" y="connsiteY44"/>
+              </a:cxn>
+              <a:cxn ang="0">
+                <a:pos x="connsiteX45" y="connsiteY45"/>
+              </a:cxn>
+              <a:cxn ang="0">
+                <a:pos x="connsiteX46" y="connsiteY46"/>
+              </a:cxn>
+              <a:cxn ang="0">
+                <a:pos x="connsiteX47" y="connsiteY47"/>
+              </a:cxn>
+              <a:cxn ang="0">
+                <a:pos x="connsiteX48" y="connsiteY48"/>
+              </a:cxn>
+              <a:cxn ang="0">
+                <a:pos x="connsiteX49" y="connsiteY49"/>
+              </a:cxn>
+              <a:cxn ang="0">
+                <a:pos x="connsiteX50" y="connsiteY50"/>
+              </a:cxn>
+              <a:cxn ang="0">
+                <a:pos x="connsiteX51" y="connsiteY51"/>
+              </a:cxn>
+            </a:cxnLst>
+            <a:rect l="l" t="t" r="r" b="b"/>
+            <a:pathLst>
+              <a:path w="12188952" h="6054983">
+                <a:moveTo>
+                  <a:pt x="6788003" y="5986774"/>
+                </a:moveTo>
+                <a:lnTo>
+                  <a:pt x="6787005" y="5986852"/>
+                </a:lnTo>
+                <a:lnTo>
+                  <a:pt x="6786779" y="5987386"/>
+                </a:lnTo>
+                <a:close/>
+                <a:moveTo>
+                  <a:pt x="0" y="0"/>
+                </a:moveTo>
+                <a:lnTo>
+                  <a:pt x="12188952" y="0"/>
+                </a:lnTo>
+                <a:lnTo>
+                  <a:pt x="12188952" y="5092539"/>
+                </a:lnTo>
+                <a:lnTo>
+                  <a:pt x="12058081" y="5131579"/>
+                </a:lnTo>
+                <a:cubicBezTo>
+                  <a:pt x="11930517" y="5167793"/>
+                  <a:pt x="11802439" y="5202322"/>
+                  <a:pt x="11673881" y="5235154"/>
+                </a:cubicBezTo>
+                <a:cubicBezTo>
+                  <a:pt x="11259973" y="5342661"/>
+                  <a:pt x="10842632" y="5436263"/>
+                  <a:pt x="10422749" y="5518693"/>
+                </a:cubicBezTo>
+                <a:cubicBezTo>
+                  <a:pt x="10090287" y="5583904"/>
+                  <a:pt x="9756593" y="5642301"/>
+                  <a:pt x="9421666" y="5693855"/>
+                </a:cubicBezTo>
+                <a:cubicBezTo>
+                  <a:pt x="9100721" y="5743512"/>
+                  <a:pt x="8778938" y="5788079"/>
+                  <a:pt x="8456304" y="5827556"/>
+                </a:cubicBezTo>
+                <a:cubicBezTo>
+                  <a:pt x="8209307" y="5857722"/>
+                  <a:pt x="7961801" y="5883295"/>
+                  <a:pt x="7714041" y="5907503"/>
+                </a:cubicBezTo>
+                <a:lnTo>
+                  <a:pt x="6949978" y="5973283"/>
+                </a:lnTo>
+                <a:lnTo>
+                  <a:pt x="6934569" y="5975354"/>
+                </a:lnTo>
+                <a:lnTo>
+                  <a:pt x="6788750" y="5986715"/>
+                </a:lnTo>
+                <a:lnTo>
+                  <a:pt x="6798241" y="5988535"/>
+                </a:lnTo>
+                <a:cubicBezTo>
+                  <a:pt x="6809920" y="5989001"/>
+                  <a:pt x="6822028" y="5986828"/>
+                  <a:pt x="6833723" y="5986828"/>
+                </a:cubicBezTo>
+                <a:cubicBezTo>
+                  <a:pt x="6849867" y="5986828"/>
+                  <a:pt x="6866012" y="5984221"/>
+                  <a:pt x="6882282" y="5983850"/>
+                </a:cubicBezTo>
+                <a:cubicBezTo>
+                  <a:pt x="7114026" y="5978388"/>
+                  <a:pt x="7345514" y="5966221"/>
+                  <a:pt x="7576876" y="5951323"/>
+                </a:cubicBezTo>
+                <a:cubicBezTo>
+                  <a:pt x="7925570" y="5928855"/>
+                  <a:pt x="8274011" y="5900676"/>
+                  <a:pt x="8621689" y="5864426"/>
+                </a:cubicBezTo>
+                <a:cubicBezTo>
+                  <a:pt x="8907712" y="5835128"/>
+                  <a:pt x="9193011" y="5800493"/>
+                  <a:pt x="9477600" y="5760520"/>
+                </a:cubicBezTo>
+                <a:cubicBezTo>
+                  <a:pt x="9862435" y="5706146"/>
+                  <a:pt x="10245452" y="5641432"/>
+                  <a:pt x="10626651" y="5566363"/>
+                </a:cubicBezTo>
+                <a:cubicBezTo>
+                  <a:pt x="11087341" y="5475243"/>
+                  <a:pt x="11544088" y="5367737"/>
+                  <a:pt x="11995498" y="5240369"/>
+                </a:cubicBezTo>
+                <a:lnTo>
+                  <a:pt x="12188952" y="5183370"/>
+                </a:lnTo>
+                <a:lnTo>
+                  <a:pt x="12188952" y="5238107"/>
+                </a:lnTo>
+                <a:lnTo>
+                  <a:pt x="11826300" y="5343406"/>
+                </a:lnTo>
+                <a:cubicBezTo>
+                  <a:pt x="11531885" y="5423103"/>
+                  <a:pt x="11235310" y="5493989"/>
+                  <a:pt x="10936448" y="5557921"/>
+                </a:cubicBezTo>
+                <a:cubicBezTo>
+                  <a:pt x="10620168" y="5625703"/>
+                  <a:pt x="10302365" y="5685700"/>
+                  <a:pt x="9983034" y="5737926"/>
+                </a:cubicBezTo>
+                <a:cubicBezTo>
+                  <a:pt x="9717606" y="5781375"/>
+                  <a:pt x="9451451" y="5820020"/>
+                  <a:pt x="9184585" y="5853873"/>
+                </a:cubicBezTo>
+                <a:cubicBezTo>
+                  <a:pt x="8981951" y="5879447"/>
+                  <a:pt x="8779319" y="5903530"/>
+                  <a:pt x="8576053" y="5923392"/>
+                </a:cubicBezTo>
+                <a:cubicBezTo>
+                  <a:pt x="8338462" y="5946112"/>
+                  <a:pt x="8100618" y="5967587"/>
+                  <a:pt x="7862392" y="5984843"/>
+                </a:cubicBezTo>
+                <a:cubicBezTo>
+                  <a:pt x="7553105" y="6007187"/>
+                  <a:pt x="7243690" y="6025065"/>
+                  <a:pt x="6933768" y="6036237"/>
+                </a:cubicBezTo>
+                <a:cubicBezTo>
+                  <a:pt x="6781221" y="6041700"/>
+                  <a:pt x="6628676" y="6045548"/>
+                  <a:pt x="6476130" y="6050140"/>
+                </a:cubicBezTo>
+                <a:cubicBezTo>
+                  <a:pt x="6437585" y="6048056"/>
+                  <a:pt x="6398929" y="6049681"/>
+                  <a:pt x="6360703" y="6054983"/>
+                </a:cubicBezTo>
+                <a:lnTo>
+                  <a:pt x="6055614" y="6054983"/>
+                </a:lnTo>
+                <a:lnTo>
+                  <a:pt x="5976289" y="6050389"/>
+                </a:lnTo>
+                <a:cubicBezTo>
+                  <a:pt x="5738826" y="6037976"/>
+                  <a:pt x="5501363" y="6024197"/>
+                  <a:pt x="5263770" y="6014140"/>
+                </a:cubicBezTo>
+                <a:cubicBezTo>
+                  <a:pt x="4957027" y="6001724"/>
+                  <a:pt x="4650663" y="5981244"/>
+                  <a:pt x="4345190" y="5952070"/>
+                </a:cubicBezTo>
+                <a:cubicBezTo>
+                  <a:pt x="4020648" y="5921158"/>
+                  <a:pt x="3696870" y="5886523"/>
+                  <a:pt x="3372201" y="5853501"/>
+                </a:cubicBezTo>
+                <a:cubicBezTo>
+                  <a:pt x="3034653" y="5819239"/>
+                  <a:pt x="2697781" y="5779600"/>
+                  <a:pt x="2361582" y="5734574"/>
+                </a:cubicBezTo>
+                <a:cubicBezTo>
+                  <a:pt x="1984196" y="5684421"/>
+                  <a:pt x="1607962" y="5626695"/>
+                  <a:pt x="1232869" y="5561398"/>
+                </a:cubicBezTo>
+                <a:cubicBezTo>
+                  <a:pt x="841970" y="5492685"/>
+                  <a:pt x="453644" y="5414197"/>
+                  <a:pt x="68483" y="5321691"/>
+                </a:cubicBezTo>
+                <a:lnTo>
+                  <a:pt x="0" y="5304336"/>
+                </a:lnTo>
+                <a:lnTo>
+                  <a:pt x="0" y="5247847"/>
+                </a:lnTo>
+                <a:lnTo>
+                  <a:pt x="72423" y="5266624"/>
+                </a:lnTo>
+                <a:cubicBezTo>
+                  <a:pt x="247899" y="5308802"/>
+                  <a:pt x="424058" y="5348062"/>
+                  <a:pt x="600566" y="5384994"/>
+                </a:cubicBezTo>
+                <a:cubicBezTo>
+                  <a:pt x="988032" y="5465808"/>
+                  <a:pt x="1377788" y="5534706"/>
+                  <a:pt x="1769069" y="5595162"/>
+                </a:cubicBezTo>
+                <a:cubicBezTo>
+                  <a:pt x="2051913" y="5638738"/>
+                  <a:pt x="2335141" y="5678835"/>
+                  <a:pt x="2612900" y="5712104"/>
+                </a:cubicBezTo>
+                <a:cubicBezTo>
+                  <a:pt x="2604892" y="5714711"/>
+                  <a:pt x="2593962" y="5704655"/>
+                  <a:pt x="2580488" y="5702173"/>
+                </a:cubicBezTo>
+                <a:cubicBezTo>
+                  <a:pt x="2086656" y="5610221"/>
+                  <a:pt x="1597284" y="5499328"/>
+                  <a:pt x="1112357" y="5369476"/>
+                </a:cubicBezTo>
+                <a:cubicBezTo>
+                  <a:pt x="880233" y="5307405"/>
+                  <a:pt x="649550" y="5240927"/>
+                  <a:pt x="420307" y="5170043"/>
+                </a:cubicBezTo>
+                <a:lnTo>
+                  <a:pt x="0" y="5031126"/>
+                </a:lnTo>
+                <a:close/>
+              </a:path>
+            </a:pathLst>
+          </a:custGeom>
+          <a:solidFill>
+            <a:schemeClr val="accent1"/>
+          </a:solidFill>
+          <a:ln>
+            <a:noFill/>
+          </a:ln>
+        </p:spPr>
+        <p:style>
+          <a:lnRef idx="2">
+            <a:schemeClr val="accent1">
+              <a:shade val="50000"/>
+            </a:schemeClr>
+          </a:lnRef>
+          <a:fillRef idx="1">
+            <a:schemeClr val="accent1"/>
+          </a:fillRef>
+          <a:effectRef idx="0">
+            <a:schemeClr val="accent1"/>
+          </a:effectRef>
+          <a:fontRef idx="minor">
+            <a:schemeClr val="lt1"/>
+          </a:fontRef>
+        </p:style>
+        <p:txBody>
+          <a:bodyPr wrap="square" rtlCol="0" anchor="ctr">
+            <a:noAutofit/>
+          </a:bodyPr>
+          <a:lstStyle/>
+          <a:p>
+            <a:pPr algn="ctr"/>
+            <a:endParaRPr lang="en-US"/>
+          </a:p>
+        </p:txBody>
+      </p:sp>
+      <p:sp>
+        <p:nvSpPr>
+          <p:cNvPr id="2" name="Title 1">
+            <a:extLst>
+              <a:ext uri="{FF2B5EF4-FFF2-40B4-BE49-F238E27FC236}">
+                <a16:creationId xmlns:a16="http://schemas.microsoft.com/office/drawing/2014/main" id="{DB87775E-33CB-43BD-9251-6D500165104C}"/>
+              </a:ext>
+            </a:extLst>
+          </p:cNvPr>
+          <p:cNvSpPr>
+            <a:spLocks noGrp="1"/>
+          </p:cNvSpPr>
+          <p:nvPr>
+            <p:ph type="title"/>
+          </p:nvPr>
+        </p:nvSpPr>
+        <p:spPr>
+          <a:xfrm>
+            <a:off x="1524000" y="929452"/>
+            <a:ext cx="9144000" cy="2526738"/>
+          </a:xfrm>
+        </p:spPr>
+        <p:txBody>
+          <a:bodyPr vert="horz" lIns="91440" tIns="45720" rIns="91440" bIns="45720" rtlCol="0" anchor="b">
+            <a:normAutofit/>
+          </a:bodyPr>
+          <a:lstStyle/>
+          <a:p>
+            <a:pPr algn="ctr"/>
+            <a:r>
+              <a:rPr lang="en-US" sz="8800">
+                <a:solidFill>
+                  <a:schemeClr val="bg1"/>
+                </a:solidFill>
+              </a:rPr>
+              <a:t>Any questions?</a:t>
+            </a:r>
+          </a:p>
+        </p:txBody>
+      </p:sp>
+      <p:sp>
+        <p:nvSpPr>
+          <p:cNvPr id="14" name="Rectangle 6">
+            <a:extLst>
+              <a:ext uri="{FF2B5EF4-FFF2-40B4-BE49-F238E27FC236}">
+                <a16:creationId xmlns:a16="http://schemas.microsoft.com/office/drawing/2014/main" id="{08FD86A2-82CE-48F4-B78A-8B9CA7BA2CCD}"/>
+              </a:ext>
+              <a:ext uri="{C183D7F6-B498-43B3-948B-1728B52AA6E4}">
+                <adec:decorative xmlns:adec="http://schemas.microsoft.com/office/drawing/2017/decorative" val="1"/>
+              </a:ext>
+            </a:extLst>
+          </p:cNvPr>
+          <p:cNvSpPr>
+            <a:spLocks noGrp="1" noRot="1" noChangeAspect="1" noMove="1" noResize="1" noEditPoints="1" noAdjustHandles="1" noChangeArrowheads="1" noChangeShapeType="1" noTextEdit="1"/>
+          </p:cNvSpPr>
+          <p:nvPr>
+            <p:extLst>
+              <p:ext uri="{386F3935-93C4-4BCD-93E2-E3B085C9AB24}">
+                <p16:designElem xmlns:p16="http://schemas.microsoft.com/office/powerpoint/2015/main" val="1"/>
+              </p:ext>
+            </p:extLst>
+          </p:nvPr>
+        </p:nvSpPr>
+        <p:spPr>
+          <a:xfrm>
+            <a:off x="3974206" y="3542284"/>
+            <a:ext cx="4243589" cy="27432"/>
+          </a:xfrm>
+          <a:custGeom>
+            <a:avLst/>
+            <a:gdLst>
+              <a:gd name="connsiteX0" fmla="*/ 0 w 4243589"/>
+              <a:gd name="connsiteY0" fmla="*/ 0 h 27432"/>
+              <a:gd name="connsiteX1" fmla="*/ 563791 w 4243589"/>
+              <a:gd name="connsiteY1" fmla="*/ 0 h 27432"/>
+              <a:gd name="connsiteX2" fmla="*/ 1042710 w 4243589"/>
+              <a:gd name="connsiteY2" fmla="*/ 0 h 27432"/>
+              <a:gd name="connsiteX3" fmla="*/ 1564066 w 4243589"/>
+              <a:gd name="connsiteY3" fmla="*/ 0 h 27432"/>
+              <a:gd name="connsiteX4" fmla="*/ 2212729 w 4243589"/>
+              <a:gd name="connsiteY4" fmla="*/ 0 h 27432"/>
+              <a:gd name="connsiteX5" fmla="*/ 2776520 w 4243589"/>
+              <a:gd name="connsiteY5" fmla="*/ 0 h 27432"/>
+              <a:gd name="connsiteX6" fmla="*/ 3297875 w 4243589"/>
+              <a:gd name="connsiteY6" fmla="*/ 0 h 27432"/>
+              <a:gd name="connsiteX7" fmla="*/ 4243589 w 4243589"/>
+              <a:gd name="connsiteY7" fmla="*/ 0 h 27432"/>
+              <a:gd name="connsiteX8" fmla="*/ 4243589 w 4243589"/>
+              <a:gd name="connsiteY8" fmla="*/ 27432 h 27432"/>
+              <a:gd name="connsiteX9" fmla="*/ 3637362 w 4243589"/>
+              <a:gd name="connsiteY9" fmla="*/ 27432 h 27432"/>
+              <a:gd name="connsiteX10" fmla="*/ 3116007 w 4243589"/>
+              <a:gd name="connsiteY10" fmla="*/ 27432 h 27432"/>
+              <a:gd name="connsiteX11" fmla="*/ 2424908 w 4243589"/>
+              <a:gd name="connsiteY11" fmla="*/ 27432 h 27432"/>
+              <a:gd name="connsiteX12" fmla="*/ 1861117 w 4243589"/>
+              <a:gd name="connsiteY12" fmla="*/ 27432 h 27432"/>
+              <a:gd name="connsiteX13" fmla="*/ 1382198 w 4243589"/>
+              <a:gd name="connsiteY13" fmla="*/ 27432 h 27432"/>
+              <a:gd name="connsiteX14" fmla="*/ 733535 w 4243589"/>
+              <a:gd name="connsiteY14" fmla="*/ 27432 h 27432"/>
+              <a:gd name="connsiteX15" fmla="*/ 0 w 4243589"/>
+              <a:gd name="connsiteY15" fmla="*/ 27432 h 27432"/>
+              <a:gd name="connsiteX16" fmla="*/ 0 w 4243589"/>
+              <a:gd name="connsiteY16" fmla="*/ 0 h 27432"/>
+            </a:gdLst>
+            <a:ahLst/>
+            <a:cxnLst>
+              <a:cxn ang="0">
+                <a:pos x="connsiteX0" y="connsiteY0"/>
+              </a:cxn>
+              <a:cxn ang="0">
+                <a:pos x="connsiteX1" y="connsiteY1"/>
+              </a:cxn>
+              <a:cxn ang="0">
+                <a:pos x="connsiteX2" y="connsiteY2"/>
+              </a:cxn>
+              <a:cxn ang="0">
+                <a:pos x="connsiteX3" y="connsiteY3"/>
+              </a:cxn>
+              <a:cxn ang="0">
+                <a:pos x="connsiteX4" y="connsiteY4"/>
+              </a:cxn>
+              <a:cxn ang="0">
+                <a:pos x="connsiteX5" y="connsiteY5"/>
+              </a:cxn>
+              <a:cxn ang="0">
+                <a:pos x="connsiteX6" y="connsiteY6"/>
+              </a:cxn>
+              <a:cxn ang="0">
+                <a:pos x="connsiteX7" y="connsiteY7"/>
+              </a:cxn>
+              <a:cxn ang="0">
+                <a:pos x="connsiteX8" y="connsiteY8"/>
+              </a:cxn>
+              <a:cxn ang="0">
+                <a:pos x="connsiteX9" y="connsiteY9"/>
+              </a:cxn>
+              <a:cxn ang="0">
+                <a:pos x="connsiteX10" y="connsiteY10"/>
+              </a:cxn>
+              <a:cxn ang="0">
+                <a:pos x="connsiteX11" y="connsiteY11"/>
+              </a:cxn>
+              <a:cxn ang="0">
+                <a:pos x="connsiteX12" y="connsiteY12"/>
+              </a:cxn>
+              <a:cxn ang="0">
+                <a:pos x="connsiteX13" y="connsiteY13"/>
+              </a:cxn>
+              <a:cxn ang="0">
+                <a:pos x="connsiteX14" y="connsiteY14"/>
+              </a:cxn>
+              <a:cxn ang="0">
+                <a:pos x="connsiteX15" y="connsiteY15"/>
+              </a:cxn>
+              <a:cxn ang="0">
+                <a:pos x="connsiteX16" y="connsiteY16"/>
+              </a:cxn>
+            </a:cxnLst>
+            <a:rect l="l" t="t" r="r" b="b"/>
+            <a:pathLst>
+              <a:path w="4243589" h="27432" fill="none" extrusionOk="0">
+                <a:moveTo>
+                  <a:pt x="0" y="0"/>
+                </a:moveTo>
+                <a:cubicBezTo>
+                  <a:pt x="157351" y="-15653"/>
+                  <a:pt x="378877" y="-5828"/>
+                  <a:pt x="563791" y="0"/>
+                </a:cubicBezTo>
+                <a:cubicBezTo>
+                  <a:pt x="748705" y="5828"/>
+                  <a:pt x="905659" y="-5525"/>
+                  <a:pt x="1042710" y="0"/>
+                </a:cubicBezTo>
+                <a:cubicBezTo>
+                  <a:pt x="1179761" y="5525"/>
+                  <a:pt x="1356845" y="-21288"/>
+                  <a:pt x="1564066" y="0"/>
+                </a:cubicBezTo>
+                <a:cubicBezTo>
+                  <a:pt x="1771287" y="21288"/>
+                  <a:pt x="1912099" y="25135"/>
+                  <a:pt x="2212729" y="0"/>
+                </a:cubicBezTo>
+                <a:cubicBezTo>
+                  <a:pt x="2513359" y="-25135"/>
+                  <a:pt x="2514918" y="-27119"/>
+                  <a:pt x="2776520" y="0"/>
+                </a:cubicBezTo>
+                <a:cubicBezTo>
+                  <a:pt x="3038122" y="27119"/>
+                  <a:pt x="3178771" y="18116"/>
+                  <a:pt x="3297875" y="0"/>
+                </a:cubicBezTo>
+                <a:cubicBezTo>
+                  <a:pt x="3416980" y="-18116"/>
+                  <a:pt x="4012240" y="-40869"/>
+                  <a:pt x="4243589" y="0"/>
+                </a:cubicBezTo>
+                <a:cubicBezTo>
+                  <a:pt x="4242616" y="8304"/>
+                  <a:pt x="4243111" y="21512"/>
+                  <a:pt x="4243589" y="27432"/>
+                </a:cubicBezTo>
+                <a:cubicBezTo>
+                  <a:pt x="4112949" y="6289"/>
+                  <a:pt x="3928037" y="10975"/>
+                  <a:pt x="3637362" y="27432"/>
+                </a:cubicBezTo>
+                <a:cubicBezTo>
+                  <a:pt x="3346687" y="43889"/>
+                  <a:pt x="3254446" y="35813"/>
+                  <a:pt x="3116007" y="27432"/>
+                </a:cubicBezTo>
+                <a:cubicBezTo>
+                  <a:pt x="2977569" y="19051"/>
+                  <a:pt x="2620228" y="38017"/>
+                  <a:pt x="2424908" y="27432"/>
+                </a:cubicBezTo>
+                <a:cubicBezTo>
+                  <a:pt x="2229588" y="16847"/>
+                  <a:pt x="2088287" y="5290"/>
+                  <a:pt x="1861117" y="27432"/>
+                </a:cubicBezTo>
+                <a:cubicBezTo>
+                  <a:pt x="1633947" y="49574"/>
+                  <a:pt x="1502447" y="8273"/>
+                  <a:pt x="1382198" y="27432"/>
+                </a:cubicBezTo>
+                <a:cubicBezTo>
+                  <a:pt x="1261949" y="46591"/>
+                  <a:pt x="1045440" y="37497"/>
+                  <a:pt x="733535" y="27432"/>
+                </a:cubicBezTo>
+                <a:cubicBezTo>
+                  <a:pt x="421630" y="17367"/>
+                  <a:pt x="341257" y="-9215"/>
+                  <a:pt x="0" y="27432"/>
+                </a:cubicBezTo>
+                <a:cubicBezTo>
+                  <a:pt x="-1048" y="14992"/>
+                  <a:pt x="-1120" y="7447"/>
+                  <a:pt x="0" y="0"/>
+                </a:cubicBezTo>
+                <a:close/>
+              </a:path>
+              <a:path w="4243589" h="27432" stroke="0" extrusionOk="0">
+                <a:moveTo>
+                  <a:pt x="0" y="0"/>
+                </a:moveTo>
+                <a:cubicBezTo>
+                  <a:pt x="128164" y="17204"/>
+                  <a:pt x="312653" y="1129"/>
+                  <a:pt x="563791" y="0"/>
+                </a:cubicBezTo>
+                <a:cubicBezTo>
+                  <a:pt x="814929" y="-1129"/>
+                  <a:pt x="837271" y="8503"/>
+                  <a:pt x="1042710" y="0"/>
+                </a:cubicBezTo>
+                <a:cubicBezTo>
+                  <a:pt x="1248149" y="-8503"/>
+                  <a:pt x="1588432" y="-28862"/>
+                  <a:pt x="1733809" y="0"/>
+                </a:cubicBezTo>
+                <a:cubicBezTo>
+                  <a:pt x="1879186" y="28862"/>
+                  <a:pt x="2052815" y="5974"/>
+                  <a:pt x="2297600" y="0"/>
+                </a:cubicBezTo>
+                <a:cubicBezTo>
+                  <a:pt x="2542385" y="-5974"/>
+                  <a:pt x="2699960" y="-23550"/>
+                  <a:pt x="2861391" y="0"/>
+                </a:cubicBezTo>
+                <a:cubicBezTo>
+                  <a:pt x="3022822" y="23550"/>
+                  <a:pt x="3390411" y="25272"/>
+                  <a:pt x="3552490" y="0"/>
+                </a:cubicBezTo>
+                <a:cubicBezTo>
+                  <a:pt x="3714569" y="-25272"/>
+                  <a:pt x="3950585" y="-31327"/>
+                  <a:pt x="4243589" y="0"/>
+                </a:cubicBezTo>
+                <a:cubicBezTo>
+                  <a:pt x="4244074" y="9333"/>
+                  <a:pt x="4244867" y="19699"/>
+                  <a:pt x="4243589" y="27432"/>
+                </a:cubicBezTo>
+                <a:cubicBezTo>
+                  <a:pt x="4130424" y="7904"/>
+                  <a:pt x="3932803" y="51393"/>
+                  <a:pt x="3722234" y="27432"/>
+                </a:cubicBezTo>
+                <a:cubicBezTo>
+                  <a:pt x="3511665" y="3471"/>
+                  <a:pt x="3269903" y="55138"/>
+                  <a:pt x="3116007" y="27432"/>
+                </a:cubicBezTo>
+                <a:cubicBezTo>
+                  <a:pt x="2962111" y="-274"/>
+                  <a:pt x="2744280" y="32368"/>
+                  <a:pt x="2509780" y="27432"/>
+                </a:cubicBezTo>
+                <a:cubicBezTo>
+                  <a:pt x="2275280" y="22496"/>
+                  <a:pt x="2066059" y="52808"/>
+                  <a:pt x="1945989" y="27432"/>
+                </a:cubicBezTo>
+                <a:cubicBezTo>
+                  <a:pt x="1825919" y="2056"/>
+                  <a:pt x="1407329" y="21760"/>
+                  <a:pt x="1254890" y="27432"/>
+                </a:cubicBezTo>
+                <a:cubicBezTo>
+                  <a:pt x="1102451" y="33104"/>
+                  <a:pt x="837950" y="40817"/>
+                  <a:pt x="563791" y="27432"/>
+                </a:cubicBezTo>
+                <a:cubicBezTo>
+                  <a:pt x="289632" y="14047"/>
+                  <a:pt x="132768" y="16249"/>
+                  <a:pt x="0" y="27432"/>
+                </a:cubicBezTo>
+                <a:cubicBezTo>
+                  <a:pt x="211" y="18145"/>
+                  <a:pt x="120" y="6480"/>
+                  <a:pt x="0" y="0"/>
+                </a:cubicBezTo>
+                <a:close/>
+              </a:path>
+            </a:pathLst>
+          </a:custGeom>
+          <a:solidFill>
+            <a:schemeClr val="bg1"/>
+          </a:solidFill>
+          <a:ln w="38100" cap="rnd">
+            <a:solidFill>
+              <a:schemeClr val="bg1"/>
+            </a:solidFill>
+            <a:round/>
+            <a:extLst>
+              <a:ext uri="{C807C97D-BFC1-408E-A445-0C87EB9F89A2}">
+                <ask:lineSketchStyleProps xmlns:ask="http://schemas.microsoft.com/office/drawing/2018/sketchyshapes" sd="1219033472">
+                  <a:prstGeom prst="rect">
+                    <a:avLst/>
+                  </a:prstGeom>
+                  <ask:type>
+                    <ask:lineSketchFreehand/>
+                  </ask:type>
+                </ask:lineSketchStyleProps>
+              </a:ext>
+            </a:extLst>
+          </a:ln>
+        </p:spPr>
+        <p:style>
+          <a:lnRef idx="2">
+            <a:schemeClr val="accent1">
+              <a:shade val="50000"/>
+            </a:schemeClr>
+          </a:lnRef>
+          <a:fillRef idx="1">
+            <a:schemeClr val="accent1"/>
+          </a:fillRef>
+          <a:effectRef idx="0">
+            <a:schemeClr val="accent1"/>
+          </a:effectRef>
+          <a:fontRef idx="minor">
+            <a:schemeClr val="lt1"/>
+          </a:fontRef>
+        </p:style>
+        <p:txBody>
+          <a:bodyPr rtlCol="0" anchor="ctr"/>
+          <a:lstStyle/>
+          <a:p>
+            <a:pPr algn="ctr"/>
+            <a:endParaRPr lang="en-US"/>
+          </a:p>
+        </p:txBody>
+      </p:sp>
+    </p:spTree>
+    <p:extLst>
+      <p:ext uri="{BB962C8B-B14F-4D97-AF65-F5344CB8AC3E}">
+        <p14:creationId xmlns:p14="http://schemas.microsoft.com/office/powerpoint/2010/main" val="3420154816"/>
       </p:ext>
     </p:extLst>
   </p:cSld>
@@ -19348,7 +23357,7 @@
         </p:nvSpPr>
         <p:spPr>
           <a:xfrm>
-            <a:off x="838200" y="365125"/>
+            <a:off x="841513" y="325369"/>
             <a:ext cx="10515600" cy="1325563"/>
           </a:xfrm>
         </p:spPr>
@@ -19363,6 +23372,8 @@
                 <a:solidFill>
                   <a:schemeClr val="accent1"/>
                 </a:solidFill>
+                <a:latin typeface="Adobe Song Std L" panose="02020300000000000000" pitchFamily="18" charset="-128"/>
+                <a:ea typeface="Adobe Song Std L" panose="02020300000000000000" pitchFamily="18" charset="-128"/>
               </a:rPr>
               <a:t>Agenda</a:t>
             </a:r>
@@ -19385,7 +23396,7 @@
             <p:ph idx="1"/>
             <p:extLst>
               <p:ext uri="{D42A27DB-BD31-4B8C-83A1-F6EECF244321}">
-                <p14:modId xmlns:p14="http://schemas.microsoft.com/office/powerpoint/2010/main" val="3743806698"/>
+                <p14:modId xmlns:p14="http://schemas.microsoft.com/office/powerpoint/2010/main" val="3496712381"/>
               </p:ext>
             </p:extLst>
           </p:nvPr>
@@ -19804,6 +23815,8 @@
                 <a:solidFill>
                   <a:schemeClr val="bg1"/>
                 </a:solidFill>
+                <a:latin typeface="Adobe Song Std L" panose="02020300000000000000" pitchFamily="18" charset="-128"/>
+                <a:ea typeface="Adobe Song Std L" panose="02020300000000000000" pitchFamily="18" charset="-128"/>
               </a:rPr>
               <a:t>Summary</a:t>
             </a:r>
@@ -19826,7 +23839,7 @@
             <p:ph idx="1"/>
             <p:extLst>
               <p:ext uri="{D42A27DB-BD31-4B8C-83A1-F6EECF244321}">
-                <p14:modId xmlns:p14="http://schemas.microsoft.com/office/powerpoint/2010/main" val="3846455688"/>
+                <p14:modId xmlns:p14="http://schemas.microsoft.com/office/powerpoint/2010/main" val="965855306"/>
               </p:ext>
             </p:extLst>
           </p:nvPr>
@@ -20224,10 +24237,12 @@
           <a:lstStyle/>
           <a:p>
             <a:r>
-              <a:rPr lang="en-US" sz="7200" dirty="0">
+              <a:rPr lang="en-US" sz="7200">
                 <a:solidFill>
                   <a:schemeClr val="bg1"/>
                 </a:solidFill>
+                <a:latin typeface="Adobe Song Std L" panose="02020300000000000000" pitchFamily="18" charset="-128"/>
+                <a:ea typeface="Adobe Song Std L" panose="02020300000000000000" pitchFamily="18" charset="-128"/>
               </a:rPr>
               <a:t>Data Preparation</a:t>
             </a:r>
@@ -20250,7 +24265,7 @@
             <p:ph idx="1"/>
             <p:extLst>
               <p:ext uri="{D42A27DB-BD31-4B8C-83A1-F6EECF244321}">
-                <p14:modId xmlns:p14="http://schemas.microsoft.com/office/powerpoint/2010/main" val="2015145545"/>
+                <p14:modId xmlns:p14="http://schemas.microsoft.com/office/powerpoint/2010/main" val="492048857"/>
               </p:ext>
             </p:extLst>
           </p:nvPr>
@@ -20648,22 +24663,24 @@
           <a:lstStyle/>
           <a:p>
             <a:r>
-              <a:rPr lang="en-US" sz="7200" dirty="0">
+              <a:rPr lang="en-US" sz="7200">
                 <a:solidFill>
                   <a:schemeClr val="bg1"/>
                 </a:solidFill>
+                <a:latin typeface="Adobe Song Std L" panose="02020300000000000000" pitchFamily="18" charset="-128"/>
+                <a:ea typeface="Adobe Song Std L" panose="02020300000000000000" pitchFamily="18" charset="-128"/>
               </a:rPr>
-              <a:t>Boxplots</a:t>
+              <a:t>Histogram</a:t>
             </a:r>
           </a:p>
         </p:txBody>
       </p:sp>
       <p:pic>
         <p:nvPicPr>
-          <p:cNvPr id="8" name="Content Placeholder 3">
+          <p:cNvPr id="4" name="Picture 3">
             <a:extLst>
               <a:ext uri="{FF2B5EF4-FFF2-40B4-BE49-F238E27FC236}">
-                <a16:creationId xmlns:a16="http://schemas.microsoft.com/office/drawing/2014/main" id="{452AE346-EB14-402C-A76E-5B0ED5E50007}"/>
+                <a16:creationId xmlns:a16="http://schemas.microsoft.com/office/drawing/2014/main" id="{8FF215CD-4C39-428D-A440-A37F935814AD}"/>
               </a:ext>
             </a:extLst>
           </p:cNvPr>
@@ -20680,8 +24697,8 @@
         </p:blipFill>
         <p:spPr>
           <a:xfrm>
-            <a:off x="2807832" y="1928813"/>
-            <a:ext cx="6576336" cy="4252912"/>
+            <a:off x="108453" y="2279900"/>
+            <a:ext cx="8258175" cy="4212975"/>
           </a:xfrm>
           <a:prstGeom prst="rect">
             <a:avLst/>
@@ -20691,7 +24708,7 @@
     </p:spTree>
     <p:extLst>
       <p:ext uri="{BB962C8B-B14F-4D97-AF65-F5344CB8AC3E}">
-        <p14:creationId xmlns:p14="http://schemas.microsoft.com/office/powerpoint/2010/main" val="2051116637"/>
+        <p14:creationId xmlns:p14="http://schemas.microsoft.com/office/powerpoint/2010/main" val="603596986"/>
       </p:ext>
     </p:extLst>
   </p:cSld>
@@ -21071,22 +25088,24 @@
           <a:lstStyle/>
           <a:p>
             <a:r>
-              <a:rPr lang="en-US" sz="7200" dirty="0">
+              <a:rPr lang="en-US" sz="7200">
                 <a:solidFill>
                   <a:schemeClr val="bg1"/>
                 </a:solidFill>
+                <a:latin typeface="Adobe Song Std L" panose="02020300000000000000" pitchFamily="18" charset="-128"/>
+                <a:ea typeface="Adobe Song Std L" panose="02020300000000000000" pitchFamily="18" charset="-128"/>
               </a:rPr>
-              <a:t>Correlation matrix</a:t>
+              <a:t>Boxplots</a:t>
             </a:r>
           </a:p>
         </p:txBody>
       </p:sp>
       <p:pic>
         <p:nvPicPr>
-          <p:cNvPr id="3" name="Picture 2">
+          <p:cNvPr id="8" name="Content Placeholder 3">
             <a:extLst>
               <a:ext uri="{FF2B5EF4-FFF2-40B4-BE49-F238E27FC236}">
-                <a16:creationId xmlns:a16="http://schemas.microsoft.com/office/drawing/2014/main" id="{C95B6628-AA3D-46A3-9E01-87C34B9EE24C}"/>
+                <a16:creationId xmlns:a16="http://schemas.microsoft.com/office/drawing/2014/main" id="{452AE346-EB14-402C-A76E-5B0ED5E50007}"/>
               </a:ext>
             </a:extLst>
           </p:cNvPr>
@@ -21103,8 +25122,8 @@
         </p:blipFill>
         <p:spPr>
           <a:xfrm>
-            <a:off x="2177143" y="2348161"/>
-            <a:ext cx="8534400" cy="4156495"/>
+            <a:off x="2807832" y="1928813"/>
+            <a:ext cx="6576336" cy="4252912"/>
           </a:xfrm>
           <a:prstGeom prst="rect">
             <a:avLst/>
@@ -21114,7 +25133,7 @@
     </p:spTree>
     <p:extLst>
       <p:ext uri="{BB962C8B-B14F-4D97-AF65-F5344CB8AC3E}">
-        <p14:creationId xmlns:p14="http://schemas.microsoft.com/office/powerpoint/2010/main" val="1774282777"/>
+        <p14:creationId xmlns:p14="http://schemas.microsoft.com/office/powerpoint/2010/main" val="2051116637"/>
       </p:ext>
     </p:extLst>
   </p:cSld>
@@ -21494,22 +25513,24 @@
           <a:lstStyle/>
           <a:p>
             <a:r>
-              <a:rPr lang="en-US" sz="7200" dirty="0">
+              <a:rPr lang="en-US" sz="7200">
                 <a:solidFill>
                   <a:schemeClr val="bg1"/>
                 </a:solidFill>
+                <a:latin typeface="Adobe Song Std L" panose="02020300000000000000" pitchFamily="18" charset="-128"/>
+                <a:ea typeface="Adobe Song Std L" panose="02020300000000000000" pitchFamily="18" charset="-128"/>
               </a:rPr>
-              <a:t>histogram</a:t>
+              <a:t>Correlation Matrix</a:t>
             </a:r>
           </a:p>
         </p:txBody>
       </p:sp>
       <p:pic>
         <p:nvPicPr>
-          <p:cNvPr id="4" name="Picture 3">
+          <p:cNvPr id="3" name="Picture 2">
             <a:extLst>
               <a:ext uri="{FF2B5EF4-FFF2-40B4-BE49-F238E27FC236}">
-                <a16:creationId xmlns:a16="http://schemas.microsoft.com/office/drawing/2014/main" id="{8FF215CD-4C39-428D-A440-A37F935814AD}"/>
+                <a16:creationId xmlns:a16="http://schemas.microsoft.com/office/drawing/2014/main" id="{C95B6628-AA3D-46A3-9E01-87C34B9EE24C}"/>
               </a:ext>
             </a:extLst>
           </p:cNvPr>
@@ -21526,8 +25547,8 @@
         </p:blipFill>
         <p:spPr>
           <a:xfrm>
-            <a:off x="2083026" y="2348162"/>
-            <a:ext cx="8258175" cy="4212975"/>
+            <a:off x="2177143" y="2348161"/>
+            <a:ext cx="8534400" cy="4156495"/>
           </a:xfrm>
           <a:prstGeom prst="rect">
             <a:avLst/>
@@ -21537,7 +25558,7 @@
     </p:spTree>
     <p:extLst>
       <p:ext uri="{BB962C8B-B14F-4D97-AF65-F5344CB8AC3E}">
-        <p14:creationId xmlns:p14="http://schemas.microsoft.com/office/powerpoint/2010/main" val="603596986"/>
+        <p14:creationId xmlns:p14="http://schemas.microsoft.com/office/powerpoint/2010/main" val="1774282777"/>
       </p:ext>
     </p:extLst>
   </p:cSld>
@@ -21917,50 +25938,125 @@
           <a:lstStyle/>
           <a:p>
             <a:r>
-              <a:rPr lang="en-US" sz="7200" dirty="0">
+              <a:rPr lang="en-US" sz="7200">
                 <a:solidFill>
                   <a:schemeClr val="bg1"/>
                 </a:solidFill>
+                <a:latin typeface="Adobe Song Std L" panose="02020300000000000000" pitchFamily="18" charset="-128"/>
+                <a:ea typeface="Adobe Song Std L" panose="02020300000000000000" pitchFamily="18" charset="-128"/>
               </a:rPr>
-              <a:t>histogram</a:t>
+              <a:t>Variable Selection </a:t>
             </a:r>
           </a:p>
         </p:txBody>
       </p:sp>
-      <p:pic>
-        <p:nvPicPr>
-          <p:cNvPr id="4" name="Picture 3">
+      <p:sp>
+        <p:nvSpPr>
+          <p:cNvPr id="3" name="TextBox 2">
             <a:extLst>
               <a:ext uri="{FF2B5EF4-FFF2-40B4-BE49-F238E27FC236}">
-                <a16:creationId xmlns:a16="http://schemas.microsoft.com/office/drawing/2014/main" id="{8FF215CD-4C39-428D-A440-A37F935814AD}"/>
+                <a16:creationId xmlns:a16="http://schemas.microsoft.com/office/drawing/2014/main" id="{C58C2431-F1BC-46BE-A32B-17FE89CF62FE}"/>
               </a:ext>
             </a:extLst>
           </p:cNvPr>
-          <p:cNvPicPr>
-            <a:picLocks noChangeAspect="1"/>
-          </p:cNvPicPr>
+          <p:cNvSpPr txBox="1"/>
           <p:nvPr/>
-        </p:nvPicPr>
-        <p:blipFill>
-          <a:blip r:embed="rId2"/>
-          <a:stretch>
-            <a:fillRect/>
-          </a:stretch>
-        </p:blipFill>
+        </p:nvSpPr>
         <p:spPr>
           <a:xfrm>
-            <a:off x="2083026" y="2348162"/>
-            <a:ext cx="8258175" cy="4212975"/>
+            <a:off x="838200" y="2610678"/>
+            <a:ext cx="9180443" cy="3539430"/>
           </a:xfrm>
           <a:prstGeom prst="rect">
             <a:avLst/>
           </a:prstGeom>
+          <a:noFill/>
         </p:spPr>
-      </p:pic>
+        <p:txBody>
+          <a:bodyPr wrap="square" rtlCol="0">
+            <a:spAutoFit/>
+          </a:bodyPr>
+          <a:lstStyle/>
+          <a:p>
+            <a:r>
+              <a:rPr lang="en-IN" sz="3200">
+                <a:latin typeface="Adobe Song Std L" panose="02020300000000000000" pitchFamily="18" charset="-128"/>
+                <a:ea typeface="Adobe Song Std L" panose="02020300000000000000" pitchFamily="18" charset="-128"/>
+              </a:rPr>
+              <a:t>Variables were selected based on following methods:</a:t>
+            </a:r>
+          </a:p>
+          <a:p>
+            <a:endParaRPr lang="en-IN" sz="3200">
+              <a:latin typeface="Adobe Song Std L" panose="02020300000000000000" pitchFamily="18" charset="-128"/>
+              <a:ea typeface="Adobe Song Std L" panose="02020300000000000000" pitchFamily="18" charset="-128"/>
+            </a:endParaRPr>
+          </a:p>
+          <a:p>
+            <a:pPr marL="457200" indent="-457200">
+              <a:buFont typeface="Arial" panose="020B0604020202020204" pitchFamily="34" charset="0"/>
+              <a:buChar char="•"/>
+            </a:pPr>
+            <a:r>
+              <a:rPr lang="en-IN" sz="3200">
+                <a:latin typeface="Adobe Song Std L" panose="02020300000000000000" pitchFamily="18" charset="-128"/>
+                <a:ea typeface="Adobe Song Std L" panose="02020300000000000000" pitchFamily="18" charset="-128"/>
+              </a:rPr>
+              <a:t>P-Value</a:t>
+            </a:r>
+          </a:p>
+          <a:p>
+            <a:pPr marL="457200" indent="-457200">
+              <a:buFont typeface="Arial" panose="020B0604020202020204" pitchFamily="34" charset="0"/>
+              <a:buChar char="•"/>
+            </a:pPr>
+            <a:endParaRPr lang="en-IN" sz="3200">
+              <a:latin typeface="Adobe Song Std L" panose="02020300000000000000" pitchFamily="18" charset="-128"/>
+              <a:ea typeface="Adobe Song Std L" panose="02020300000000000000" pitchFamily="18" charset="-128"/>
+            </a:endParaRPr>
+          </a:p>
+          <a:p>
+            <a:pPr marL="457200" indent="-457200">
+              <a:buFont typeface="Arial" panose="020B0604020202020204" pitchFamily="34" charset="0"/>
+              <a:buChar char="•"/>
+            </a:pPr>
+            <a:r>
+              <a:rPr lang="en-IN" sz="3200">
+                <a:latin typeface="Adobe Song Std L" panose="02020300000000000000" pitchFamily="18" charset="-128"/>
+                <a:ea typeface="Adobe Song Std L" panose="02020300000000000000" pitchFamily="18" charset="-128"/>
+              </a:rPr>
+              <a:t>BIC (Bayesian Information Criterion)</a:t>
+            </a:r>
+          </a:p>
+          <a:p>
+            <a:pPr marL="457200" indent="-457200">
+              <a:buFont typeface="Arial" panose="020B0604020202020204" pitchFamily="34" charset="0"/>
+              <a:buChar char="•"/>
+            </a:pPr>
+            <a:endParaRPr lang="en-IN" sz="3200">
+              <a:latin typeface="Adobe Song Std L" panose="02020300000000000000" pitchFamily="18" charset="-128"/>
+              <a:ea typeface="Adobe Song Std L" panose="02020300000000000000" pitchFamily="18" charset="-128"/>
+            </a:endParaRPr>
+          </a:p>
+          <a:p>
+            <a:pPr marL="457200" indent="-457200">
+              <a:buFont typeface="Arial" panose="020B0604020202020204" pitchFamily="34" charset="0"/>
+              <a:buChar char="•"/>
+            </a:pPr>
+            <a:r>
+              <a:rPr lang="en-IN" sz="3200">
+                <a:latin typeface="Adobe Song Std L" panose="02020300000000000000" pitchFamily="18" charset="-128"/>
+                <a:ea typeface="Adobe Song Std L" panose="02020300000000000000" pitchFamily="18" charset="-128"/>
+              </a:rPr>
+              <a:t>Using Backward and Forward selection</a:t>
+            </a:r>
+          </a:p>
+        </p:txBody>
+      </p:sp>
     </p:spTree>
     <p:extLst>
       <p:ext uri="{BB962C8B-B14F-4D97-AF65-F5344CB8AC3E}">
-        <p14:creationId xmlns:p14="http://schemas.microsoft.com/office/powerpoint/2010/main" val="2347002231"/>
+        <p14:creationId xmlns:p14="http://schemas.microsoft.com/office/powerpoint/2010/main" val="1002346483"/>
       </p:ext>
     </p:extLst>
   </p:cSld>
@@ -22340,12 +26436,119 @@
           <a:lstStyle/>
           <a:p>
             <a:r>
-              <a:rPr lang="en-US" sz="7200" dirty="0">
+              <a:rPr lang="en-US" sz="7200">
                 <a:solidFill>
                   <a:schemeClr val="bg1"/>
                 </a:solidFill>
+                <a:latin typeface="Adobe Song Std L" panose="02020300000000000000" pitchFamily="18" charset="-128"/>
+                <a:ea typeface="Adobe Song Std L" panose="02020300000000000000" pitchFamily="18" charset="-128"/>
               </a:rPr>
-              <a:t>Model</a:t>
+              <a:t>Variable Selection</a:t>
+            </a:r>
+          </a:p>
+        </p:txBody>
+      </p:sp>
+      <p:sp>
+        <p:nvSpPr>
+          <p:cNvPr id="4" name="TextBox 3">
+            <a:extLst>
+              <a:ext uri="{FF2B5EF4-FFF2-40B4-BE49-F238E27FC236}">
+                <a16:creationId xmlns:a16="http://schemas.microsoft.com/office/drawing/2014/main" id="{D3D80C14-50A0-4A13-85D1-8EC57647E64C}"/>
+              </a:ext>
+            </a:extLst>
+          </p:cNvPr>
+          <p:cNvSpPr txBox="1"/>
+          <p:nvPr/>
+        </p:nvSpPr>
+        <p:spPr>
+          <a:xfrm>
+            <a:off x="8468140" y="3745487"/>
+            <a:ext cx="2994990" cy="646331"/>
+          </a:xfrm>
+          <a:prstGeom prst="rect">
+            <a:avLst/>
+          </a:prstGeom>
+          <a:noFill/>
+        </p:spPr>
+        <p:txBody>
+          <a:bodyPr wrap="square" rtlCol="0">
+            <a:spAutoFit/>
+          </a:bodyPr>
+          <a:lstStyle/>
+          <a:p>
+            <a:r>
+              <a:rPr lang="en-IN" sz="3600" b="1">
+                <a:latin typeface="Adobe Song Std L" panose="02020300000000000000" pitchFamily="18" charset="-128"/>
+                <a:ea typeface="Adobe Song Std L" panose="02020300000000000000" pitchFamily="18" charset="-128"/>
+              </a:rPr>
+              <a:t>AIC: 704.52</a:t>
+            </a:r>
+          </a:p>
+        </p:txBody>
+      </p:sp>
+      <p:pic>
+        <p:nvPicPr>
+          <p:cNvPr id="9" name="Picture 8">
+            <a:extLst>
+              <a:ext uri="{FF2B5EF4-FFF2-40B4-BE49-F238E27FC236}">
+                <a16:creationId xmlns:a16="http://schemas.microsoft.com/office/drawing/2014/main" id="{BD9208BD-6CEE-4D33-8584-637C49722925}"/>
+              </a:ext>
+            </a:extLst>
+          </p:cNvPr>
+          <p:cNvPicPr>
+            <a:picLocks noChangeAspect="1"/>
+          </p:cNvPicPr>
+          <p:nvPr/>
+        </p:nvPicPr>
+        <p:blipFill rotWithShape="1">
+          <a:blip r:embed="rId2"/>
+          <a:srcRect l="15815" t="18052" r="17554" b="13123"/>
+          <a:stretch/>
+        </p:blipFill>
+        <p:spPr>
+          <a:xfrm>
+            <a:off x="172278" y="1983037"/>
+            <a:ext cx="8123584" cy="4717774"/>
+          </a:xfrm>
+          <a:prstGeom prst="rect">
+            <a:avLst/>
+          </a:prstGeom>
+        </p:spPr>
+      </p:pic>
+      <p:sp>
+        <p:nvSpPr>
+          <p:cNvPr id="5" name="TextBox 4">
+            <a:extLst>
+              <a:ext uri="{FF2B5EF4-FFF2-40B4-BE49-F238E27FC236}">
+                <a16:creationId xmlns:a16="http://schemas.microsoft.com/office/drawing/2014/main" id="{0E7F842D-20A9-4EFE-BC5F-51AE23A4CFED}"/>
+              </a:ext>
+            </a:extLst>
+          </p:cNvPr>
+          <p:cNvSpPr txBox="1"/>
+          <p:nvPr/>
+        </p:nvSpPr>
+        <p:spPr>
+          <a:xfrm>
+            <a:off x="8110331" y="2844225"/>
+            <a:ext cx="3470822" cy="584775"/>
+          </a:xfrm>
+          <a:prstGeom prst="rect">
+            <a:avLst/>
+          </a:prstGeom>
+          <a:noFill/>
+        </p:spPr>
+        <p:txBody>
+          <a:bodyPr wrap="none" rtlCol="0">
+            <a:spAutoFit/>
+          </a:bodyPr>
+          <a:lstStyle/>
+          <a:p>
+            <a:r>
+              <a:rPr lang="en-IN" sz="3200">
+                <a:latin typeface="Adobe Song Std L" panose="02020300000000000000" pitchFamily="18" charset="-128"/>
+                <a:ea typeface="Adobe Song Std L" panose="02020300000000000000" pitchFamily="18" charset="-128"/>
+              </a:rPr>
+              <a:t>Model using P-value</a:t>
             </a:r>
           </a:p>
         </p:txBody>
@@ -22353,7 +26556,7 @@
     </p:spTree>
     <p:extLst>
       <p:ext uri="{BB962C8B-B14F-4D97-AF65-F5344CB8AC3E}">
-        <p14:creationId xmlns:p14="http://schemas.microsoft.com/office/powerpoint/2010/main" val="3127147999"/>
+        <p14:creationId xmlns:p14="http://schemas.microsoft.com/office/powerpoint/2010/main" val="3040708327"/>
       </p:ext>
     </p:extLst>
   </p:cSld>
